--- a/Prezentace/1. ročník/PGM_00_uvodni_hodina.pptx
+++ b/Prezentace/1. ročník/PGM_00_uvodni_hodina.pptx
@@ -1,26 +1,27 @@
 
 <file path=ppt/presentation.xml><?xml version="1.0" encoding="utf-8"?>
-<p:presentation xmlns:a="http://schemas.openxmlformats.org/drawingml/2006/main" xmlns:r="http://schemas.openxmlformats.org/officeDocument/2006/relationships" xmlns:p="http://schemas.openxmlformats.org/presentationml/2006/main" saveSubsetFonts="1">
+<p:presentation xmlns:a="http://schemas.openxmlformats.org/drawingml/2006/main" xmlns:r="http://schemas.openxmlformats.org/officeDocument/2006/relationships" xmlns:p="http://schemas.openxmlformats.org/presentationml/2006/main" showSpecialPlsOnTitleSld="0" saveSubsetFonts="1">
   <p:sldMasterIdLst>
     <p:sldMasterId id="2147483674" r:id="rId1"/>
+    <p:sldMasterId id="2147483686" r:id="rId2"/>
   </p:sldMasterIdLst>
   <p:notesMasterIdLst>
-    <p:notesMasterId r:id="rId12"/>
+    <p:notesMasterId r:id="rId13"/>
   </p:notesMasterIdLst>
   <p:handoutMasterIdLst>
-    <p:handoutMasterId r:id="rId13"/>
+    <p:handoutMasterId r:id="rId14"/>
   </p:handoutMasterIdLst>
   <p:sldIdLst>
-    <p:sldId id="257" r:id="rId2"/>
-    <p:sldId id="262" r:id="rId3"/>
-    <p:sldId id="264" r:id="rId4"/>
-    <p:sldId id="263" r:id="rId5"/>
-    <p:sldId id="265" r:id="rId6"/>
-    <p:sldId id="266" r:id="rId7"/>
-    <p:sldId id="267" r:id="rId8"/>
-    <p:sldId id="268" r:id="rId9"/>
-    <p:sldId id="269" r:id="rId10"/>
-    <p:sldId id="270" r:id="rId11"/>
+    <p:sldId id="257" r:id="rId3"/>
+    <p:sldId id="262" r:id="rId4"/>
+    <p:sldId id="264" r:id="rId5"/>
+    <p:sldId id="263" r:id="rId6"/>
+    <p:sldId id="265" r:id="rId7"/>
+    <p:sldId id="266" r:id="rId8"/>
+    <p:sldId id="267" r:id="rId9"/>
+    <p:sldId id="268" r:id="rId10"/>
+    <p:sldId id="269" r:id="rId11"/>
+    <p:sldId id="270" r:id="rId12"/>
   </p:sldIdLst>
   <p:sldSz cx="12192000" cy="6858000"/>
   <p:notesSz cx="6858000" cy="9144000"/>
@@ -212,9 +213,9 @@
           </a:lstStyle>
           <a:p>
             <a:pPr rtl="0"/>
-            <a:fld id="{9D43E978-523C-4533-8BC1-3E15517B0CAD}" type="datetime1">
+            <a:fld id="{7E44473F-4E25-4C53-87B3-833F9B489831}" type="datetime1">
               <a:rPr lang="cs-CZ" smtClean="0"/>
-              <a:t>17.06.2024</a:t>
+              <a:t>20.06.2024</a:t>
             </a:fld>
             <a:endParaRPr lang="en-US" dirty="0"/>
           </a:p>
@@ -382,9 +383,9 @@
           </a:lstStyle>
           <a:p>
             <a:pPr rtl="0"/>
-            <a:fld id="{04C72AE4-F412-4D0F-98D9-8DF7EF13BAD4}" type="datetime1">
+            <a:fld id="{F1A0DCEF-9A81-48EF-9BB5-F7EF5AA5AE11}" type="datetime1">
               <a:rPr lang="cs-CZ" smtClean="0"/>
-              <a:t>17.06.2024</a:t>
+              <a:t>20.06.2024</a:t>
             </a:fld>
             <a:endParaRPr lang="en-US"/>
           </a:p>
@@ -803,9 +804,9 @@
           <a:lstStyle/>
           <a:p>
             <a:pPr rtl="0"/>
-            <a:fld id="{6962437A-69DF-4FC4-82E7-095787E88CA2}" type="datetime1">
+            <a:fld id="{9998371A-1559-4CE6-B7EF-33BA3A4E8F91}" type="datetime1">
               <a:rPr lang="cs-CZ" smtClean="0"/>
-              <a:t>17.06.2024</a:t>
+              <a:t>20.06.2024</a:t>
             </a:fld>
             <a:endParaRPr lang="en-US" dirty="0"/>
           </a:p>
@@ -833,6 +834,10 @@
           <a:lstStyle/>
           <a:p>
             <a:pPr rtl="0"/>
+            <a:r>
+              <a:rPr lang="en-US"/>
+              <a:t>Bc. David Sládeček</a:t>
+            </a:r>
             <a:endParaRPr lang="en-US" dirty="0"/>
           </a:p>
         </p:txBody>
@@ -1004,9 +1009,9 @@
           <a:lstStyle/>
           <a:p>
             <a:pPr rtl="0"/>
-            <a:fld id="{99C5B914-8B12-4555-B381-C9C72B2408B7}" type="datetime1">
+            <a:fld id="{C239D9C9-378C-42A0-8605-1BEFE33AC476}" type="datetime1">
               <a:rPr lang="cs-CZ" smtClean="0"/>
-              <a:t>17.06.2024</a:t>
+              <a:t>20.06.2024</a:t>
             </a:fld>
             <a:endParaRPr lang="en-US"/>
           </a:p>
@@ -1034,7 +1039,10 @@
           <a:lstStyle/>
           <a:p>
             <a:pPr rtl="0"/>
-            <a:endParaRPr lang="en-US"/>
+            <a:r>
+              <a:rPr lang="en-US"/>
+              <a:t>Bc. David Sládeček</a:t>
+            </a:r>
           </a:p>
         </p:txBody>
       </p:sp>
@@ -1215,9 +1223,9 @@
           <a:lstStyle/>
           <a:p>
             <a:pPr rtl="0"/>
-            <a:fld id="{BB8ACA46-9028-4D5D-8730-99171FAE3F06}" type="datetime1">
+            <a:fld id="{130996A1-9654-4471-B9BE-9259361A58A2}" type="datetime1">
               <a:rPr lang="cs-CZ" smtClean="0"/>
-              <a:t>17.06.2024</a:t>
+              <a:t>20.06.2024</a:t>
             </a:fld>
             <a:endParaRPr lang="en-US"/>
           </a:p>
@@ -1245,7 +1253,10 @@
           <a:lstStyle/>
           <a:p>
             <a:pPr rtl="0"/>
-            <a:endParaRPr lang="en-US"/>
+            <a:r>
+              <a:rPr lang="en-US"/>
+              <a:t>Bc. David Sládeček</a:t>
+            </a:r>
           </a:p>
         </p:txBody>
       </p:sp>
@@ -1292,7 +1303,230 @@
 </p:sldLayout>
 </file>
 
-<file path=ppt/slideLayouts/slideLayout2.xml><?xml version="1.0" encoding="utf-8"?>
+<file path=ppt/slideLayouts/slideLayout12.xml><?xml version="1.0" encoding="utf-8"?>
+<p:sldLayout xmlns:a="http://schemas.openxmlformats.org/drawingml/2006/main" xmlns:r="http://schemas.openxmlformats.org/officeDocument/2006/relationships" xmlns:p="http://schemas.openxmlformats.org/presentationml/2006/main" type="title" preserve="1">
+  <p:cSld name="Úvodní snímek">
+    <p:spTree>
+      <p:nvGrpSpPr>
+        <p:cNvPr id="1" name=""/>
+        <p:cNvGrpSpPr/>
+        <p:nvPr/>
+      </p:nvGrpSpPr>
+      <p:grpSpPr>
+        <a:xfrm>
+          <a:off x="0" y="0"/>
+          <a:ext cx="0" cy="0"/>
+          <a:chOff x="0" y="0"/>
+          <a:chExt cx="0" cy="0"/>
+        </a:xfrm>
+      </p:grpSpPr>
+      <p:sp>
+        <p:nvSpPr>
+          <p:cNvPr id="2" name="Nadpis 1">
+            <a:extLst>
+              <a:ext uri="{FF2B5EF4-FFF2-40B4-BE49-F238E27FC236}">
+                <a16:creationId xmlns:a16="http://schemas.microsoft.com/office/drawing/2014/main" id="{CC1EC507-9D48-814A-107D-D98766292001}"/>
+              </a:ext>
+            </a:extLst>
+          </p:cNvPr>
+          <p:cNvSpPr>
+            <a:spLocks noGrp="1"/>
+          </p:cNvSpPr>
+          <p:nvPr>
+            <p:ph type="ctrTitle"/>
+          </p:nvPr>
+        </p:nvSpPr>
+        <p:spPr>
+          <a:xfrm>
+            <a:off x="1524000" y="1122363"/>
+            <a:ext cx="9144000" cy="2387600"/>
+          </a:xfrm>
+        </p:spPr>
+        <p:txBody>
+          <a:bodyPr anchor="b"/>
+          <a:lstStyle>
+            <a:lvl1pPr algn="ctr">
+              <a:defRPr sz="6000"/>
+            </a:lvl1pPr>
+          </a:lstStyle>
+          <a:p>
+            <a:r>
+              <a:rPr lang="cs-CZ"/>
+              <a:t>Kliknutím lze upravit styl.</a:t>
+            </a:r>
+          </a:p>
+        </p:txBody>
+      </p:sp>
+      <p:sp>
+        <p:nvSpPr>
+          <p:cNvPr id="3" name="Podnadpis 2">
+            <a:extLst>
+              <a:ext uri="{FF2B5EF4-FFF2-40B4-BE49-F238E27FC236}">
+                <a16:creationId xmlns:a16="http://schemas.microsoft.com/office/drawing/2014/main" id="{FAAE5CC6-3B37-22EE-A9B0-564E78E30341}"/>
+              </a:ext>
+            </a:extLst>
+          </p:cNvPr>
+          <p:cNvSpPr>
+            <a:spLocks noGrp="1"/>
+          </p:cNvSpPr>
+          <p:nvPr>
+            <p:ph type="subTitle" idx="1"/>
+          </p:nvPr>
+        </p:nvSpPr>
+        <p:spPr>
+          <a:xfrm>
+            <a:off x="1524000" y="3602038"/>
+            <a:ext cx="9144000" cy="1655762"/>
+          </a:xfrm>
+        </p:spPr>
+        <p:txBody>
+          <a:bodyPr/>
+          <a:lstStyle>
+            <a:lvl1pPr marL="0" indent="0" algn="ctr">
+              <a:buNone/>
+              <a:defRPr sz="2400"/>
+            </a:lvl1pPr>
+            <a:lvl2pPr marL="457200" indent="0" algn="ctr">
+              <a:buNone/>
+              <a:defRPr sz="2000"/>
+            </a:lvl2pPr>
+            <a:lvl3pPr marL="914400" indent="0" algn="ctr">
+              <a:buNone/>
+              <a:defRPr sz="1800"/>
+            </a:lvl3pPr>
+            <a:lvl4pPr marL="1371600" indent="0" algn="ctr">
+              <a:buNone/>
+              <a:defRPr sz="1600"/>
+            </a:lvl4pPr>
+            <a:lvl5pPr marL="1828800" indent="0" algn="ctr">
+              <a:buNone/>
+              <a:defRPr sz="1600"/>
+            </a:lvl5pPr>
+            <a:lvl6pPr marL="2286000" indent="0" algn="ctr">
+              <a:buNone/>
+              <a:defRPr sz="1600"/>
+            </a:lvl6pPr>
+            <a:lvl7pPr marL="2743200" indent="0" algn="ctr">
+              <a:buNone/>
+              <a:defRPr sz="1600"/>
+            </a:lvl7pPr>
+            <a:lvl8pPr marL="3200400" indent="0" algn="ctr">
+              <a:buNone/>
+              <a:defRPr sz="1600"/>
+            </a:lvl8pPr>
+            <a:lvl9pPr marL="3657600" indent="0" algn="ctr">
+              <a:buNone/>
+              <a:defRPr sz="1600"/>
+            </a:lvl9pPr>
+          </a:lstStyle>
+          <a:p>
+            <a:r>
+              <a:rPr lang="cs-CZ"/>
+              <a:t>Kliknutím můžete upravit styl předlohy.</a:t>
+            </a:r>
+          </a:p>
+        </p:txBody>
+      </p:sp>
+      <p:sp>
+        <p:nvSpPr>
+          <p:cNvPr id="4" name="Zástupný symbol pro datum 3">
+            <a:extLst>
+              <a:ext uri="{FF2B5EF4-FFF2-40B4-BE49-F238E27FC236}">
+                <a16:creationId xmlns:a16="http://schemas.microsoft.com/office/drawing/2014/main" id="{8142D8EA-88F6-ED40-D0B2-E046BE3FD687}"/>
+              </a:ext>
+            </a:extLst>
+          </p:cNvPr>
+          <p:cNvSpPr>
+            <a:spLocks noGrp="1"/>
+          </p:cNvSpPr>
+          <p:nvPr>
+            <p:ph type="dt" sz="half" idx="10"/>
+          </p:nvPr>
+        </p:nvSpPr>
+        <p:spPr/>
+        <p:txBody>
+          <a:bodyPr/>
+          <a:lstStyle/>
+          <a:p>
+            <a:fld id="{BCFDAE6B-F434-4D75-A516-931321BD7CDF}" type="datetime1">
+              <a:rPr lang="cs-CZ" smtClean="0"/>
+              <a:t>20.06.2024</a:t>
+            </a:fld>
+            <a:endParaRPr lang="cs-CZ"/>
+          </a:p>
+        </p:txBody>
+      </p:sp>
+      <p:sp>
+        <p:nvSpPr>
+          <p:cNvPr id="5" name="Zástupný symbol pro zápatí 4">
+            <a:extLst>
+              <a:ext uri="{FF2B5EF4-FFF2-40B4-BE49-F238E27FC236}">
+                <a16:creationId xmlns:a16="http://schemas.microsoft.com/office/drawing/2014/main" id="{E8D3F6D9-520A-146B-7085-A42808E7E1AE}"/>
+              </a:ext>
+            </a:extLst>
+          </p:cNvPr>
+          <p:cNvSpPr>
+            <a:spLocks noGrp="1"/>
+          </p:cNvSpPr>
+          <p:nvPr>
+            <p:ph type="ftr" sz="quarter" idx="11"/>
+          </p:nvPr>
+        </p:nvSpPr>
+        <p:spPr/>
+        <p:txBody>
+          <a:bodyPr/>
+          <a:lstStyle/>
+          <a:p>
+            <a:r>
+              <a:rPr lang="cs-CZ"/>
+              <a:t>Bc. David Sládeček</a:t>
+            </a:r>
+          </a:p>
+        </p:txBody>
+      </p:sp>
+      <p:sp>
+        <p:nvSpPr>
+          <p:cNvPr id="6" name="Zástupný symbol pro číslo snímku 5">
+            <a:extLst>
+              <a:ext uri="{FF2B5EF4-FFF2-40B4-BE49-F238E27FC236}">
+                <a16:creationId xmlns:a16="http://schemas.microsoft.com/office/drawing/2014/main" id="{07ED629F-8CD5-883D-DA2E-BE89415DC928}"/>
+              </a:ext>
+            </a:extLst>
+          </p:cNvPr>
+          <p:cNvSpPr>
+            <a:spLocks noGrp="1"/>
+          </p:cNvSpPr>
+          <p:nvPr>
+            <p:ph type="sldNum" sz="quarter" idx="12"/>
+          </p:nvPr>
+        </p:nvSpPr>
+        <p:spPr/>
+        <p:txBody>
+          <a:bodyPr/>
+          <a:lstStyle/>
+          <a:p>
+            <a:fld id="{A800683B-2A95-47FE-BB8F-45BBE6B62DC7}" type="slidenum">
+              <a:rPr lang="cs-CZ" smtClean="0"/>
+              <a:t>‹#›</a:t>
+            </a:fld>
+            <a:endParaRPr lang="cs-CZ"/>
+          </a:p>
+        </p:txBody>
+      </p:sp>
+    </p:spTree>
+    <p:extLst>
+      <p:ext uri="{BB962C8B-B14F-4D97-AF65-F5344CB8AC3E}">
+        <p14:creationId xmlns:p14="http://schemas.microsoft.com/office/powerpoint/2010/main" val="2562164497"/>
+      </p:ext>
+    </p:extLst>
+  </p:cSld>
+  <p:clrMapOvr>
+    <a:masterClrMapping/>
+  </p:clrMapOvr>
+</p:sldLayout>
+</file>
+
+<file path=ppt/slideLayouts/slideLayout13.xml><?xml version="1.0" encoding="utf-8"?>
 <p:sldLayout xmlns:a="http://schemas.openxmlformats.org/drawingml/2006/main" xmlns:r="http://schemas.openxmlformats.org/officeDocument/2006/relationships" xmlns:p="http://schemas.openxmlformats.org/presentationml/2006/main" type="obj" preserve="1">
   <p:cSld name="Nadpis a obsah">
     <p:spTree>
@@ -1314,7 +1548,7 @@
           <p:cNvPr id="2" name="Nadpis 1">
             <a:extLst>
               <a:ext uri="{FF2B5EF4-FFF2-40B4-BE49-F238E27FC236}">
-                <a16:creationId xmlns:a16="http://schemas.microsoft.com/office/drawing/2014/main" id="{05B918C4-6FFA-CE7A-FA95-B40B188B3BCA}"/>
+                <a16:creationId xmlns:a16="http://schemas.microsoft.com/office/drawing/2014/main" id="{2E0C1FE6-C93A-1AFA-3A8F-F80833814BE1}"/>
               </a:ext>
             </a:extLst>
           </p:cNvPr>
@@ -1342,7 +1576,7 @@
           <p:cNvPr id="3" name="Zástupný obsah 2">
             <a:extLst>
               <a:ext uri="{FF2B5EF4-FFF2-40B4-BE49-F238E27FC236}">
-                <a16:creationId xmlns:a16="http://schemas.microsoft.com/office/drawing/2014/main" id="{F31EFBED-2C30-EA3B-C9F8-6D17F42D6503}"/>
+                <a16:creationId xmlns:a16="http://schemas.microsoft.com/office/drawing/2014/main" id="{868774A0-D418-1512-09FA-845AC39D8749}"/>
               </a:ext>
             </a:extLst>
           </p:cNvPr>
@@ -1399,7 +1633,7 @@
           <p:cNvPr id="4" name="Zástupný symbol pro datum 3">
             <a:extLst>
               <a:ext uri="{FF2B5EF4-FFF2-40B4-BE49-F238E27FC236}">
-                <a16:creationId xmlns:a16="http://schemas.microsoft.com/office/drawing/2014/main" id="{E0526B5B-A848-39E7-7574-6A69D0548EED}"/>
+                <a16:creationId xmlns:a16="http://schemas.microsoft.com/office/drawing/2014/main" id="{5BC7DE20-1314-0F6B-F93C-D562C5054B29}"/>
               </a:ext>
             </a:extLst>
           </p:cNvPr>
@@ -1415,12 +1649,11 @@
           <a:bodyPr/>
           <a:lstStyle/>
           <a:p>
-            <a:pPr rtl="0"/>
-            <a:fld id="{3B2AC929-901E-466E-BE68-07E756E2CD9A}" type="datetime1">
+            <a:fld id="{3980BD06-30B0-4DD9-8E84-D549DE2E8E44}" type="datetime1">
               <a:rPr lang="cs-CZ" smtClean="0"/>
-              <a:t>17.06.2024</a:t>
+              <a:t>20.06.2024</a:t>
             </a:fld>
-            <a:endParaRPr lang="en-US"/>
+            <a:endParaRPr lang="cs-CZ"/>
           </a:p>
         </p:txBody>
       </p:sp>
@@ -1429,7 +1662,7 @@
           <p:cNvPr id="5" name="Zástupný symbol pro zápatí 4">
             <a:extLst>
               <a:ext uri="{FF2B5EF4-FFF2-40B4-BE49-F238E27FC236}">
-                <a16:creationId xmlns:a16="http://schemas.microsoft.com/office/drawing/2014/main" id="{406B0CBE-4148-52F9-A174-3D89302D86EE}"/>
+                <a16:creationId xmlns:a16="http://schemas.microsoft.com/office/drawing/2014/main" id="{C9F1CA4E-5ACD-C4A8-8FEE-776652379407}"/>
               </a:ext>
             </a:extLst>
           </p:cNvPr>
@@ -1445,8 +1678,10 @@
           <a:bodyPr/>
           <a:lstStyle/>
           <a:p>
-            <a:pPr rtl="0"/>
-            <a:endParaRPr lang="en-US"/>
+            <a:r>
+              <a:rPr lang="cs-CZ"/>
+              <a:t>Bc. David Sládeček</a:t>
+            </a:r>
           </a:p>
         </p:txBody>
       </p:sp>
@@ -1455,7 +1690,7 @@
           <p:cNvPr id="6" name="Zástupný symbol pro číslo snímku 5">
             <a:extLst>
               <a:ext uri="{FF2B5EF4-FFF2-40B4-BE49-F238E27FC236}">
-                <a16:creationId xmlns:a16="http://schemas.microsoft.com/office/drawing/2014/main" id="{82437923-F25E-C1CF-302E-42CB11210755}"/>
+                <a16:creationId xmlns:a16="http://schemas.microsoft.com/office/drawing/2014/main" id="{95613BFC-1AEE-6DD3-AEC3-7FC96675E36F}"/>
               </a:ext>
             </a:extLst>
           </p:cNvPr>
@@ -1471,19 +1706,18 @@
           <a:bodyPr/>
           <a:lstStyle/>
           <a:p>
-            <a:pPr rtl="0"/>
-            <a:fld id="{34B7E4EF-A1BD-40F4-AB7B-04F084DD991D}" type="slidenum">
-              <a:rPr lang="en-US" smtClean="0"/>
+            <a:fld id="{A800683B-2A95-47FE-BB8F-45BBE6B62DC7}" type="slidenum">
+              <a:rPr lang="cs-CZ" smtClean="0"/>
               <a:t>‹#›</a:t>
             </a:fld>
-            <a:endParaRPr lang="en-US"/>
+            <a:endParaRPr lang="cs-CZ"/>
           </a:p>
         </p:txBody>
       </p:sp>
     </p:spTree>
     <p:extLst>
       <p:ext uri="{BB962C8B-B14F-4D97-AF65-F5344CB8AC3E}">
-        <p14:creationId xmlns:p14="http://schemas.microsoft.com/office/powerpoint/2010/main" val="1765530824"/>
+        <p14:creationId xmlns:p14="http://schemas.microsoft.com/office/powerpoint/2010/main" val="1234490702"/>
       </p:ext>
     </p:extLst>
   </p:cSld>
@@ -1493,7 +1727,7 @@
 </p:sldLayout>
 </file>
 
-<file path=ppt/slideLayouts/slideLayout3.xml><?xml version="1.0" encoding="utf-8"?>
+<file path=ppt/slideLayouts/slideLayout14.xml><?xml version="1.0" encoding="utf-8"?>
 <p:sldLayout xmlns:a="http://schemas.openxmlformats.org/drawingml/2006/main" xmlns:r="http://schemas.openxmlformats.org/officeDocument/2006/relationships" xmlns:p="http://schemas.openxmlformats.org/presentationml/2006/main" type="secHead" preserve="1">
   <p:cSld name="Záhlaví oddílu">
     <p:spTree>
@@ -1515,7 +1749,7 @@
           <p:cNvPr id="2" name="Nadpis 1">
             <a:extLst>
               <a:ext uri="{FF2B5EF4-FFF2-40B4-BE49-F238E27FC236}">
-                <a16:creationId xmlns:a16="http://schemas.microsoft.com/office/drawing/2014/main" id="{B9F4033D-D5F8-5544-2DDC-A831CE2633CA}"/>
+                <a16:creationId xmlns:a16="http://schemas.microsoft.com/office/drawing/2014/main" id="{BB4542A1-D8AA-BB3D-EF3D-3632D055E401}"/>
               </a:ext>
             </a:extLst>
           </p:cNvPr>
@@ -1552,7 +1786,7 @@
           <p:cNvPr id="3" name="Zástupný text 2">
             <a:extLst>
               <a:ext uri="{FF2B5EF4-FFF2-40B4-BE49-F238E27FC236}">
-                <a16:creationId xmlns:a16="http://schemas.microsoft.com/office/drawing/2014/main" id="{2206F287-A1CF-71F5-749F-BB1B9FE8FA25}"/>
+                <a16:creationId xmlns:a16="http://schemas.microsoft.com/office/drawing/2014/main" id="{E23A41E4-4EC6-F0FB-68A8-CE632EE97242}"/>
               </a:ext>
             </a:extLst>
           </p:cNvPr>
@@ -1677,7 +1911,7 @@
           <p:cNvPr id="4" name="Zástupný symbol pro datum 3">
             <a:extLst>
               <a:ext uri="{FF2B5EF4-FFF2-40B4-BE49-F238E27FC236}">
-                <a16:creationId xmlns:a16="http://schemas.microsoft.com/office/drawing/2014/main" id="{B64DF432-9E7F-1977-1937-044A6E52F7B7}"/>
+                <a16:creationId xmlns:a16="http://schemas.microsoft.com/office/drawing/2014/main" id="{9F62271F-7356-D704-D797-3082E32FB9F9}"/>
               </a:ext>
             </a:extLst>
           </p:cNvPr>
@@ -1693,12 +1927,11 @@
           <a:bodyPr/>
           <a:lstStyle/>
           <a:p>
-            <a:pPr rtl="0"/>
-            <a:fld id="{8CF5898F-43A4-4623-95FA-D301F8EA43EB}" type="datetime1">
+            <a:fld id="{E579C5B6-8305-46DE-B7D5-03E22D5BF998}" type="datetime1">
               <a:rPr lang="cs-CZ" smtClean="0"/>
-              <a:t>17.06.2024</a:t>
+              <a:t>20.06.2024</a:t>
             </a:fld>
-            <a:endParaRPr lang="en-US" dirty="0"/>
+            <a:endParaRPr lang="cs-CZ"/>
           </a:p>
         </p:txBody>
       </p:sp>
@@ -1707,7 +1940,7 @@
           <p:cNvPr id="5" name="Zástupný symbol pro zápatí 4">
             <a:extLst>
               <a:ext uri="{FF2B5EF4-FFF2-40B4-BE49-F238E27FC236}">
-                <a16:creationId xmlns:a16="http://schemas.microsoft.com/office/drawing/2014/main" id="{417BBDA1-8ED7-D97F-DB52-DB4714BF6F58}"/>
+                <a16:creationId xmlns:a16="http://schemas.microsoft.com/office/drawing/2014/main" id="{0FDC55B6-D597-0372-A060-480B6E9FAA18}"/>
               </a:ext>
             </a:extLst>
           </p:cNvPr>
@@ -1723,8 +1956,10 @@
           <a:bodyPr/>
           <a:lstStyle/>
           <a:p>
-            <a:pPr rtl="0"/>
-            <a:endParaRPr lang="en-US" dirty="0"/>
+            <a:r>
+              <a:rPr lang="cs-CZ"/>
+              <a:t>Bc. David Sládeček</a:t>
+            </a:r>
           </a:p>
         </p:txBody>
       </p:sp>
@@ -1733,7 +1968,7 @@
           <p:cNvPr id="6" name="Zástupný symbol pro číslo snímku 5">
             <a:extLst>
               <a:ext uri="{FF2B5EF4-FFF2-40B4-BE49-F238E27FC236}">
-                <a16:creationId xmlns:a16="http://schemas.microsoft.com/office/drawing/2014/main" id="{AA2F0D1D-8665-5D4F-51D7-1A49F82BC4E3}"/>
+                <a16:creationId xmlns:a16="http://schemas.microsoft.com/office/drawing/2014/main" id="{E09A5F5B-0D72-FF23-DA21-2687A8817DB5}"/>
               </a:ext>
             </a:extLst>
           </p:cNvPr>
@@ -1749,19 +1984,18 @@
           <a:bodyPr/>
           <a:lstStyle/>
           <a:p>
-            <a:pPr rtl="0"/>
-            <a:fld id="{34B7E4EF-A1BD-40F4-AB7B-04F084DD991D}" type="slidenum">
-              <a:rPr lang="en-US" smtClean="0"/>
+            <a:fld id="{A800683B-2A95-47FE-BB8F-45BBE6B62DC7}" type="slidenum">
+              <a:rPr lang="cs-CZ" smtClean="0"/>
               <a:t>‹#›</a:t>
             </a:fld>
-            <a:endParaRPr lang="en-US" dirty="0"/>
+            <a:endParaRPr lang="cs-CZ"/>
           </a:p>
         </p:txBody>
       </p:sp>
     </p:spTree>
     <p:extLst>
       <p:ext uri="{BB962C8B-B14F-4D97-AF65-F5344CB8AC3E}">
-        <p14:creationId xmlns:p14="http://schemas.microsoft.com/office/powerpoint/2010/main" val="2344875220"/>
+        <p14:creationId xmlns:p14="http://schemas.microsoft.com/office/powerpoint/2010/main" val="742331465"/>
       </p:ext>
     </p:extLst>
   </p:cSld>
@@ -1771,7 +2005,7 @@
 </p:sldLayout>
 </file>
 
-<file path=ppt/slideLayouts/slideLayout4.xml><?xml version="1.0" encoding="utf-8"?>
+<file path=ppt/slideLayouts/slideLayout15.xml><?xml version="1.0" encoding="utf-8"?>
 <p:sldLayout xmlns:a="http://schemas.openxmlformats.org/drawingml/2006/main" xmlns:r="http://schemas.openxmlformats.org/officeDocument/2006/relationships" xmlns:p="http://schemas.openxmlformats.org/presentationml/2006/main" type="twoObj" preserve="1">
   <p:cSld name="Dva obsahy">
     <p:spTree>
@@ -1793,7 +2027,7 @@
           <p:cNvPr id="2" name="Nadpis 1">
             <a:extLst>
               <a:ext uri="{FF2B5EF4-FFF2-40B4-BE49-F238E27FC236}">
-                <a16:creationId xmlns:a16="http://schemas.microsoft.com/office/drawing/2014/main" id="{3F317C66-09E9-844B-0CDE-995349A19698}"/>
+                <a16:creationId xmlns:a16="http://schemas.microsoft.com/office/drawing/2014/main" id="{69757834-DB95-1E5D-C3BA-08AC77997AEC}"/>
               </a:ext>
             </a:extLst>
           </p:cNvPr>
@@ -1821,7 +2055,7 @@
           <p:cNvPr id="3" name="Zástupný obsah 2">
             <a:extLst>
               <a:ext uri="{FF2B5EF4-FFF2-40B4-BE49-F238E27FC236}">
-                <a16:creationId xmlns:a16="http://schemas.microsoft.com/office/drawing/2014/main" id="{402F2CB8-B5F3-C6BD-3FCB-9EA1E0489C53}"/>
+                <a16:creationId xmlns:a16="http://schemas.microsoft.com/office/drawing/2014/main" id="{2D9AC786-3D3E-1C1E-3988-032A910AADA1}"/>
               </a:ext>
             </a:extLst>
           </p:cNvPr>
@@ -1883,7 +2117,7 @@
           <p:cNvPr id="4" name="Zástupný obsah 3">
             <a:extLst>
               <a:ext uri="{FF2B5EF4-FFF2-40B4-BE49-F238E27FC236}">
-                <a16:creationId xmlns:a16="http://schemas.microsoft.com/office/drawing/2014/main" id="{3E445EEA-967F-5654-7A64-0AA478DA00F3}"/>
+                <a16:creationId xmlns:a16="http://schemas.microsoft.com/office/drawing/2014/main" id="{4E5FADE5-EB18-919D-8B8D-B9973D0EBCB8}"/>
               </a:ext>
             </a:extLst>
           </p:cNvPr>
@@ -1945,7 +2179,7 @@
           <p:cNvPr id="5" name="Zástupný symbol pro datum 4">
             <a:extLst>
               <a:ext uri="{FF2B5EF4-FFF2-40B4-BE49-F238E27FC236}">
-                <a16:creationId xmlns:a16="http://schemas.microsoft.com/office/drawing/2014/main" id="{9B737C54-161D-D72F-5267-BAF8E9303D05}"/>
+                <a16:creationId xmlns:a16="http://schemas.microsoft.com/office/drawing/2014/main" id="{08A30B05-F151-4477-5045-F69BBB12C3F4}"/>
               </a:ext>
             </a:extLst>
           </p:cNvPr>
@@ -1961,12 +2195,11 @@
           <a:bodyPr/>
           <a:lstStyle/>
           <a:p>
-            <a:pPr rtl="0"/>
-            <a:fld id="{10639C23-9424-4615-9F2F-4DF01B7F951B}" type="datetime1">
+            <a:fld id="{14548496-5064-4AC1-A526-DB0568A12DB7}" type="datetime1">
               <a:rPr lang="cs-CZ" smtClean="0"/>
-              <a:t>17.06.2024</a:t>
+              <a:t>20.06.2024</a:t>
             </a:fld>
-            <a:endParaRPr lang="en-US" dirty="0"/>
+            <a:endParaRPr lang="cs-CZ"/>
           </a:p>
         </p:txBody>
       </p:sp>
@@ -1975,7 +2208,7 @@
           <p:cNvPr id="6" name="Zástupný symbol pro zápatí 5">
             <a:extLst>
               <a:ext uri="{FF2B5EF4-FFF2-40B4-BE49-F238E27FC236}">
-                <a16:creationId xmlns:a16="http://schemas.microsoft.com/office/drawing/2014/main" id="{03D08C7D-B71B-0BE1-D20C-6579A77E6F0D}"/>
+                <a16:creationId xmlns:a16="http://schemas.microsoft.com/office/drawing/2014/main" id="{C498BE17-3B5B-E0DF-797C-2781477FC28A}"/>
               </a:ext>
             </a:extLst>
           </p:cNvPr>
@@ -1991,8 +2224,10 @@
           <a:bodyPr/>
           <a:lstStyle/>
           <a:p>
-            <a:pPr rtl="0"/>
-            <a:endParaRPr lang="en-US" dirty="0"/>
+            <a:r>
+              <a:rPr lang="cs-CZ"/>
+              <a:t>Bc. David Sládeček</a:t>
+            </a:r>
           </a:p>
         </p:txBody>
       </p:sp>
@@ -2001,7 +2236,7 @@
           <p:cNvPr id="7" name="Zástupný symbol pro číslo snímku 6">
             <a:extLst>
               <a:ext uri="{FF2B5EF4-FFF2-40B4-BE49-F238E27FC236}">
-                <a16:creationId xmlns:a16="http://schemas.microsoft.com/office/drawing/2014/main" id="{77A14AF9-BEE5-2B81-8FBB-40C4D401572B}"/>
+                <a16:creationId xmlns:a16="http://schemas.microsoft.com/office/drawing/2014/main" id="{DAE135F5-EDC5-E72A-15E1-02810E672DB3}"/>
               </a:ext>
             </a:extLst>
           </p:cNvPr>
@@ -2017,30 +2252,28 @@
           <a:bodyPr/>
           <a:lstStyle/>
           <a:p>
-            <a:pPr rtl="0"/>
-            <a:fld id="{34B7E4EF-A1BD-40F4-AB7B-04F084DD991D}" type="slidenum">
-              <a:rPr lang="en-US" smtClean="0"/>
+            <a:fld id="{A800683B-2A95-47FE-BB8F-45BBE6B62DC7}" type="slidenum">
+              <a:rPr lang="cs-CZ" smtClean="0"/>
               <a:t>‹#›</a:t>
             </a:fld>
-            <a:endParaRPr lang="en-US"/>
+            <a:endParaRPr lang="cs-CZ"/>
           </a:p>
         </p:txBody>
       </p:sp>
     </p:spTree>
     <p:extLst>
       <p:ext uri="{BB962C8B-B14F-4D97-AF65-F5344CB8AC3E}">
-        <p14:creationId xmlns:p14="http://schemas.microsoft.com/office/powerpoint/2010/main" val="2405651122"/>
+        <p14:creationId xmlns:p14="http://schemas.microsoft.com/office/powerpoint/2010/main" val="3943676658"/>
       </p:ext>
     </p:extLst>
   </p:cSld>
   <p:clrMapOvr>
     <a:masterClrMapping/>
   </p:clrMapOvr>
-  <p:hf sldNum="0" hdr="0" ftr="0"/>
 </p:sldLayout>
 </file>
 
-<file path=ppt/slideLayouts/slideLayout5.xml><?xml version="1.0" encoding="utf-8"?>
+<file path=ppt/slideLayouts/slideLayout16.xml><?xml version="1.0" encoding="utf-8"?>
 <p:sldLayout xmlns:a="http://schemas.openxmlformats.org/drawingml/2006/main" xmlns:r="http://schemas.openxmlformats.org/officeDocument/2006/relationships" xmlns:p="http://schemas.openxmlformats.org/presentationml/2006/main" type="twoTxTwoObj" preserve="1">
   <p:cSld name="Porovnání">
     <p:spTree>
@@ -2062,7 +2295,7 @@
           <p:cNvPr id="2" name="Nadpis 1">
             <a:extLst>
               <a:ext uri="{FF2B5EF4-FFF2-40B4-BE49-F238E27FC236}">
-                <a16:creationId xmlns:a16="http://schemas.microsoft.com/office/drawing/2014/main" id="{1ED6CD67-3340-35B7-0969-82208F7705BC}"/>
+                <a16:creationId xmlns:a16="http://schemas.microsoft.com/office/drawing/2014/main" id="{5C14C29D-44D1-39EA-A232-E795F992CF92}"/>
               </a:ext>
             </a:extLst>
           </p:cNvPr>
@@ -2095,7 +2328,7 @@
           <p:cNvPr id="3" name="Zástupný text 2">
             <a:extLst>
               <a:ext uri="{FF2B5EF4-FFF2-40B4-BE49-F238E27FC236}">
-                <a16:creationId xmlns:a16="http://schemas.microsoft.com/office/drawing/2014/main" id="{38FFEF99-0234-E16F-4255-00BAFEF6B909}"/>
+                <a16:creationId xmlns:a16="http://schemas.microsoft.com/office/drawing/2014/main" id="{DD4EF219-1250-F738-BB27-442EB72BD232}"/>
               </a:ext>
             </a:extLst>
           </p:cNvPr>
@@ -2166,7 +2399,7 @@
           <p:cNvPr id="4" name="Zástupný obsah 3">
             <a:extLst>
               <a:ext uri="{FF2B5EF4-FFF2-40B4-BE49-F238E27FC236}">
-                <a16:creationId xmlns:a16="http://schemas.microsoft.com/office/drawing/2014/main" id="{EE11EEDA-0217-1F7B-48FF-8EA2AE81C316}"/>
+                <a16:creationId xmlns:a16="http://schemas.microsoft.com/office/drawing/2014/main" id="{70E0614C-A5B3-C9E1-35CC-D691DDBE86D8}"/>
               </a:ext>
             </a:extLst>
           </p:cNvPr>
@@ -2228,7 +2461,7 @@
           <p:cNvPr id="5" name="Zástupný text 4">
             <a:extLst>
               <a:ext uri="{FF2B5EF4-FFF2-40B4-BE49-F238E27FC236}">
-                <a16:creationId xmlns:a16="http://schemas.microsoft.com/office/drawing/2014/main" id="{20A7BD12-4539-3D30-4461-B6A2431095A0}"/>
+                <a16:creationId xmlns:a16="http://schemas.microsoft.com/office/drawing/2014/main" id="{121A550F-F034-35D2-3297-5A4A3AAB1A0C}"/>
               </a:ext>
             </a:extLst>
           </p:cNvPr>
@@ -2299,7 +2532,7 @@
           <p:cNvPr id="6" name="Zástupný obsah 5">
             <a:extLst>
               <a:ext uri="{FF2B5EF4-FFF2-40B4-BE49-F238E27FC236}">
-                <a16:creationId xmlns:a16="http://schemas.microsoft.com/office/drawing/2014/main" id="{A4A2D9FD-22EC-B178-DC6A-908CEAF644F4}"/>
+                <a16:creationId xmlns:a16="http://schemas.microsoft.com/office/drawing/2014/main" id="{E2391903-6B3E-E525-FA81-56FD53B1787E}"/>
               </a:ext>
             </a:extLst>
           </p:cNvPr>
@@ -2361,7 +2594,7 @@
           <p:cNvPr id="7" name="Zástupný symbol pro datum 6">
             <a:extLst>
               <a:ext uri="{FF2B5EF4-FFF2-40B4-BE49-F238E27FC236}">
-                <a16:creationId xmlns:a16="http://schemas.microsoft.com/office/drawing/2014/main" id="{18FE9C73-7BF8-1772-C907-ABD59B1E095E}"/>
+                <a16:creationId xmlns:a16="http://schemas.microsoft.com/office/drawing/2014/main" id="{6345B073-A24C-1ED4-3F0E-63A4AA715C8C}"/>
               </a:ext>
             </a:extLst>
           </p:cNvPr>
@@ -2377,12 +2610,11 @@
           <a:bodyPr/>
           <a:lstStyle/>
           <a:p>
-            <a:pPr rtl="0"/>
-            <a:fld id="{6E71B7C9-1526-4531-B1BE-04E9A37FA2CE}" type="datetime1">
+            <a:fld id="{F0300745-4B12-41DA-9575-17E161F09ABA}" type="datetime1">
               <a:rPr lang="cs-CZ" smtClean="0"/>
-              <a:t>17.06.2024</a:t>
+              <a:t>20.06.2024</a:t>
             </a:fld>
-            <a:endParaRPr lang="en-US"/>
+            <a:endParaRPr lang="cs-CZ"/>
           </a:p>
         </p:txBody>
       </p:sp>
@@ -2391,7 +2623,7 @@
           <p:cNvPr id="8" name="Zástupný symbol pro zápatí 7">
             <a:extLst>
               <a:ext uri="{FF2B5EF4-FFF2-40B4-BE49-F238E27FC236}">
-                <a16:creationId xmlns:a16="http://schemas.microsoft.com/office/drawing/2014/main" id="{733B99E9-A2C8-347F-6C4A-61F8BBC43A8C}"/>
+                <a16:creationId xmlns:a16="http://schemas.microsoft.com/office/drawing/2014/main" id="{C41EEC67-C46B-57E4-E853-EAC2FBEA6271}"/>
               </a:ext>
             </a:extLst>
           </p:cNvPr>
@@ -2407,8 +2639,10 @@
           <a:bodyPr/>
           <a:lstStyle/>
           <a:p>
-            <a:pPr rtl="0"/>
-            <a:endParaRPr lang="en-US"/>
+            <a:r>
+              <a:rPr lang="cs-CZ"/>
+              <a:t>Bc. David Sládeček</a:t>
+            </a:r>
           </a:p>
         </p:txBody>
       </p:sp>
@@ -2417,7 +2651,7 @@
           <p:cNvPr id="9" name="Zástupný symbol pro číslo snímku 8">
             <a:extLst>
               <a:ext uri="{FF2B5EF4-FFF2-40B4-BE49-F238E27FC236}">
-                <a16:creationId xmlns:a16="http://schemas.microsoft.com/office/drawing/2014/main" id="{D75FA293-453A-0214-429D-781542F25A5B}"/>
+                <a16:creationId xmlns:a16="http://schemas.microsoft.com/office/drawing/2014/main" id="{2BBE66FE-0F4C-85B8-975A-28DCCCC2ED27}"/>
               </a:ext>
             </a:extLst>
           </p:cNvPr>
@@ -2433,19 +2667,18 @@
           <a:bodyPr/>
           <a:lstStyle/>
           <a:p>
-            <a:pPr rtl="0"/>
-            <a:fld id="{34B7E4EF-A1BD-40F4-AB7B-04F084DD991D}" type="slidenum">
-              <a:rPr lang="en-US" smtClean="0"/>
+            <a:fld id="{A800683B-2A95-47FE-BB8F-45BBE6B62DC7}" type="slidenum">
+              <a:rPr lang="cs-CZ" smtClean="0"/>
               <a:t>‹#›</a:t>
             </a:fld>
-            <a:endParaRPr lang="en-US"/>
+            <a:endParaRPr lang="cs-CZ"/>
           </a:p>
         </p:txBody>
       </p:sp>
     </p:spTree>
     <p:extLst>
       <p:ext uri="{BB962C8B-B14F-4D97-AF65-F5344CB8AC3E}">
-        <p14:creationId xmlns:p14="http://schemas.microsoft.com/office/powerpoint/2010/main" val="138124955"/>
+        <p14:creationId xmlns:p14="http://schemas.microsoft.com/office/powerpoint/2010/main" val="1044043330"/>
       </p:ext>
     </p:extLst>
   </p:cSld>
@@ -2455,7 +2688,7 @@
 </p:sldLayout>
 </file>
 
-<file path=ppt/slideLayouts/slideLayout6.xml><?xml version="1.0" encoding="utf-8"?>
+<file path=ppt/slideLayouts/slideLayout17.xml><?xml version="1.0" encoding="utf-8"?>
 <p:sldLayout xmlns:a="http://schemas.openxmlformats.org/drawingml/2006/main" xmlns:r="http://schemas.openxmlformats.org/officeDocument/2006/relationships" xmlns:p="http://schemas.openxmlformats.org/presentationml/2006/main" type="titleOnly" preserve="1">
   <p:cSld name="Jenom nadpis">
     <p:spTree>
@@ -2477,7 +2710,7 @@
           <p:cNvPr id="2" name="Nadpis 1">
             <a:extLst>
               <a:ext uri="{FF2B5EF4-FFF2-40B4-BE49-F238E27FC236}">
-                <a16:creationId xmlns:a16="http://schemas.microsoft.com/office/drawing/2014/main" id="{34575B94-6D7D-64A2-C43D-2D58CE9F5ECE}"/>
+                <a16:creationId xmlns:a16="http://schemas.microsoft.com/office/drawing/2014/main" id="{5A54EFDF-45AE-742A-BE4C-D6FB532EAFBB}"/>
               </a:ext>
             </a:extLst>
           </p:cNvPr>
@@ -2505,7 +2738,7 @@
           <p:cNvPr id="3" name="Zástupný symbol pro datum 2">
             <a:extLst>
               <a:ext uri="{FF2B5EF4-FFF2-40B4-BE49-F238E27FC236}">
-                <a16:creationId xmlns:a16="http://schemas.microsoft.com/office/drawing/2014/main" id="{B1E906B4-853D-9DF3-A954-37D6965623F3}"/>
+                <a16:creationId xmlns:a16="http://schemas.microsoft.com/office/drawing/2014/main" id="{0D4E2C8F-ABD1-E5ED-968D-20B6243D8967}"/>
               </a:ext>
             </a:extLst>
           </p:cNvPr>
@@ -2521,12 +2754,11 @@
           <a:bodyPr/>
           <a:lstStyle/>
           <a:p>
-            <a:pPr rtl="0"/>
-            <a:fld id="{36E9C2DB-08C5-4A26-B491-AB99DD10A99E}" type="datetime1">
+            <a:fld id="{7AF7BC2C-7CEA-4C18-ABBF-95D008F60610}" type="datetime1">
               <a:rPr lang="cs-CZ" smtClean="0"/>
-              <a:t>17.06.2024</a:t>
+              <a:t>20.06.2024</a:t>
             </a:fld>
-            <a:endParaRPr lang="en-US"/>
+            <a:endParaRPr lang="cs-CZ"/>
           </a:p>
         </p:txBody>
       </p:sp>
@@ -2535,7 +2767,7 @@
           <p:cNvPr id="4" name="Zástupný symbol pro zápatí 3">
             <a:extLst>
               <a:ext uri="{FF2B5EF4-FFF2-40B4-BE49-F238E27FC236}">
-                <a16:creationId xmlns:a16="http://schemas.microsoft.com/office/drawing/2014/main" id="{DA2090FD-5905-4C0E-ED6E-B13BE44310C9}"/>
+                <a16:creationId xmlns:a16="http://schemas.microsoft.com/office/drawing/2014/main" id="{AD0E2231-CA64-0462-43D2-E1A25E560774}"/>
               </a:ext>
             </a:extLst>
           </p:cNvPr>
@@ -2551,8 +2783,10 @@
           <a:bodyPr/>
           <a:lstStyle/>
           <a:p>
-            <a:pPr rtl="0"/>
-            <a:endParaRPr lang="en-US"/>
+            <a:r>
+              <a:rPr lang="cs-CZ"/>
+              <a:t>Bc. David Sládeček</a:t>
+            </a:r>
           </a:p>
         </p:txBody>
       </p:sp>
@@ -2561,7 +2795,7 @@
           <p:cNvPr id="5" name="Zástupný symbol pro číslo snímku 4">
             <a:extLst>
               <a:ext uri="{FF2B5EF4-FFF2-40B4-BE49-F238E27FC236}">
-                <a16:creationId xmlns:a16="http://schemas.microsoft.com/office/drawing/2014/main" id="{BB2DA1BC-487A-4834-7E79-F43195327BAD}"/>
+                <a16:creationId xmlns:a16="http://schemas.microsoft.com/office/drawing/2014/main" id="{5A58C5A1-11DD-0192-F4B9-DB19E2B26EDE}"/>
               </a:ext>
             </a:extLst>
           </p:cNvPr>
@@ -2577,19 +2811,18 @@
           <a:bodyPr/>
           <a:lstStyle/>
           <a:p>
-            <a:pPr rtl="0"/>
-            <a:fld id="{34B7E4EF-A1BD-40F4-AB7B-04F084DD991D}" type="slidenum">
-              <a:rPr lang="en-US" smtClean="0"/>
+            <a:fld id="{A800683B-2A95-47FE-BB8F-45BBE6B62DC7}" type="slidenum">
+              <a:rPr lang="cs-CZ" smtClean="0"/>
               <a:t>‹#›</a:t>
             </a:fld>
-            <a:endParaRPr lang="en-US"/>
+            <a:endParaRPr lang="cs-CZ"/>
           </a:p>
         </p:txBody>
       </p:sp>
     </p:spTree>
     <p:extLst>
       <p:ext uri="{BB962C8B-B14F-4D97-AF65-F5344CB8AC3E}">
-        <p14:creationId xmlns:p14="http://schemas.microsoft.com/office/powerpoint/2010/main" val="2243111464"/>
+        <p14:creationId xmlns:p14="http://schemas.microsoft.com/office/powerpoint/2010/main" val="2808275616"/>
       </p:ext>
     </p:extLst>
   </p:cSld>
@@ -2599,7 +2832,7 @@
 </p:sldLayout>
 </file>
 
-<file path=ppt/slideLayouts/slideLayout7.xml><?xml version="1.0" encoding="utf-8"?>
+<file path=ppt/slideLayouts/slideLayout18.xml><?xml version="1.0" encoding="utf-8"?>
 <p:sldLayout xmlns:a="http://schemas.openxmlformats.org/drawingml/2006/main" xmlns:r="http://schemas.openxmlformats.org/officeDocument/2006/relationships" xmlns:p="http://schemas.openxmlformats.org/presentationml/2006/main" type="blank" preserve="1">
   <p:cSld name="Prázdný">
     <p:spTree>
@@ -2621,7 +2854,7 @@
           <p:cNvPr id="2" name="Zástupný symbol pro datum 1">
             <a:extLst>
               <a:ext uri="{FF2B5EF4-FFF2-40B4-BE49-F238E27FC236}">
-                <a16:creationId xmlns:a16="http://schemas.microsoft.com/office/drawing/2014/main" id="{E9B327B4-F870-EE5D-E54B-00FDEAAAB321}"/>
+                <a16:creationId xmlns:a16="http://schemas.microsoft.com/office/drawing/2014/main" id="{385F0434-2684-66CC-CAA4-392449DE1DD8}"/>
               </a:ext>
             </a:extLst>
           </p:cNvPr>
@@ -2637,12 +2870,11 @@
           <a:bodyPr/>
           <a:lstStyle/>
           <a:p>
-            <a:pPr rtl="0"/>
-            <a:fld id="{10639C23-9424-4615-9F2F-4DF01B7F951B}" type="datetime1">
+            <a:fld id="{4ABC3E9D-E99D-4FC7-9137-DD436094A679}" type="datetime1">
               <a:rPr lang="cs-CZ" smtClean="0"/>
-              <a:t>17.06.2024</a:t>
+              <a:t>20.06.2024</a:t>
             </a:fld>
-            <a:endParaRPr lang="en-US" dirty="0"/>
+            <a:endParaRPr lang="cs-CZ"/>
           </a:p>
         </p:txBody>
       </p:sp>
@@ -2651,7 +2883,7 @@
           <p:cNvPr id="3" name="Zástupný symbol pro zápatí 2">
             <a:extLst>
               <a:ext uri="{FF2B5EF4-FFF2-40B4-BE49-F238E27FC236}">
-                <a16:creationId xmlns:a16="http://schemas.microsoft.com/office/drawing/2014/main" id="{DB00047B-1D2C-5DED-7E37-137753DC3128}"/>
+                <a16:creationId xmlns:a16="http://schemas.microsoft.com/office/drawing/2014/main" id="{305EC71A-1D17-3862-6955-526261DFBF3E}"/>
               </a:ext>
             </a:extLst>
           </p:cNvPr>
@@ -2667,8 +2899,10 @@
           <a:bodyPr/>
           <a:lstStyle/>
           <a:p>
-            <a:pPr rtl="0"/>
-            <a:endParaRPr lang="en-US" dirty="0"/>
+            <a:r>
+              <a:rPr lang="cs-CZ"/>
+              <a:t>Bc. David Sládeček</a:t>
+            </a:r>
           </a:p>
         </p:txBody>
       </p:sp>
@@ -2677,7 +2911,7 @@
           <p:cNvPr id="4" name="Zástupný symbol pro číslo snímku 3">
             <a:extLst>
               <a:ext uri="{FF2B5EF4-FFF2-40B4-BE49-F238E27FC236}">
-                <a16:creationId xmlns:a16="http://schemas.microsoft.com/office/drawing/2014/main" id="{3D8DA61C-0D90-97B5-C1EE-85352F35D08D}"/>
+                <a16:creationId xmlns:a16="http://schemas.microsoft.com/office/drawing/2014/main" id="{A13F53B6-AA31-6490-3A95-65370C7971F6}"/>
               </a:ext>
             </a:extLst>
           </p:cNvPr>
@@ -2693,30 +2927,28 @@
           <a:bodyPr/>
           <a:lstStyle/>
           <a:p>
-            <a:pPr rtl="0"/>
-            <a:fld id="{34B7E4EF-A1BD-40F4-AB7B-04F084DD991D}" type="slidenum">
-              <a:rPr lang="en-US" smtClean="0"/>
+            <a:fld id="{A800683B-2A95-47FE-BB8F-45BBE6B62DC7}" type="slidenum">
+              <a:rPr lang="cs-CZ" smtClean="0"/>
               <a:t>‹#›</a:t>
             </a:fld>
-            <a:endParaRPr lang="en-US"/>
+            <a:endParaRPr lang="cs-CZ"/>
           </a:p>
         </p:txBody>
       </p:sp>
     </p:spTree>
     <p:extLst>
       <p:ext uri="{BB962C8B-B14F-4D97-AF65-F5344CB8AC3E}">
-        <p14:creationId xmlns:p14="http://schemas.microsoft.com/office/powerpoint/2010/main" val="1972501772"/>
+        <p14:creationId xmlns:p14="http://schemas.microsoft.com/office/powerpoint/2010/main" val="3244329099"/>
       </p:ext>
     </p:extLst>
   </p:cSld>
   <p:clrMapOvr>
     <a:masterClrMapping/>
   </p:clrMapOvr>
-  <p:hf sldNum="0" hdr="0" ftr="0"/>
 </p:sldLayout>
 </file>
 
-<file path=ppt/slideLayouts/slideLayout8.xml><?xml version="1.0" encoding="utf-8"?>
+<file path=ppt/slideLayouts/slideLayout19.xml><?xml version="1.0" encoding="utf-8"?>
 <p:sldLayout xmlns:a="http://schemas.openxmlformats.org/drawingml/2006/main" xmlns:r="http://schemas.openxmlformats.org/officeDocument/2006/relationships" xmlns:p="http://schemas.openxmlformats.org/presentationml/2006/main" type="objTx" preserve="1">
   <p:cSld name="Obsah s titulkem">
     <p:spTree>
@@ -2738,7 +2970,7 @@
           <p:cNvPr id="2" name="Nadpis 1">
             <a:extLst>
               <a:ext uri="{FF2B5EF4-FFF2-40B4-BE49-F238E27FC236}">
-                <a16:creationId xmlns:a16="http://schemas.microsoft.com/office/drawing/2014/main" id="{405D86E9-DA37-59E6-80DA-91BB746419D7}"/>
+                <a16:creationId xmlns:a16="http://schemas.microsoft.com/office/drawing/2014/main" id="{A5E0FFD7-90CA-41D8-BC8B-BD7DDD1A62D1}"/>
               </a:ext>
             </a:extLst>
           </p:cNvPr>
@@ -2775,7 +3007,7 @@
           <p:cNvPr id="3" name="Zástupný obsah 2">
             <a:extLst>
               <a:ext uri="{FF2B5EF4-FFF2-40B4-BE49-F238E27FC236}">
-                <a16:creationId xmlns:a16="http://schemas.microsoft.com/office/drawing/2014/main" id="{01D88884-3118-0EBE-E610-C90637C5933A}"/>
+                <a16:creationId xmlns:a16="http://schemas.microsoft.com/office/drawing/2014/main" id="{6F4C7F5B-A331-C79D-E2A9-2E3FDCB7AED6}"/>
               </a:ext>
             </a:extLst>
           </p:cNvPr>
@@ -2865,7 +3097,7 @@
           <p:cNvPr id="4" name="Zástupný text 3">
             <a:extLst>
               <a:ext uri="{FF2B5EF4-FFF2-40B4-BE49-F238E27FC236}">
-                <a16:creationId xmlns:a16="http://schemas.microsoft.com/office/drawing/2014/main" id="{EE5C5AB6-F384-BFC2-A9AB-2CB651D459DA}"/>
+                <a16:creationId xmlns:a16="http://schemas.microsoft.com/office/drawing/2014/main" id="{FD5081B9-4F93-3126-978D-0942307F2A59}"/>
               </a:ext>
             </a:extLst>
           </p:cNvPr>
@@ -2936,7 +3168,7 @@
           <p:cNvPr id="5" name="Zástupný symbol pro datum 4">
             <a:extLst>
               <a:ext uri="{FF2B5EF4-FFF2-40B4-BE49-F238E27FC236}">
-                <a16:creationId xmlns:a16="http://schemas.microsoft.com/office/drawing/2014/main" id="{85002EB8-69A5-0BAA-02B5-FF421EC035EB}"/>
+                <a16:creationId xmlns:a16="http://schemas.microsoft.com/office/drawing/2014/main" id="{30929EA8-B0DD-E6AC-AB50-EE85EB5B8659}"/>
               </a:ext>
             </a:extLst>
           </p:cNvPr>
@@ -2952,12 +3184,11 @@
           <a:bodyPr/>
           <a:lstStyle/>
           <a:p>
-            <a:pPr rtl="0"/>
-            <a:fld id="{36AB81B4-CE35-4C47-882C-8A3F92B5FFD6}" type="datetime1">
+            <a:fld id="{B6E058B8-FBA7-4834-9558-00579AD5EE39}" type="datetime1">
               <a:rPr lang="cs-CZ" smtClean="0"/>
-              <a:t>17.06.2024</a:t>
+              <a:t>20.06.2024</a:t>
             </a:fld>
-            <a:endParaRPr lang="en-US"/>
+            <a:endParaRPr lang="cs-CZ"/>
           </a:p>
         </p:txBody>
       </p:sp>
@@ -2966,7 +3197,7 @@
           <p:cNvPr id="6" name="Zástupný symbol pro zápatí 5">
             <a:extLst>
               <a:ext uri="{FF2B5EF4-FFF2-40B4-BE49-F238E27FC236}">
-                <a16:creationId xmlns:a16="http://schemas.microsoft.com/office/drawing/2014/main" id="{A48C5CB1-9A66-7185-1128-46BDC8D523BD}"/>
+                <a16:creationId xmlns:a16="http://schemas.microsoft.com/office/drawing/2014/main" id="{67EFE214-D55E-8392-805B-5DADBCBDB638}"/>
               </a:ext>
             </a:extLst>
           </p:cNvPr>
@@ -2982,8 +3213,10 @@
           <a:bodyPr/>
           <a:lstStyle/>
           <a:p>
-            <a:pPr rtl="0"/>
-            <a:endParaRPr lang="en-US"/>
+            <a:r>
+              <a:rPr lang="cs-CZ"/>
+              <a:t>Bc. David Sládeček</a:t>
+            </a:r>
           </a:p>
         </p:txBody>
       </p:sp>
@@ -2992,7 +3225,7 @@
           <p:cNvPr id="7" name="Zástupný symbol pro číslo snímku 6">
             <a:extLst>
               <a:ext uri="{FF2B5EF4-FFF2-40B4-BE49-F238E27FC236}">
-                <a16:creationId xmlns:a16="http://schemas.microsoft.com/office/drawing/2014/main" id="{72FB4177-999E-6AC2-333E-B648561F8D5A}"/>
+                <a16:creationId xmlns:a16="http://schemas.microsoft.com/office/drawing/2014/main" id="{186AE443-7EEB-CE6B-CF3C-0752689CE019}"/>
               </a:ext>
             </a:extLst>
           </p:cNvPr>
@@ -3008,19 +3241,18 @@
           <a:bodyPr/>
           <a:lstStyle/>
           <a:p>
-            <a:pPr rtl="0"/>
-            <a:fld id="{34B7E4EF-A1BD-40F4-AB7B-04F084DD991D}" type="slidenum">
-              <a:rPr lang="en-US" smtClean="0"/>
+            <a:fld id="{A800683B-2A95-47FE-BB8F-45BBE6B62DC7}" type="slidenum">
+              <a:rPr lang="cs-CZ" smtClean="0"/>
               <a:t>‹#›</a:t>
             </a:fld>
-            <a:endParaRPr lang="en-US"/>
+            <a:endParaRPr lang="cs-CZ"/>
           </a:p>
         </p:txBody>
       </p:sp>
     </p:spTree>
     <p:extLst>
       <p:ext uri="{BB962C8B-B14F-4D97-AF65-F5344CB8AC3E}">
-        <p14:creationId xmlns:p14="http://schemas.microsoft.com/office/powerpoint/2010/main" val="195029974"/>
+        <p14:creationId xmlns:p14="http://schemas.microsoft.com/office/powerpoint/2010/main" val="2458780430"/>
       </p:ext>
     </p:extLst>
   </p:cSld>
@@ -3030,7 +3262,211 @@
 </p:sldLayout>
 </file>
 
-<file path=ppt/slideLayouts/slideLayout9.xml><?xml version="1.0" encoding="utf-8"?>
+<file path=ppt/slideLayouts/slideLayout2.xml><?xml version="1.0" encoding="utf-8"?>
+<p:sldLayout xmlns:a="http://schemas.openxmlformats.org/drawingml/2006/main" xmlns:r="http://schemas.openxmlformats.org/officeDocument/2006/relationships" xmlns:p="http://schemas.openxmlformats.org/presentationml/2006/main" type="obj" preserve="1">
+  <p:cSld name="Nadpis a obsah">
+    <p:spTree>
+      <p:nvGrpSpPr>
+        <p:cNvPr id="1" name=""/>
+        <p:cNvGrpSpPr/>
+        <p:nvPr/>
+      </p:nvGrpSpPr>
+      <p:grpSpPr>
+        <a:xfrm>
+          <a:off x="0" y="0"/>
+          <a:ext cx="0" cy="0"/>
+          <a:chOff x="0" y="0"/>
+          <a:chExt cx="0" cy="0"/>
+        </a:xfrm>
+      </p:grpSpPr>
+      <p:sp>
+        <p:nvSpPr>
+          <p:cNvPr id="2" name="Nadpis 1">
+            <a:extLst>
+              <a:ext uri="{FF2B5EF4-FFF2-40B4-BE49-F238E27FC236}">
+                <a16:creationId xmlns:a16="http://schemas.microsoft.com/office/drawing/2014/main" id="{05B918C4-6FFA-CE7A-FA95-B40B188B3BCA}"/>
+              </a:ext>
+            </a:extLst>
+          </p:cNvPr>
+          <p:cNvSpPr>
+            <a:spLocks noGrp="1"/>
+          </p:cNvSpPr>
+          <p:nvPr>
+            <p:ph type="title"/>
+          </p:nvPr>
+        </p:nvSpPr>
+        <p:spPr/>
+        <p:txBody>
+          <a:bodyPr/>
+          <a:lstStyle/>
+          <a:p>
+            <a:r>
+              <a:rPr lang="cs-CZ"/>
+              <a:t>Kliknutím lze upravit styl.</a:t>
+            </a:r>
+          </a:p>
+        </p:txBody>
+      </p:sp>
+      <p:sp>
+        <p:nvSpPr>
+          <p:cNvPr id="3" name="Zástupný obsah 2">
+            <a:extLst>
+              <a:ext uri="{FF2B5EF4-FFF2-40B4-BE49-F238E27FC236}">
+                <a16:creationId xmlns:a16="http://schemas.microsoft.com/office/drawing/2014/main" id="{F31EFBED-2C30-EA3B-C9F8-6D17F42D6503}"/>
+              </a:ext>
+            </a:extLst>
+          </p:cNvPr>
+          <p:cNvSpPr>
+            <a:spLocks noGrp="1"/>
+          </p:cNvSpPr>
+          <p:nvPr>
+            <p:ph idx="1"/>
+          </p:nvPr>
+        </p:nvSpPr>
+        <p:spPr/>
+        <p:txBody>
+          <a:bodyPr/>
+          <a:lstStyle/>
+          <a:p>
+            <a:pPr lvl="0"/>
+            <a:r>
+              <a:rPr lang="cs-CZ"/>
+              <a:t>Po kliknutí můžete upravovat styly textu v předloze.</a:t>
+            </a:r>
+          </a:p>
+          <a:p>
+            <a:pPr lvl="1"/>
+            <a:r>
+              <a:rPr lang="cs-CZ"/>
+              <a:t>Druhá úroveň</a:t>
+            </a:r>
+          </a:p>
+          <a:p>
+            <a:pPr lvl="2"/>
+            <a:r>
+              <a:rPr lang="cs-CZ"/>
+              <a:t>Třetí úroveň</a:t>
+            </a:r>
+          </a:p>
+          <a:p>
+            <a:pPr lvl="3"/>
+            <a:r>
+              <a:rPr lang="cs-CZ"/>
+              <a:t>Čtvrtá úroveň</a:t>
+            </a:r>
+          </a:p>
+          <a:p>
+            <a:pPr lvl="4"/>
+            <a:r>
+              <a:rPr lang="cs-CZ"/>
+              <a:t>Pátá úroveň</a:t>
+            </a:r>
+          </a:p>
+        </p:txBody>
+      </p:sp>
+      <p:sp>
+        <p:nvSpPr>
+          <p:cNvPr id="4" name="Zástupný symbol pro datum 3">
+            <a:extLst>
+              <a:ext uri="{FF2B5EF4-FFF2-40B4-BE49-F238E27FC236}">
+                <a16:creationId xmlns:a16="http://schemas.microsoft.com/office/drawing/2014/main" id="{E0526B5B-A848-39E7-7574-6A69D0548EED}"/>
+              </a:ext>
+            </a:extLst>
+          </p:cNvPr>
+          <p:cNvSpPr>
+            <a:spLocks noGrp="1"/>
+          </p:cNvSpPr>
+          <p:nvPr>
+            <p:ph type="dt" sz="half" idx="10"/>
+          </p:nvPr>
+        </p:nvSpPr>
+        <p:spPr/>
+        <p:txBody>
+          <a:bodyPr/>
+          <a:lstStyle/>
+          <a:p>
+            <a:pPr rtl="0"/>
+            <a:fld id="{A919D4B2-B2D8-4228-9EC6-78805F41C112}" type="datetime1">
+              <a:rPr lang="cs-CZ" smtClean="0"/>
+              <a:t>20.06.2024</a:t>
+            </a:fld>
+            <a:endParaRPr lang="en-US"/>
+          </a:p>
+        </p:txBody>
+      </p:sp>
+      <p:sp>
+        <p:nvSpPr>
+          <p:cNvPr id="5" name="Zástupný symbol pro zápatí 4">
+            <a:extLst>
+              <a:ext uri="{FF2B5EF4-FFF2-40B4-BE49-F238E27FC236}">
+                <a16:creationId xmlns:a16="http://schemas.microsoft.com/office/drawing/2014/main" id="{406B0CBE-4148-52F9-A174-3D89302D86EE}"/>
+              </a:ext>
+            </a:extLst>
+          </p:cNvPr>
+          <p:cNvSpPr>
+            <a:spLocks noGrp="1"/>
+          </p:cNvSpPr>
+          <p:nvPr>
+            <p:ph type="ftr" sz="quarter" idx="11"/>
+          </p:nvPr>
+        </p:nvSpPr>
+        <p:spPr/>
+        <p:txBody>
+          <a:bodyPr/>
+          <a:lstStyle/>
+          <a:p>
+            <a:pPr rtl="0"/>
+            <a:r>
+              <a:rPr lang="en-US"/>
+              <a:t>Bc. David Sládeček</a:t>
+            </a:r>
+          </a:p>
+        </p:txBody>
+      </p:sp>
+      <p:sp>
+        <p:nvSpPr>
+          <p:cNvPr id="6" name="Zástupný symbol pro číslo snímku 5">
+            <a:extLst>
+              <a:ext uri="{FF2B5EF4-FFF2-40B4-BE49-F238E27FC236}">
+                <a16:creationId xmlns:a16="http://schemas.microsoft.com/office/drawing/2014/main" id="{82437923-F25E-C1CF-302E-42CB11210755}"/>
+              </a:ext>
+            </a:extLst>
+          </p:cNvPr>
+          <p:cNvSpPr>
+            <a:spLocks noGrp="1"/>
+          </p:cNvSpPr>
+          <p:nvPr>
+            <p:ph type="sldNum" sz="quarter" idx="12"/>
+          </p:nvPr>
+        </p:nvSpPr>
+        <p:spPr/>
+        <p:txBody>
+          <a:bodyPr/>
+          <a:lstStyle/>
+          <a:p>
+            <a:pPr rtl="0"/>
+            <a:fld id="{34B7E4EF-A1BD-40F4-AB7B-04F084DD991D}" type="slidenum">
+              <a:rPr lang="en-US" smtClean="0"/>
+              <a:t>‹#›</a:t>
+            </a:fld>
+            <a:endParaRPr lang="en-US"/>
+          </a:p>
+        </p:txBody>
+      </p:sp>
+    </p:spTree>
+    <p:extLst>
+      <p:ext uri="{BB962C8B-B14F-4D97-AF65-F5344CB8AC3E}">
+        <p14:creationId xmlns:p14="http://schemas.microsoft.com/office/powerpoint/2010/main" val="1765530824"/>
+      </p:ext>
+    </p:extLst>
+  </p:cSld>
+  <p:clrMapOvr>
+    <a:masterClrMapping/>
+  </p:clrMapOvr>
+</p:sldLayout>
+</file>
+
+<file path=ppt/slideLayouts/slideLayout20.xml><?xml version="1.0" encoding="utf-8"?>
 <p:sldLayout xmlns:a="http://schemas.openxmlformats.org/drawingml/2006/main" xmlns:r="http://schemas.openxmlformats.org/officeDocument/2006/relationships" xmlns:p="http://schemas.openxmlformats.org/presentationml/2006/main" type="picTx" preserve="1">
   <p:cSld name="Obrázek s titulkem">
     <p:spTree>
@@ -3052,7 +3488,7 @@
           <p:cNvPr id="2" name="Nadpis 1">
             <a:extLst>
               <a:ext uri="{FF2B5EF4-FFF2-40B4-BE49-F238E27FC236}">
-                <a16:creationId xmlns:a16="http://schemas.microsoft.com/office/drawing/2014/main" id="{A02C683D-F16A-56E5-8EA7-DE774A9ABD31}"/>
+                <a16:creationId xmlns:a16="http://schemas.microsoft.com/office/drawing/2014/main" id="{78FC1EBA-9B40-5855-4CA3-98DAA2E09886}"/>
               </a:ext>
             </a:extLst>
           </p:cNvPr>
@@ -3089,7 +3525,7 @@
           <p:cNvPr id="3" name="Zástupný symbol obrázku 2">
             <a:extLst>
               <a:ext uri="{FF2B5EF4-FFF2-40B4-BE49-F238E27FC236}">
-                <a16:creationId xmlns:a16="http://schemas.microsoft.com/office/drawing/2014/main" id="{CB140861-A370-E839-471A-6E883EE41BEF}"/>
+                <a16:creationId xmlns:a16="http://schemas.microsoft.com/office/drawing/2014/main" id="{4D52B9A0-1C86-689A-9602-E3DF533D4729}"/>
               </a:ext>
             </a:extLst>
           </p:cNvPr>
@@ -3156,7 +3592,7 @@
           <p:cNvPr id="4" name="Zástupný text 3">
             <a:extLst>
               <a:ext uri="{FF2B5EF4-FFF2-40B4-BE49-F238E27FC236}">
-                <a16:creationId xmlns:a16="http://schemas.microsoft.com/office/drawing/2014/main" id="{F9171168-B427-6BE0-859F-EF2B88207B76}"/>
+                <a16:creationId xmlns:a16="http://schemas.microsoft.com/office/drawing/2014/main" id="{92C8B178-68A7-368E-C852-1F769A17CA91}"/>
               </a:ext>
             </a:extLst>
           </p:cNvPr>
@@ -3227,7 +3663,7 @@
           <p:cNvPr id="5" name="Zástupný symbol pro datum 4">
             <a:extLst>
               <a:ext uri="{FF2B5EF4-FFF2-40B4-BE49-F238E27FC236}">
-                <a16:creationId xmlns:a16="http://schemas.microsoft.com/office/drawing/2014/main" id="{075E7443-8097-EBCD-BE59-9E295003BA28}"/>
+                <a16:creationId xmlns:a16="http://schemas.microsoft.com/office/drawing/2014/main" id="{D06510EF-4C30-D8DA-A1B3-2EF005E5C06B}"/>
               </a:ext>
             </a:extLst>
           </p:cNvPr>
@@ -3243,10 +3679,700 @@
           <a:bodyPr/>
           <a:lstStyle/>
           <a:p>
+            <a:fld id="{184F8945-7CE8-4160-95BD-AE4C9F7EADA6}" type="datetime1">
+              <a:rPr lang="cs-CZ" smtClean="0"/>
+              <a:t>20.06.2024</a:t>
+            </a:fld>
+            <a:endParaRPr lang="cs-CZ"/>
+          </a:p>
+        </p:txBody>
+      </p:sp>
+      <p:sp>
+        <p:nvSpPr>
+          <p:cNvPr id="6" name="Zástupný symbol pro zápatí 5">
+            <a:extLst>
+              <a:ext uri="{FF2B5EF4-FFF2-40B4-BE49-F238E27FC236}">
+                <a16:creationId xmlns:a16="http://schemas.microsoft.com/office/drawing/2014/main" id="{F85EDFC3-A28E-DAF7-0CC3-60F52AC80500}"/>
+              </a:ext>
+            </a:extLst>
+          </p:cNvPr>
+          <p:cNvSpPr>
+            <a:spLocks noGrp="1"/>
+          </p:cNvSpPr>
+          <p:nvPr>
+            <p:ph type="ftr" sz="quarter" idx="11"/>
+          </p:nvPr>
+        </p:nvSpPr>
+        <p:spPr/>
+        <p:txBody>
+          <a:bodyPr/>
+          <a:lstStyle/>
+          <a:p>
+            <a:r>
+              <a:rPr lang="cs-CZ"/>
+              <a:t>Bc. David Sládeček</a:t>
+            </a:r>
+          </a:p>
+        </p:txBody>
+      </p:sp>
+      <p:sp>
+        <p:nvSpPr>
+          <p:cNvPr id="7" name="Zástupný symbol pro číslo snímku 6">
+            <a:extLst>
+              <a:ext uri="{FF2B5EF4-FFF2-40B4-BE49-F238E27FC236}">
+                <a16:creationId xmlns:a16="http://schemas.microsoft.com/office/drawing/2014/main" id="{EFB1FC63-031B-9B05-2B8C-F810DEFE5F62}"/>
+              </a:ext>
+            </a:extLst>
+          </p:cNvPr>
+          <p:cNvSpPr>
+            <a:spLocks noGrp="1"/>
+          </p:cNvSpPr>
+          <p:nvPr>
+            <p:ph type="sldNum" sz="quarter" idx="12"/>
+          </p:nvPr>
+        </p:nvSpPr>
+        <p:spPr/>
+        <p:txBody>
+          <a:bodyPr/>
+          <a:lstStyle/>
+          <a:p>
+            <a:fld id="{A800683B-2A95-47FE-BB8F-45BBE6B62DC7}" type="slidenum">
+              <a:rPr lang="cs-CZ" smtClean="0"/>
+              <a:t>‹#›</a:t>
+            </a:fld>
+            <a:endParaRPr lang="cs-CZ"/>
+          </a:p>
+        </p:txBody>
+      </p:sp>
+    </p:spTree>
+    <p:extLst>
+      <p:ext uri="{BB962C8B-B14F-4D97-AF65-F5344CB8AC3E}">
+        <p14:creationId xmlns:p14="http://schemas.microsoft.com/office/powerpoint/2010/main" val="326318636"/>
+      </p:ext>
+    </p:extLst>
+  </p:cSld>
+  <p:clrMapOvr>
+    <a:masterClrMapping/>
+  </p:clrMapOvr>
+</p:sldLayout>
+</file>
+
+<file path=ppt/slideLayouts/slideLayout21.xml><?xml version="1.0" encoding="utf-8"?>
+<p:sldLayout xmlns:a="http://schemas.openxmlformats.org/drawingml/2006/main" xmlns:r="http://schemas.openxmlformats.org/officeDocument/2006/relationships" xmlns:p="http://schemas.openxmlformats.org/presentationml/2006/main" type="vertTx" preserve="1">
+  <p:cSld name="Nadpis a svislý text">
+    <p:spTree>
+      <p:nvGrpSpPr>
+        <p:cNvPr id="1" name=""/>
+        <p:cNvGrpSpPr/>
+        <p:nvPr/>
+      </p:nvGrpSpPr>
+      <p:grpSpPr>
+        <a:xfrm>
+          <a:off x="0" y="0"/>
+          <a:ext cx="0" cy="0"/>
+          <a:chOff x="0" y="0"/>
+          <a:chExt cx="0" cy="0"/>
+        </a:xfrm>
+      </p:grpSpPr>
+      <p:sp>
+        <p:nvSpPr>
+          <p:cNvPr id="2" name="Nadpis 1">
+            <a:extLst>
+              <a:ext uri="{FF2B5EF4-FFF2-40B4-BE49-F238E27FC236}">
+                <a16:creationId xmlns:a16="http://schemas.microsoft.com/office/drawing/2014/main" id="{2D30D313-12FE-9DBB-FCC7-D25B5CEA467C}"/>
+              </a:ext>
+            </a:extLst>
+          </p:cNvPr>
+          <p:cNvSpPr>
+            <a:spLocks noGrp="1"/>
+          </p:cNvSpPr>
+          <p:nvPr>
+            <p:ph type="title"/>
+          </p:nvPr>
+        </p:nvSpPr>
+        <p:spPr/>
+        <p:txBody>
+          <a:bodyPr/>
+          <a:lstStyle/>
+          <a:p>
+            <a:r>
+              <a:rPr lang="cs-CZ"/>
+              <a:t>Kliknutím lze upravit styl.</a:t>
+            </a:r>
+          </a:p>
+        </p:txBody>
+      </p:sp>
+      <p:sp>
+        <p:nvSpPr>
+          <p:cNvPr id="3" name="Zástupný symbol pro svislý text 2">
+            <a:extLst>
+              <a:ext uri="{FF2B5EF4-FFF2-40B4-BE49-F238E27FC236}">
+                <a16:creationId xmlns:a16="http://schemas.microsoft.com/office/drawing/2014/main" id="{655FED1B-3AE3-A64F-B0F9-21E2C6C490B6}"/>
+              </a:ext>
+            </a:extLst>
+          </p:cNvPr>
+          <p:cNvSpPr>
+            <a:spLocks noGrp="1"/>
+          </p:cNvSpPr>
+          <p:nvPr>
+            <p:ph type="body" orient="vert" idx="1"/>
+          </p:nvPr>
+        </p:nvSpPr>
+        <p:spPr/>
+        <p:txBody>
+          <a:bodyPr vert="eaVert"/>
+          <a:lstStyle/>
+          <a:p>
+            <a:pPr lvl="0"/>
+            <a:r>
+              <a:rPr lang="cs-CZ"/>
+              <a:t>Po kliknutí můžete upravovat styly textu v předloze.</a:t>
+            </a:r>
+          </a:p>
+          <a:p>
+            <a:pPr lvl="1"/>
+            <a:r>
+              <a:rPr lang="cs-CZ"/>
+              <a:t>Druhá úroveň</a:t>
+            </a:r>
+          </a:p>
+          <a:p>
+            <a:pPr lvl="2"/>
+            <a:r>
+              <a:rPr lang="cs-CZ"/>
+              <a:t>Třetí úroveň</a:t>
+            </a:r>
+          </a:p>
+          <a:p>
+            <a:pPr lvl="3"/>
+            <a:r>
+              <a:rPr lang="cs-CZ"/>
+              <a:t>Čtvrtá úroveň</a:t>
+            </a:r>
+          </a:p>
+          <a:p>
+            <a:pPr lvl="4"/>
+            <a:r>
+              <a:rPr lang="cs-CZ"/>
+              <a:t>Pátá úroveň</a:t>
+            </a:r>
+          </a:p>
+        </p:txBody>
+      </p:sp>
+      <p:sp>
+        <p:nvSpPr>
+          <p:cNvPr id="4" name="Zástupný symbol pro datum 3">
+            <a:extLst>
+              <a:ext uri="{FF2B5EF4-FFF2-40B4-BE49-F238E27FC236}">
+                <a16:creationId xmlns:a16="http://schemas.microsoft.com/office/drawing/2014/main" id="{695016D4-33E1-6E0C-7990-2B734CC77CE6}"/>
+              </a:ext>
+            </a:extLst>
+          </p:cNvPr>
+          <p:cNvSpPr>
+            <a:spLocks noGrp="1"/>
+          </p:cNvSpPr>
+          <p:nvPr>
+            <p:ph type="dt" sz="half" idx="10"/>
+          </p:nvPr>
+        </p:nvSpPr>
+        <p:spPr/>
+        <p:txBody>
+          <a:bodyPr/>
+          <a:lstStyle/>
+          <a:p>
+            <a:fld id="{D79D776F-6D66-4CC5-A69D-38B5CDB62271}" type="datetime1">
+              <a:rPr lang="cs-CZ" smtClean="0"/>
+              <a:t>20.06.2024</a:t>
+            </a:fld>
+            <a:endParaRPr lang="cs-CZ"/>
+          </a:p>
+        </p:txBody>
+      </p:sp>
+      <p:sp>
+        <p:nvSpPr>
+          <p:cNvPr id="5" name="Zástupný symbol pro zápatí 4">
+            <a:extLst>
+              <a:ext uri="{FF2B5EF4-FFF2-40B4-BE49-F238E27FC236}">
+                <a16:creationId xmlns:a16="http://schemas.microsoft.com/office/drawing/2014/main" id="{F97A7216-8A03-3736-9144-221A874F3B4E}"/>
+              </a:ext>
+            </a:extLst>
+          </p:cNvPr>
+          <p:cNvSpPr>
+            <a:spLocks noGrp="1"/>
+          </p:cNvSpPr>
+          <p:nvPr>
+            <p:ph type="ftr" sz="quarter" idx="11"/>
+          </p:nvPr>
+        </p:nvSpPr>
+        <p:spPr/>
+        <p:txBody>
+          <a:bodyPr/>
+          <a:lstStyle/>
+          <a:p>
+            <a:r>
+              <a:rPr lang="cs-CZ"/>
+              <a:t>Bc. David Sládeček</a:t>
+            </a:r>
+          </a:p>
+        </p:txBody>
+      </p:sp>
+      <p:sp>
+        <p:nvSpPr>
+          <p:cNvPr id="6" name="Zástupný symbol pro číslo snímku 5">
+            <a:extLst>
+              <a:ext uri="{FF2B5EF4-FFF2-40B4-BE49-F238E27FC236}">
+                <a16:creationId xmlns:a16="http://schemas.microsoft.com/office/drawing/2014/main" id="{E3E963BE-D345-7F13-2AB1-17EB9FF25EFA}"/>
+              </a:ext>
+            </a:extLst>
+          </p:cNvPr>
+          <p:cNvSpPr>
+            <a:spLocks noGrp="1"/>
+          </p:cNvSpPr>
+          <p:nvPr>
+            <p:ph type="sldNum" sz="quarter" idx="12"/>
+          </p:nvPr>
+        </p:nvSpPr>
+        <p:spPr/>
+        <p:txBody>
+          <a:bodyPr/>
+          <a:lstStyle/>
+          <a:p>
+            <a:fld id="{A800683B-2A95-47FE-BB8F-45BBE6B62DC7}" type="slidenum">
+              <a:rPr lang="cs-CZ" smtClean="0"/>
+              <a:t>‹#›</a:t>
+            </a:fld>
+            <a:endParaRPr lang="cs-CZ"/>
+          </a:p>
+        </p:txBody>
+      </p:sp>
+    </p:spTree>
+    <p:extLst>
+      <p:ext uri="{BB962C8B-B14F-4D97-AF65-F5344CB8AC3E}">
+        <p14:creationId xmlns:p14="http://schemas.microsoft.com/office/powerpoint/2010/main" val="894822203"/>
+      </p:ext>
+    </p:extLst>
+  </p:cSld>
+  <p:clrMapOvr>
+    <a:masterClrMapping/>
+  </p:clrMapOvr>
+</p:sldLayout>
+</file>
+
+<file path=ppt/slideLayouts/slideLayout22.xml><?xml version="1.0" encoding="utf-8"?>
+<p:sldLayout xmlns:a="http://schemas.openxmlformats.org/drawingml/2006/main" xmlns:r="http://schemas.openxmlformats.org/officeDocument/2006/relationships" xmlns:p="http://schemas.openxmlformats.org/presentationml/2006/main" type="vertTitleAndTx" preserve="1">
+  <p:cSld name="Svislý nadpis a text">
+    <p:spTree>
+      <p:nvGrpSpPr>
+        <p:cNvPr id="1" name=""/>
+        <p:cNvGrpSpPr/>
+        <p:nvPr/>
+      </p:nvGrpSpPr>
+      <p:grpSpPr>
+        <a:xfrm>
+          <a:off x="0" y="0"/>
+          <a:ext cx="0" cy="0"/>
+          <a:chOff x="0" y="0"/>
+          <a:chExt cx="0" cy="0"/>
+        </a:xfrm>
+      </p:grpSpPr>
+      <p:sp>
+        <p:nvSpPr>
+          <p:cNvPr id="2" name="Svislý nadpis 1">
+            <a:extLst>
+              <a:ext uri="{FF2B5EF4-FFF2-40B4-BE49-F238E27FC236}">
+                <a16:creationId xmlns:a16="http://schemas.microsoft.com/office/drawing/2014/main" id="{AEAAE7C2-0ED6-EB1C-1EE7-115628D8C63B}"/>
+              </a:ext>
+            </a:extLst>
+          </p:cNvPr>
+          <p:cNvSpPr>
+            <a:spLocks noGrp="1"/>
+          </p:cNvSpPr>
+          <p:nvPr>
+            <p:ph type="title" orient="vert"/>
+          </p:nvPr>
+        </p:nvSpPr>
+        <p:spPr>
+          <a:xfrm>
+            <a:off x="8724900" y="365125"/>
+            <a:ext cx="2628900" cy="5811838"/>
+          </a:xfrm>
+        </p:spPr>
+        <p:txBody>
+          <a:bodyPr vert="eaVert"/>
+          <a:lstStyle/>
+          <a:p>
+            <a:r>
+              <a:rPr lang="cs-CZ"/>
+              <a:t>Kliknutím lze upravit styl.</a:t>
+            </a:r>
+          </a:p>
+        </p:txBody>
+      </p:sp>
+      <p:sp>
+        <p:nvSpPr>
+          <p:cNvPr id="3" name="Zástupný symbol pro svislý text 2">
+            <a:extLst>
+              <a:ext uri="{FF2B5EF4-FFF2-40B4-BE49-F238E27FC236}">
+                <a16:creationId xmlns:a16="http://schemas.microsoft.com/office/drawing/2014/main" id="{A309289F-8D46-4A14-8202-EBA3EC576CB8}"/>
+              </a:ext>
+            </a:extLst>
+          </p:cNvPr>
+          <p:cNvSpPr>
+            <a:spLocks noGrp="1"/>
+          </p:cNvSpPr>
+          <p:nvPr>
+            <p:ph type="body" orient="vert" idx="1"/>
+          </p:nvPr>
+        </p:nvSpPr>
+        <p:spPr>
+          <a:xfrm>
+            <a:off x="838200" y="365125"/>
+            <a:ext cx="7734300" cy="5811838"/>
+          </a:xfrm>
+        </p:spPr>
+        <p:txBody>
+          <a:bodyPr vert="eaVert"/>
+          <a:lstStyle/>
+          <a:p>
+            <a:pPr lvl="0"/>
+            <a:r>
+              <a:rPr lang="cs-CZ"/>
+              <a:t>Po kliknutí můžete upravovat styly textu v předloze.</a:t>
+            </a:r>
+          </a:p>
+          <a:p>
+            <a:pPr lvl="1"/>
+            <a:r>
+              <a:rPr lang="cs-CZ"/>
+              <a:t>Druhá úroveň</a:t>
+            </a:r>
+          </a:p>
+          <a:p>
+            <a:pPr lvl="2"/>
+            <a:r>
+              <a:rPr lang="cs-CZ"/>
+              <a:t>Třetí úroveň</a:t>
+            </a:r>
+          </a:p>
+          <a:p>
+            <a:pPr lvl="3"/>
+            <a:r>
+              <a:rPr lang="cs-CZ"/>
+              <a:t>Čtvrtá úroveň</a:t>
+            </a:r>
+          </a:p>
+          <a:p>
+            <a:pPr lvl="4"/>
+            <a:r>
+              <a:rPr lang="cs-CZ"/>
+              <a:t>Pátá úroveň</a:t>
+            </a:r>
+          </a:p>
+        </p:txBody>
+      </p:sp>
+      <p:sp>
+        <p:nvSpPr>
+          <p:cNvPr id="4" name="Zástupný symbol pro datum 3">
+            <a:extLst>
+              <a:ext uri="{FF2B5EF4-FFF2-40B4-BE49-F238E27FC236}">
+                <a16:creationId xmlns:a16="http://schemas.microsoft.com/office/drawing/2014/main" id="{540D15A5-1381-0DE7-7683-5C6C35A8FBF0}"/>
+              </a:ext>
+            </a:extLst>
+          </p:cNvPr>
+          <p:cNvSpPr>
+            <a:spLocks noGrp="1"/>
+          </p:cNvSpPr>
+          <p:nvPr>
+            <p:ph type="dt" sz="half" idx="10"/>
+          </p:nvPr>
+        </p:nvSpPr>
+        <p:spPr/>
+        <p:txBody>
+          <a:bodyPr/>
+          <a:lstStyle/>
+          <a:p>
+            <a:fld id="{0C8739BE-F881-40E7-9978-F51B3B4BC027}" type="datetime1">
+              <a:rPr lang="cs-CZ" smtClean="0"/>
+              <a:t>20.06.2024</a:t>
+            </a:fld>
+            <a:endParaRPr lang="cs-CZ"/>
+          </a:p>
+        </p:txBody>
+      </p:sp>
+      <p:sp>
+        <p:nvSpPr>
+          <p:cNvPr id="5" name="Zástupný symbol pro zápatí 4">
+            <a:extLst>
+              <a:ext uri="{FF2B5EF4-FFF2-40B4-BE49-F238E27FC236}">
+                <a16:creationId xmlns:a16="http://schemas.microsoft.com/office/drawing/2014/main" id="{9BAD1621-4317-3B9F-EB0B-28A0879AEB99}"/>
+              </a:ext>
+            </a:extLst>
+          </p:cNvPr>
+          <p:cNvSpPr>
+            <a:spLocks noGrp="1"/>
+          </p:cNvSpPr>
+          <p:nvPr>
+            <p:ph type="ftr" sz="quarter" idx="11"/>
+          </p:nvPr>
+        </p:nvSpPr>
+        <p:spPr/>
+        <p:txBody>
+          <a:bodyPr/>
+          <a:lstStyle/>
+          <a:p>
+            <a:r>
+              <a:rPr lang="cs-CZ"/>
+              <a:t>Bc. David Sládeček</a:t>
+            </a:r>
+          </a:p>
+        </p:txBody>
+      </p:sp>
+      <p:sp>
+        <p:nvSpPr>
+          <p:cNvPr id="6" name="Zástupný symbol pro číslo snímku 5">
+            <a:extLst>
+              <a:ext uri="{FF2B5EF4-FFF2-40B4-BE49-F238E27FC236}">
+                <a16:creationId xmlns:a16="http://schemas.microsoft.com/office/drawing/2014/main" id="{EF0D44DC-9239-636E-89F9-DD86D28A4732}"/>
+              </a:ext>
+            </a:extLst>
+          </p:cNvPr>
+          <p:cNvSpPr>
+            <a:spLocks noGrp="1"/>
+          </p:cNvSpPr>
+          <p:nvPr>
+            <p:ph type="sldNum" sz="quarter" idx="12"/>
+          </p:nvPr>
+        </p:nvSpPr>
+        <p:spPr/>
+        <p:txBody>
+          <a:bodyPr/>
+          <a:lstStyle/>
+          <a:p>
+            <a:fld id="{A800683B-2A95-47FE-BB8F-45BBE6B62DC7}" type="slidenum">
+              <a:rPr lang="cs-CZ" smtClean="0"/>
+              <a:t>‹#›</a:t>
+            </a:fld>
+            <a:endParaRPr lang="cs-CZ"/>
+          </a:p>
+        </p:txBody>
+      </p:sp>
+    </p:spTree>
+    <p:extLst>
+      <p:ext uri="{BB962C8B-B14F-4D97-AF65-F5344CB8AC3E}">
+        <p14:creationId xmlns:p14="http://schemas.microsoft.com/office/powerpoint/2010/main" val="1233142903"/>
+      </p:ext>
+    </p:extLst>
+  </p:cSld>
+  <p:clrMapOvr>
+    <a:masterClrMapping/>
+  </p:clrMapOvr>
+</p:sldLayout>
+</file>
+
+<file path=ppt/slideLayouts/slideLayout3.xml><?xml version="1.0" encoding="utf-8"?>
+<p:sldLayout xmlns:a="http://schemas.openxmlformats.org/drawingml/2006/main" xmlns:r="http://schemas.openxmlformats.org/officeDocument/2006/relationships" xmlns:p="http://schemas.openxmlformats.org/presentationml/2006/main" type="secHead" preserve="1">
+  <p:cSld name="Záhlaví oddílu">
+    <p:spTree>
+      <p:nvGrpSpPr>
+        <p:cNvPr id="1" name=""/>
+        <p:cNvGrpSpPr/>
+        <p:nvPr/>
+      </p:nvGrpSpPr>
+      <p:grpSpPr>
+        <a:xfrm>
+          <a:off x="0" y="0"/>
+          <a:ext cx="0" cy="0"/>
+          <a:chOff x="0" y="0"/>
+          <a:chExt cx="0" cy="0"/>
+        </a:xfrm>
+      </p:grpSpPr>
+      <p:sp>
+        <p:nvSpPr>
+          <p:cNvPr id="2" name="Nadpis 1">
+            <a:extLst>
+              <a:ext uri="{FF2B5EF4-FFF2-40B4-BE49-F238E27FC236}">
+                <a16:creationId xmlns:a16="http://schemas.microsoft.com/office/drawing/2014/main" id="{B9F4033D-D5F8-5544-2DDC-A831CE2633CA}"/>
+              </a:ext>
+            </a:extLst>
+          </p:cNvPr>
+          <p:cNvSpPr>
+            <a:spLocks noGrp="1"/>
+          </p:cNvSpPr>
+          <p:nvPr>
+            <p:ph type="title"/>
+          </p:nvPr>
+        </p:nvSpPr>
+        <p:spPr>
+          <a:xfrm>
+            <a:off x="831850" y="1709738"/>
+            <a:ext cx="10515600" cy="2852737"/>
+          </a:xfrm>
+        </p:spPr>
+        <p:txBody>
+          <a:bodyPr anchor="b"/>
+          <a:lstStyle>
+            <a:lvl1pPr>
+              <a:defRPr sz="6000"/>
+            </a:lvl1pPr>
+          </a:lstStyle>
+          <a:p>
+            <a:r>
+              <a:rPr lang="cs-CZ"/>
+              <a:t>Kliknutím lze upravit styl.</a:t>
+            </a:r>
+          </a:p>
+        </p:txBody>
+      </p:sp>
+      <p:sp>
+        <p:nvSpPr>
+          <p:cNvPr id="3" name="Zástupný text 2">
+            <a:extLst>
+              <a:ext uri="{FF2B5EF4-FFF2-40B4-BE49-F238E27FC236}">
+                <a16:creationId xmlns:a16="http://schemas.microsoft.com/office/drawing/2014/main" id="{2206F287-A1CF-71F5-749F-BB1B9FE8FA25}"/>
+              </a:ext>
+            </a:extLst>
+          </p:cNvPr>
+          <p:cNvSpPr>
+            <a:spLocks noGrp="1"/>
+          </p:cNvSpPr>
+          <p:nvPr>
+            <p:ph type="body" idx="1"/>
+          </p:nvPr>
+        </p:nvSpPr>
+        <p:spPr>
+          <a:xfrm>
+            <a:off x="831850" y="4589463"/>
+            <a:ext cx="10515600" cy="1500187"/>
+          </a:xfrm>
+        </p:spPr>
+        <p:txBody>
+          <a:bodyPr/>
+          <a:lstStyle>
+            <a:lvl1pPr marL="0" indent="0">
+              <a:buNone/>
+              <a:defRPr sz="2400">
+                <a:solidFill>
+                  <a:schemeClr val="tx1">
+                    <a:tint val="82000"/>
+                  </a:schemeClr>
+                </a:solidFill>
+              </a:defRPr>
+            </a:lvl1pPr>
+            <a:lvl2pPr marL="457200" indent="0">
+              <a:buNone/>
+              <a:defRPr sz="2000">
+                <a:solidFill>
+                  <a:schemeClr val="tx1">
+                    <a:tint val="82000"/>
+                  </a:schemeClr>
+                </a:solidFill>
+              </a:defRPr>
+            </a:lvl2pPr>
+            <a:lvl3pPr marL="914400" indent="0">
+              <a:buNone/>
+              <a:defRPr sz="1800">
+                <a:solidFill>
+                  <a:schemeClr val="tx1">
+                    <a:tint val="82000"/>
+                  </a:schemeClr>
+                </a:solidFill>
+              </a:defRPr>
+            </a:lvl3pPr>
+            <a:lvl4pPr marL="1371600" indent="0">
+              <a:buNone/>
+              <a:defRPr sz="1600">
+                <a:solidFill>
+                  <a:schemeClr val="tx1">
+                    <a:tint val="82000"/>
+                  </a:schemeClr>
+                </a:solidFill>
+              </a:defRPr>
+            </a:lvl4pPr>
+            <a:lvl5pPr marL="1828800" indent="0">
+              <a:buNone/>
+              <a:defRPr sz="1600">
+                <a:solidFill>
+                  <a:schemeClr val="tx1">
+                    <a:tint val="82000"/>
+                  </a:schemeClr>
+                </a:solidFill>
+              </a:defRPr>
+            </a:lvl5pPr>
+            <a:lvl6pPr marL="2286000" indent="0">
+              <a:buNone/>
+              <a:defRPr sz="1600">
+                <a:solidFill>
+                  <a:schemeClr val="tx1">
+                    <a:tint val="82000"/>
+                  </a:schemeClr>
+                </a:solidFill>
+              </a:defRPr>
+            </a:lvl6pPr>
+            <a:lvl7pPr marL="2743200" indent="0">
+              <a:buNone/>
+              <a:defRPr sz="1600">
+                <a:solidFill>
+                  <a:schemeClr val="tx1">
+                    <a:tint val="82000"/>
+                  </a:schemeClr>
+                </a:solidFill>
+              </a:defRPr>
+            </a:lvl7pPr>
+            <a:lvl8pPr marL="3200400" indent="0">
+              <a:buNone/>
+              <a:defRPr sz="1600">
+                <a:solidFill>
+                  <a:schemeClr val="tx1">
+                    <a:tint val="82000"/>
+                  </a:schemeClr>
+                </a:solidFill>
+              </a:defRPr>
+            </a:lvl8pPr>
+            <a:lvl9pPr marL="3657600" indent="0">
+              <a:buNone/>
+              <a:defRPr sz="1600">
+                <a:solidFill>
+                  <a:schemeClr val="tx1">
+                    <a:tint val="82000"/>
+                  </a:schemeClr>
+                </a:solidFill>
+              </a:defRPr>
+            </a:lvl9pPr>
+          </a:lstStyle>
+          <a:p>
+            <a:pPr lvl="0"/>
+            <a:r>
+              <a:rPr lang="cs-CZ"/>
+              <a:t>Po kliknutí můžete upravovat styly textu v předloze.</a:t>
+            </a:r>
+          </a:p>
+        </p:txBody>
+      </p:sp>
+      <p:sp>
+        <p:nvSpPr>
+          <p:cNvPr id="4" name="Zástupný symbol pro datum 3">
+            <a:extLst>
+              <a:ext uri="{FF2B5EF4-FFF2-40B4-BE49-F238E27FC236}">
+                <a16:creationId xmlns:a16="http://schemas.microsoft.com/office/drawing/2014/main" id="{B64DF432-9E7F-1977-1937-044A6E52F7B7}"/>
+              </a:ext>
+            </a:extLst>
+          </p:cNvPr>
+          <p:cNvSpPr>
+            <a:spLocks noGrp="1"/>
+          </p:cNvSpPr>
+          <p:nvPr>
+            <p:ph type="dt" sz="half" idx="10"/>
+          </p:nvPr>
+        </p:nvSpPr>
+        <p:spPr/>
+        <p:txBody>
+          <a:bodyPr/>
+          <a:lstStyle/>
+          <a:p>
             <a:pPr rtl="0"/>
-            <a:fld id="{06F24F85-89C9-4554-BB3D-C9F75BD57326}" type="datetime1">
+            <a:fld id="{44263330-536C-4555-80AE-8CC63112F4D2}" type="datetime1">
               <a:rPr lang="cs-CZ" smtClean="0"/>
-              <a:t>17.06.2024</a:t>
+              <a:t>20.06.2024</a:t>
             </a:fld>
             <a:endParaRPr lang="en-US" dirty="0"/>
           </a:p>
@@ -3254,10 +4380,10 @@
       </p:sp>
       <p:sp>
         <p:nvSpPr>
-          <p:cNvPr id="6" name="Zástupný symbol pro zápatí 5">
-            <a:extLst>
-              <a:ext uri="{FF2B5EF4-FFF2-40B4-BE49-F238E27FC236}">
-                <a16:creationId xmlns:a16="http://schemas.microsoft.com/office/drawing/2014/main" id="{E9B11E4F-C967-D358-3FEB-F5AD878D9BA9}"/>
+          <p:cNvPr id="5" name="Zástupný symbol pro zápatí 4">
+            <a:extLst>
+              <a:ext uri="{FF2B5EF4-FFF2-40B4-BE49-F238E27FC236}">
+                <a16:creationId xmlns:a16="http://schemas.microsoft.com/office/drawing/2014/main" id="{417BBDA1-8ED7-D97F-DB52-DB4714BF6F58}"/>
               </a:ext>
             </a:extLst>
           </p:cNvPr>
@@ -3273,7 +4399,1580 @@
           <a:bodyPr/>
           <a:lstStyle/>
           <a:p>
+            <a:pPr rtl="0"/>
+            <a:r>
+              <a:rPr lang="en-US"/>
+              <a:t>Bc. David Sládeček</a:t>
+            </a:r>
+            <a:endParaRPr lang="en-US" dirty="0"/>
+          </a:p>
+        </p:txBody>
+      </p:sp>
+      <p:sp>
+        <p:nvSpPr>
+          <p:cNvPr id="6" name="Zástupný symbol pro číslo snímku 5">
+            <a:extLst>
+              <a:ext uri="{FF2B5EF4-FFF2-40B4-BE49-F238E27FC236}">
+                <a16:creationId xmlns:a16="http://schemas.microsoft.com/office/drawing/2014/main" id="{AA2F0D1D-8665-5D4F-51D7-1A49F82BC4E3}"/>
+              </a:ext>
+            </a:extLst>
+          </p:cNvPr>
+          <p:cNvSpPr>
+            <a:spLocks noGrp="1"/>
+          </p:cNvSpPr>
+          <p:nvPr>
+            <p:ph type="sldNum" sz="quarter" idx="12"/>
+          </p:nvPr>
+        </p:nvSpPr>
+        <p:spPr/>
+        <p:txBody>
+          <a:bodyPr/>
+          <a:lstStyle/>
+          <a:p>
+            <a:pPr rtl="0"/>
+            <a:fld id="{34B7E4EF-A1BD-40F4-AB7B-04F084DD991D}" type="slidenum">
+              <a:rPr lang="en-US" smtClean="0"/>
+              <a:t>‹#›</a:t>
+            </a:fld>
+            <a:endParaRPr lang="en-US" dirty="0"/>
+          </a:p>
+        </p:txBody>
+      </p:sp>
+    </p:spTree>
+    <p:extLst>
+      <p:ext uri="{BB962C8B-B14F-4D97-AF65-F5344CB8AC3E}">
+        <p14:creationId xmlns:p14="http://schemas.microsoft.com/office/powerpoint/2010/main" val="2344875220"/>
+      </p:ext>
+    </p:extLst>
+  </p:cSld>
+  <p:clrMapOvr>
+    <a:masterClrMapping/>
+  </p:clrMapOvr>
+</p:sldLayout>
+</file>
+
+<file path=ppt/slideLayouts/slideLayout4.xml><?xml version="1.0" encoding="utf-8"?>
+<p:sldLayout xmlns:a="http://schemas.openxmlformats.org/drawingml/2006/main" xmlns:r="http://schemas.openxmlformats.org/officeDocument/2006/relationships" xmlns:p="http://schemas.openxmlformats.org/presentationml/2006/main" type="twoObj" preserve="1">
+  <p:cSld name="Dva obsahy">
+    <p:spTree>
+      <p:nvGrpSpPr>
+        <p:cNvPr id="1" name=""/>
+        <p:cNvGrpSpPr/>
+        <p:nvPr/>
+      </p:nvGrpSpPr>
+      <p:grpSpPr>
+        <a:xfrm>
+          <a:off x="0" y="0"/>
+          <a:ext cx="0" cy="0"/>
+          <a:chOff x="0" y="0"/>
+          <a:chExt cx="0" cy="0"/>
+        </a:xfrm>
+      </p:grpSpPr>
+      <p:sp>
+        <p:nvSpPr>
+          <p:cNvPr id="2" name="Nadpis 1">
+            <a:extLst>
+              <a:ext uri="{FF2B5EF4-FFF2-40B4-BE49-F238E27FC236}">
+                <a16:creationId xmlns:a16="http://schemas.microsoft.com/office/drawing/2014/main" id="{3F317C66-09E9-844B-0CDE-995349A19698}"/>
+              </a:ext>
+            </a:extLst>
+          </p:cNvPr>
+          <p:cNvSpPr>
+            <a:spLocks noGrp="1"/>
+          </p:cNvSpPr>
+          <p:nvPr>
+            <p:ph type="title"/>
+          </p:nvPr>
+        </p:nvSpPr>
+        <p:spPr/>
+        <p:txBody>
+          <a:bodyPr/>
+          <a:lstStyle/>
+          <a:p>
+            <a:r>
+              <a:rPr lang="cs-CZ"/>
+              <a:t>Kliknutím lze upravit styl.</a:t>
+            </a:r>
+          </a:p>
+        </p:txBody>
+      </p:sp>
+      <p:sp>
+        <p:nvSpPr>
+          <p:cNvPr id="3" name="Zástupný obsah 2">
+            <a:extLst>
+              <a:ext uri="{FF2B5EF4-FFF2-40B4-BE49-F238E27FC236}">
+                <a16:creationId xmlns:a16="http://schemas.microsoft.com/office/drawing/2014/main" id="{402F2CB8-B5F3-C6BD-3FCB-9EA1E0489C53}"/>
+              </a:ext>
+            </a:extLst>
+          </p:cNvPr>
+          <p:cNvSpPr>
+            <a:spLocks noGrp="1"/>
+          </p:cNvSpPr>
+          <p:nvPr>
+            <p:ph sz="half" idx="1"/>
+          </p:nvPr>
+        </p:nvSpPr>
+        <p:spPr>
+          <a:xfrm>
+            <a:off x="838200" y="1825625"/>
+            <a:ext cx="5181600" cy="4351338"/>
+          </a:xfrm>
+        </p:spPr>
+        <p:txBody>
+          <a:bodyPr/>
+          <a:lstStyle/>
+          <a:p>
+            <a:pPr lvl="0"/>
+            <a:r>
+              <a:rPr lang="cs-CZ"/>
+              <a:t>Po kliknutí můžete upravovat styly textu v předloze.</a:t>
+            </a:r>
+          </a:p>
+          <a:p>
+            <a:pPr lvl="1"/>
+            <a:r>
+              <a:rPr lang="cs-CZ"/>
+              <a:t>Druhá úroveň</a:t>
+            </a:r>
+          </a:p>
+          <a:p>
+            <a:pPr lvl="2"/>
+            <a:r>
+              <a:rPr lang="cs-CZ"/>
+              <a:t>Třetí úroveň</a:t>
+            </a:r>
+          </a:p>
+          <a:p>
+            <a:pPr lvl="3"/>
+            <a:r>
+              <a:rPr lang="cs-CZ"/>
+              <a:t>Čtvrtá úroveň</a:t>
+            </a:r>
+          </a:p>
+          <a:p>
+            <a:pPr lvl="4"/>
+            <a:r>
+              <a:rPr lang="cs-CZ"/>
+              <a:t>Pátá úroveň</a:t>
+            </a:r>
+          </a:p>
+        </p:txBody>
+      </p:sp>
+      <p:sp>
+        <p:nvSpPr>
+          <p:cNvPr id="4" name="Zástupný obsah 3">
+            <a:extLst>
+              <a:ext uri="{FF2B5EF4-FFF2-40B4-BE49-F238E27FC236}">
+                <a16:creationId xmlns:a16="http://schemas.microsoft.com/office/drawing/2014/main" id="{3E445EEA-967F-5654-7A64-0AA478DA00F3}"/>
+              </a:ext>
+            </a:extLst>
+          </p:cNvPr>
+          <p:cNvSpPr>
+            <a:spLocks noGrp="1"/>
+          </p:cNvSpPr>
+          <p:nvPr>
+            <p:ph sz="half" idx="2"/>
+          </p:nvPr>
+        </p:nvSpPr>
+        <p:spPr>
+          <a:xfrm>
+            <a:off x="6172200" y="1825625"/>
+            <a:ext cx="5181600" cy="4351338"/>
+          </a:xfrm>
+        </p:spPr>
+        <p:txBody>
+          <a:bodyPr/>
+          <a:lstStyle/>
+          <a:p>
+            <a:pPr lvl="0"/>
+            <a:r>
+              <a:rPr lang="cs-CZ"/>
+              <a:t>Po kliknutí můžete upravovat styly textu v předloze.</a:t>
+            </a:r>
+          </a:p>
+          <a:p>
+            <a:pPr lvl="1"/>
+            <a:r>
+              <a:rPr lang="cs-CZ"/>
+              <a:t>Druhá úroveň</a:t>
+            </a:r>
+          </a:p>
+          <a:p>
+            <a:pPr lvl="2"/>
+            <a:r>
+              <a:rPr lang="cs-CZ"/>
+              <a:t>Třetí úroveň</a:t>
+            </a:r>
+          </a:p>
+          <a:p>
+            <a:pPr lvl="3"/>
+            <a:r>
+              <a:rPr lang="cs-CZ"/>
+              <a:t>Čtvrtá úroveň</a:t>
+            </a:r>
+          </a:p>
+          <a:p>
+            <a:pPr lvl="4"/>
+            <a:r>
+              <a:rPr lang="cs-CZ"/>
+              <a:t>Pátá úroveň</a:t>
+            </a:r>
+          </a:p>
+        </p:txBody>
+      </p:sp>
+      <p:sp>
+        <p:nvSpPr>
+          <p:cNvPr id="5" name="Zástupný symbol pro datum 4">
+            <a:extLst>
+              <a:ext uri="{FF2B5EF4-FFF2-40B4-BE49-F238E27FC236}">
+                <a16:creationId xmlns:a16="http://schemas.microsoft.com/office/drawing/2014/main" id="{9B737C54-161D-D72F-5267-BAF8E9303D05}"/>
+              </a:ext>
+            </a:extLst>
+          </p:cNvPr>
+          <p:cNvSpPr>
+            <a:spLocks noGrp="1"/>
+          </p:cNvSpPr>
+          <p:nvPr>
+            <p:ph type="dt" sz="half" idx="10"/>
+          </p:nvPr>
+        </p:nvSpPr>
+        <p:spPr/>
+        <p:txBody>
+          <a:bodyPr/>
+          <a:lstStyle/>
+          <a:p>
+            <a:pPr rtl="0"/>
+            <a:fld id="{57512E2F-6F7A-439C-90D8-CDEEC7A21E48}" type="datetime1">
+              <a:rPr lang="cs-CZ" smtClean="0"/>
+              <a:t>20.06.2024</a:t>
+            </a:fld>
+            <a:endParaRPr lang="en-US" dirty="0"/>
+          </a:p>
+        </p:txBody>
+      </p:sp>
+      <p:sp>
+        <p:nvSpPr>
+          <p:cNvPr id="6" name="Zástupný symbol pro zápatí 5">
+            <a:extLst>
+              <a:ext uri="{FF2B5EF4-FFF2-40B4-BE49-F238E27FC236}">
+                <a16:creationId xmlns:a16="http://schemas.microsoft.com/office/drawing/2014/main" id="{03D08C7D-B71B-0BE1-D20C-6579A77E6F0D}"/>
+              </a:ext>
+            </a:extLst>
+          </p:cNvPr>
+          <p:cNvSpPr>
+            <a:spLocks noGrp="1"/>
+          </p:cNvSpPr>
+          <p:nvPr>
+            <p:ph type="ftr" sz="quarter" idx="11"/>
+          </p:nvPr>
+        </p:nvSpPr>
+        <p:spPr/>
+        <p:txBody>
+          <a:bodyPr/>
+          <a:lstStyle/>
+          <a:p>
+            <a:pPr rtl="0"/>
+            <a:r>
+              <a:rPr lang="en-US"/>
+              <a:t>Bc. David Sládeček</a:t>
+            </a:r>
+            <a:endParaRPr lang="en-US" dirty="0"/>
+          </a:p>
+        </p:txBody>
+      </p:sp>
+      <p:sp>
+        <p:nvSpPr>
+          <p:cNvPr id="7" name="Zástupný symbol pro číslo snímku 6">
+            <a:extLst>
+              <a:ext uri="{FF2B5EF4-FFF2-40B4-BE49-F238E27FC236}">
+                <a16:creationId xmlns:a16="http://schemas.microsoft.com/office/drawing/2014/main" id="{77A14AF9-BEE5-2B81-8FBB-40C4D401572B}"/>
+              </a:ext>
+            </a:extLst>
+          </p:cNvPr>
+          <p:cNvSpPr>
+            <a:spLocks noGrp="1"/>
+          </p:cNvSpPr>
+          <p:nvPr>
+            <p:ph type="sldNum" sz="quarter" idx="12"/>
+          </p:nvPr>
+        </p:nvSpPr>
+        <p:spPr/>
+        <p:txBody>
+          <a:bodyPr/>
+          <a:lstStyle/>
+          <a:p>
+            <a:pPr rtl="0"/>
+            <a:fld id="{34B7E4EF-A1BD-40F4-AB7B-04F084DD991D}" type="slidenum">
+              <a:rPr lang="en-US" smtClean="0"/>
+              <a:t>‹#›</a:t>
+            </a:fld>
+            <a:endParaRPr lang="en-US"/>
+          </a:p>
+        </p:txBody>
+      </p:sp>
+    </p:spTree>
+    <p:extLst>
+      <p:ext uri="{BB962C8B-B14F-4D97-AF65-F5344CB8AC3E}">
+        <p14:creationId xmlns:p14="http://schemas.microsoft.com/office/powerpoint/2010/main" val="2405651122"/>
+      </p:ext>
+    </p:extLst>
+  </p:cSld>
+  <p:clrMapOvr>
+    <a:masterClrMapping/>
+  </p:clrMapOvr>
+</p:sldLayout>
+</file>
+
+<file path=ppt/slideLayouts/slideLayout5.xml><?xml version="1.0" encoding="utf-8"?>
+<p:sldLayout xmlns:a="http://schemas.openxmlformats.org/drawingml/2006/main" xmlns:r="http://schemas.openxmlformats.org/officeDocument/2006/relationships" xmlns:p="http://schemas.openxmlformats.org/presentationml/2006/main" type="twoTxTwoObj" preserve="1">
+  <p:cSld name="Porovnání">
+    <p:spTree>
+      <p:nvGrpSpPr>
+        <p:cNvPr id="1" name=""/>
+        <p:cNvGrpSpPr/>
+        <p:nvPr/>
+      </p:nvGrpSpPr>
+      <p:grpSpPr>
+        <a:xfrm>
+          <a:off x="0" y="0"/>
+          <a:ext cx="0" cy="0"/>
+          <a:chOff x="0" y="0"/>
+          <a:chExt cx="0" cy="0"/>
+        </a:xfrm>
+      </p:grpSpPr>
+      <p:sp>
+        <p:nvSpPr>
+          <p:cNvPr id="2" name="Nadpis 1">
+            <a:extLst>
+              <a:ext uri="{FF2B5EF4-FFF2-40B4-BE49-F238E27FC236}">
+                <a16:creationId xmlns:a16="http://schemas.microsoft.com/office/drawing/2014/main" id="{1ED6CD67-3340-35B7-0969-82208F7705BC}"/>
+              </a:ext>
+            </a:extLst>
+          </p:cNvPr>
+          <p:cNvSpPr>
+            <a:spLocks noGrp="1"/>
+          </p:cNvSpPr>
+          <p:nvPr>
+            <p:ph type="title"/>
+          </p:nvPr>
+        </p:nvSpPr>
+        <p:spPr>
+          <a:xfrm>
+            <a:off x="839788" y="365125"/>
+            <a:ext cx="10515600" cy="1325563"/>
+          </a:xfrm>
+        </p:spPr>
+        <p:txBody>
+          <a:bodyPr/>
+          <a:lstStyle/>
+          <a:p>
+            <a:r>
+              <a:rPr lang="cs-CZ"/>
+              <a:t>Kliknutím lze upravit styl.</a:t>
+            </a:r>
+          </a:p>
+        </p:txBody>
+      </p:sp>
+      <p:sp>
+        <p:nvSpPr>
+          <p:cNvPr id="3" name="Zástupný text 2">
+            <a:extLst>
+              <a:ext uri="{FF2B5EF4-FFF2-40B4-BE49-F238E27FC236}">
+                <a16:creationId xmlns:a16="http://schemas.microsoft.com/office/drawing/2014/main" id="{38FFEF99-0234-E16F-4255-00BAFEF6B909}"/>
+              </a:ext>
+            </a:extLst>
+          </p:cNvPr>
+          <p:cNvSpPr>
+            <a:spLocks noGrp="1"/>
+          </p:cNvSpPr>
+          <p:nvPr>
+            <p:ph type="body" idx="1"/>
+          </p:nvPr>
+        </p:nvSpPr>
+        <p:spPr>
+          <a:xfrm>
+            <a:off x="839788" y="1681163"/>
+            <a:ext cx="5157787" cy="823912"/>
+          </a:xfrm>
+        </p:spPr>
+        <p:txBody>
+          <a:bodyPr anchor="b"/>
+          <a:lstStyle>
+            <a:lvl1pPr marL="0" indent="0">
+              <a:buNone/>
+              <a:defRPr sz="2400" b="1"/>
+            </a:lvl1pPr>
+            <a:lvl2pPr marL="457200" indent="0">
+              <a:buNone/>
+              <a:defRPr sz="2000" b="1"/>
+            </a:lvl2pPr>
+            <a:lvl3pPr marL="914400" indent="0">
+              <a:buNone/>
+              <a:defRPr sz="1800" b="1"/>
+            </a:lvl3pPr>
+            <a:lvl4pPr marL="1371600" indent="0">
+              <a:buNone/>
+              <a:defRPr sz="1600" b="1"/>
+            </a:lvl4pPr>
+            <a:lvl5pPr marL="1828800" indent="0">
+              <a:buNone/>
+              <a:defRPr sz="1600" b="1"/>
+            </a:lvl5pPr>
+            <a:lvl6pPr marL="2286000" indent="0">
+              <a:buNone/>
+              <a:defRPr sz="1600" b="1"/>
+            </a:lvl6pPr>
+            <a:lvl7pPr marL="2743200" indent="0">
+              <a:buNone/>
+              <a:defRPr sz="1600" b="1"/>
+            </a:lvl7pPr>
+            <a:lvl8pPr marL="3200400" indent="0">
+              <a:buNone/>
+              <a:defRPr sz="1600" b="1"/>
+            </a:lvl8pPr>
+            <a:lvl9pPr marL="3657600" indent="0">
+              <a:buNone/>
+              <a:defRPr sz="1600" b="1"/>
+            </a:lvl9pPr>
+          </a:lstStyle>
+          <a:p>
+            <a:pPr lvl="0"/>
+            <a:r>
+              <a:rPr lang="cs-CZ"/>
+              <a:t>Po kliknutí můžete upravovat styly textu v předloze.</a:t>
+            </a:r>
+          </a:p>
+        </p:txBody>
+      </p:sp>
+      <p:sp>
+        <p:nvSpPr>
+          <p:cNvPr id="4" name="Zástupný obsah 3">
+            <a:extLst>
+              <a:ext uri="{FF2B5EF4-FFF2-40B4-BE49-F238E27FC236}">
+                <a16:creationId xmlns:a16="http://schemas.microsoft.com/office/drawing/2014/main" id="{EE11EEDA-0217-1F7B-48FF-8EA2AE81C316}"/>
+              </a:ext>
+            </a:extLst>
+          </p:cNvPr>
+          <p:cNvSpPr>
+            <a:spLocks noGrp="1"/>
+          </p:cNvSpPr>
+          <p:nvPr>
+            <p:ph sz="half" idx="2"/>
+          </p:nvPr>
+        </p:nvSpPr>
+        <p:spPr>
+          <a:xfrm>
+            <a:off x="839788" y="2505075"/>
+            <a:ext cx="5157787" cy="3684588"/>
+          </a:xfrm>
+        </p:spPr>
+        <p:txBody>
+          <a:bodyPr/>
+          <a:lstStyle/>
+          <a:p>
+            <a:pPr lvl="0"/>
+            <a:r>
+              <a:rPr lang="cs-CZ"/>
+              <a:t>Po kliknutí můžete upravovat styly textu v předloze.</a:t>
+            </a:r>
+          </a:p>
+          <a:p>
+            <a:pPr lvl="1"/>
+            <a:r>
+              <a:rPr lang="cs-CZ"/>
+              <a:t>Druhá úroveň</a:t>
+            </a:r>
+          </a:p>
+          <a:p>
+            <a:pPr lvl="2"/>
+            <a:r>
+              <a:rPr lang="cs-CZ"/>
+              <a:t>Třetí úroveň</a:t>
+            </a:r>
+          </a:p>
+          <a:p>
+            <a:pPr lvl="3"/>
+            <a:r>
+              <a:rPr lang="cs-CZ"/>
+              <a:t>Čtvrtá úroveň</a:t>
+            </a:r>
+          </a:p>
+          <a:p>
+            <a:pPr lvl="4"/>
+            <a:r>
+              <a:rPr lang="cs-CZ"/>
+              <a:t>Pátá úroveň</a:t>
+            </a:r>
+          </a:p>
+        </p:txBody>
+      </p:sp>
+      <p:sp>
+        <p:nvSpPr>
+          <p:cNvPr id="5" name="Zástupný text 4">
+            <a:extLst>
+              <a:ext uri="{FF2B5EF4-FFF2-40B4-BE49-F238E27FC236}">
+                <a16:creationId xmlns:a16="http://schemas.microsoft.com/office/drawing/2014/main" id="{20A7BD12-4539-3D30-4461-B6A2431095A0}"/>
+              </a:ext>
+            </a:extLst>
+          </p:cNvPr>
+          <p:cNvSpPr>
+            <a:spLocks noGrp="1"/>
+          </p:cNvSpPr>
+          <p:nvPr>
+            <p:ph type="body" sz="quarter" idx="3"/>
+          </p:nvPr>
+        </p:nvSpPr>
+        <p:spPr>
+          <a:xfrm>
+            <a:off x="6172200" y="1681163"/>
+            <a:ext cx="5183188" cy="823912"/>
+          </a:xfrm>
+        </p:spPr>
+        <p:txBody>
+          <a:bodyPr anchor="b"/>
+          <a:lstStyle>
+            <a:lvl1pPr marL="0" indent="0">
+              <a:buNone/>
+              <a:defRPr sz="2400" b="1"/>
+            </a:lvl1pPr>
+            <a:lvl2pPr marL="457200" indent="0">
+              <a:buNone/>
+              <a:defRPr sz="2000" b="1"/>
+            </a:lvl2pPr>
+            <a:lvl3pPr marL="914400" indent="0">
+              <a:buNone/>
+              <a:defRPr sz="1800" b="1"/>
+            </a:lvl3pPr>
+            <a:lvl4pPr marL="1371600" indent="0">
+              <a:buNone/>
+              <a:defRPr sz="1600" b="1"/>
+            </a:lvl4pPr>
+            <a:lvl5pPr marL="1828800" indent="0">
+              <a:buNone/>
+              <a:defRPr sz="1600" b="1"/>
+            </a:lvl5pPr>
+            <a:lvl6pPr marL="2286000" indent="0">
+              <a:buNone/>
+              <a:defRPr sz="1600" b="1"/>
+            </a:lvl6pPr>
+            <a:lvl7pPr marL="2743200" indent="0">
+              <a:buNone/>
+              <a:defRPr sz="1600" b="1"/>
+            </a:lvl7pPr>
+            <a:lvl8pPr marL="3200400" indent="0">
+              <a:buNone/>
+              <a:defRPr sz="1600" b="1"/>
+            </a:lvl8pPr>
+            <a:lvl9pPr marL="3657600" indent="0">
+              <a:buNone/>
+              <a:defRPr sz="1600" b="1"/>
+            </a:lvl9pPr>
+          </a:lstStyle>
+          <a:p>
+            <a:pPr lvl="0"/>
+            <a:r>
+              <a:rPr lang="cs-CZ"/>
+              <a:t>Po kliknutí můžete upravovat styly textu v předloze.</a:t>
+            </a:r>
+          </a:p>
+        </p:txBody>
+      </p:sp>
+      <p:sp>
+        <p:nvSpPr>
+          <p:cNvPr id="6" name="Zástupný obsah 5">
+            <a:extLst>
+              <a:ext uri="{FF2B5EF4-FFF2-40B4-BE49-F238E27FC236}">
+                <a16:creationId xmlns:a16="http://schemas.microsoft.com/office/drawing/2014/main" id="{A4A2D9FD-22EC-B178-DC6A-908CEAF644F4}"/>
+              </a:ext>
+            </a:extLst>
+          </p:cNvPr>
+          <p:cNvSpPr>
+            <a:spLocks noGrp="1"/>
+          </p:cNvSpPr>
+          <p:nvPr>
+            <p:ph sz="quarter" idx="4"/>
+          </p:nvPr>
+        </p:nvSpPr>
+        <p:spPr>
+          <a:xfrm>
+            <a:off x="6172200" y="2505075"/>
+            <a:ext cx="5183188" cy="3684588"/>
+          </a:xfrm>
+        </p:spPr>
+        <p:txBody>
+          <a:bodyPr/>
+          <a:lstStyle/>
+          <a:p>
+            <a:pPr lvl="0"/>
+            <a:r>
+              <a:rPr lang="cs-CZ"/>
+              <a:t>Po kliknutí můžete upravovat styly textu v předloze.</a:t>
+            </a:r>
+          </a:p>
+          <a:p>
+            <a:pPr lvl="1"/>
+            <a:r>
+              <a:rPr lang="cs-CZ"/>
+              <a:t>Druhá úroveň</a:t>
+            </a:r>
+          </a:p>
+          <a:p>
+            <a:pPr lvl="2"/>
+            <a:r>
+              <a:rPr lang="cs-CZ"/>
+              <a:t>Třetí úroveň</a:t>
+            </a:r>
+          </a:p>
+          <a:p>
+            <a:pPr lvl="3"/>
+            <a:r>
+              <a:rPr lang="cs-CZ"/>
+              <a:t>Čtvrtá úroveň</a:t>
+            </a:r>
+          </a:p>
+          <a:p>
+            <a:pPr lvl="4"/>
+            <a:r>
+              <a:rPr lang="cs-CZ"/>
+              <a:t>Pátá úroveň</a:t>
+            </a:r>
+          </a:p>
+        </p:txBody>
+      </p:sp>
+      <p:sp>
+        <p:nvSpPr>
+          <p:cNvPr id="7" name="Zástupný symbol pro datum 6">
+            <a:extLst>
+              <a:ext uri="{FF2B5EF4-FFF2-40B4-BE49-F238E27FC236}">
+                <a16:creationId xmlns:a16="http://schemas.microsoft.com/office/drawing/2014/main" id="{18FE9C73-7BF8-1772-C907-ABD59B1E095E}"/>
+              </a:ext>
+            </a:extLst>
+          </p:cNvPr>
+          <p:cNvSpPr>
+            <a:spLocks noGrp="1"/>
+          </p:cNvSpPr>
+          <p:nvPr>
+            <p:ph type="dt" sz="half" idx="10"/>
+          </p:nvPr>
+        </p:nvSpPr>
+        <p:spPr/>
+        <p:txBody>
+          <a:bodyPr/>
+          <a:lstStyle/>
+          <a:p>
+            <a:pPr rtl="0"/>
+            <a:fld id="{C8750A66-8DF8-4D60-A19E-28A283D7951C}" type="datetime1">
+              <a:rPr lang="cs-CZ" smtClean="0"/>
+              <a:t>20.06.2024</a:t>
+            </a:fld>
+            <a:endParaRPr lang="en-US"/>
+          </a:p>
+        </p:txBody>
+      </p:sp>
+      <p:sp>
+        <p:nvSpPr>
+          <p:cNvPr id="8" name="Zástupný symbol pro zápatí 7">
+            <a:extLst>
+              <a:ext uri="{FF2B5EF4-FFF2-40B4-BE49-F238E27FC236}">
+                <a16:creationId xmlns:a16="http://schemas.microsoft.com/office/drawing/2014/main" id="{733B99E9-A2C8-347F-6C4A-61F8BBC43A8C}"/>
+              </a:ext>
+            </a:extLst>
+          </p:cNvPr>
+          <p:cNvSpPr>
+            <a:spLocks noGrp="1"/>
+          </p:cNvSpPr>
+          <p:nvPr>
+            <p:ph type="ftr" sz="quarter" idx="11"/>
+          </p:nvPr>
+        </p:nvSpPr>
+        <p:spPr/>
+        <p:txBody>
+          <a:bodyPr/>
+          <a:lstStyle/>
+          <a:p>
+            <a:pPr rtl="0"/>
+            <a:r>
+              <a:rPr lang="en-US"/>
+              <a:t>Bc. David Sládeček</a:t>
+            </a:r>
+          </a:p>
+        </p:txBody>
+      </p:sp>
+      <p:sp>
+        <p:nvSpPr>
+          <p:cNvPr id="9" name="Zástupný symbol pro číslo snímku 8">
+            <a:extLst>
+              <a:ext uri="{FF2B5EF4-FFF2-40B4-BE49-F238E27FC236}">
+                <a16:creationId xmlns:a16="http://schemas.microsoft.com/office/drawing/2014/main" id="{D75FA293-453A-0214-429D-781542F25A5B}"/>
+              </a:ext>
+            </a:extLst>
+          </p:cNvPr>
+          <p:cNvSpPr>
+            <a:spLocks noGrp="1"/>
+          </p:cNvSpPr>
+          <p:nvPr>
+            <p:ph type="sldNum" sz="quarter" idx="12"/>
+          </p:nvPr>
+        </p:nvSpPr>
+        <p:spPr/>
+        <p:txBody>
+          <a:bodyPr/>
+          <a:lstStyle/>
+          <a:p>
+            <a:pPr rtl="0"/>
+            <a:fld id="{34B7E4EF-A1BD-40F4-AB7B-04F084DD991D}" type="slidenum">
+              <a:rPr lang="en-US" smtClean="0"/>
+              <a:t>‹#›</a:t>
+            </a:fld>
+            <a:endParaRPr lang="en-US"/>
+          </a:p>
+        </p:txBody>
+      </p:sp>
+    </p:spTree>
+    <p:extLst>
+      <p:ext uri="{BB962C8B-B14F-4D97-AF65-F5344CB8AC3E}">
+        <p14:creationId xmlns:p14="http://schemas.microsoft.com/office/powerpoint/2010/main" val="138124955"/>
+      </p:ext>
+    </p:extLst>
+  </p:cSld>
+  <p:clrMapOvr>
+    <a:masterClrMapping/>
+  </p:clrMapOvr>
+</p:sldLayout>
+</file>
+
+<file path=ppt/slideLayouts/slideLayout6.xml><?xml version="1.0" encoding="utf-8"?>
+<p:sldLayout xmlns:a="http://schemas.openxmlformats.org/drawingml/2006/main" xmlns:r="http://schemas.openxmlformats.org/officeDocument/2006/relationships" xmlns:p="http://schemas.openxmlformats.org/presentationml/2006/main" type="titleOnly" preserve="1">
+  <p:cSld name="Jenom nadpis">
+    <p:spTree>
+      <p:nvGrpSpPr>
+        <p:cNvPr id="1" name=""/>
+        <p:cNvGrpSpPr/>
+        <p:nvPr/>
+      </p:nvGrpSpPr>
+      <p:grpSpPr>
+        <a:xfrm>
+          <a:off x="0" y="0"/>
+          <a:ext cx="0" cy="0"/>
+          <a:chOff x="0" y="0"/>
+          <a:chExt cx="0" cy="0"/>
+        </a:xfrm>
+      </p:grpSpPr>
+      <p:sp>
+        <p:nvSpPr>
+          <p:cNvPr id="2" name="Nadpis 1">
+            <a:extLst>
+              <a:ext uri="{FF2B5EF4-FFF2-40B4-BE49-F238E27FC236}">
+                <a16:creationId xmlns:a16="http://schemas.microsoft.com/office/drawing/2014/main" id="{34575B94-6D7D-64A2-C43D-2D58CE9F5ECE}"/>
+              </a:ext>
+            </a:extLst>
+          </p:cNvPr>
+          <p:cNvSpPr>
+            <a:spLocks noGrp="1"/>
+          </p:cNvSpPr>
+          <p:nvPr>
+            <p:ph type="title"/>
+          </p:nvPr>
+        </p:nvSpPr>
+        <p:spPr/>
+        <p:txBody>
+          <a:bodyPr/>
+          <a:lstStyle/>
+          <a:p>
+            <a:r>
+              <a:rPr lang="cs-CZ"/>
+              <a:t>Kliknutím lze upravit styl.</a:t>
+            </a:r>
+          </a:p>
+        </p:txBody>
+      </p:sp>
+      <p:sp>
+        <p:nvSpPr>
+          <p:cNvPr id="3" name="Zástupný symbol pro datum 2">
+            <a:extLst>
+              <a:ext uri="{FF2B5EF4-FFF2-40B4-BE49-F238E27FC236}">
+                <a16:creationId xmlns:a16="http://schemas.microsoft.com/office/drawing/2014/main" id="{B1E906B4-853D-9DF3-A954-37D6965623F3}"/>
+              </a:ext>
+            </a:extLst>
+          </p:cNvPr>
+          <p:cNvSpPr>
+            <a:spLocks noGrp="1"/>
+          </p:cNvSpPr>
+          <p:nvPr>
+            <p:ph type="dt" sz="half" idx="10"/>
+          </p:nvPr>
+        </p:nvSpPr>
+        <p:spPr/>
+        <p:txBody>
+          <a:bodyPr/>
+          <a:lstStyle/>
+          <a:p>
+            <a:pPr rtl="0"/>
+            <a:fld id="{B145C207-C173-4959-A0C3-BB0495602709}" type="datetime1">
+              <a:rPr lang="cs-CZ" smtClean="0"/>
+              <a:t>20.06.2024</a:t>
+            </a:fld>
+            <a:endParaRPr lang="en-US"/>
+          </a:p>
+        </p:txBody>
+      </p:sp>
+      <p:sp>
+        <p:nvSpPr>
+          <p:cNvPr id="4" name="Zástupný symbol pro zápatí 3">
+            <a:extLst>
+              <a:ext uri="{FF2B5EF4-FFF2-40B4-BE49-F238E27FC236}">
+                <a16:creationId xmlns:a16="http://schemas.microsoft.com/office/drawing/2014/main" id="{DA2090FD-5905-4C0E-ED6E-B13BE44310C9}"/>
+              </a:ext>
+            </a:extLst>
+          </p:cNvPr>
+          <p:cNvSpPr>
+            <a:spLocks noGrp="1"/>
+          </p:cNvSpPr>
+          <p:nvPr>
+            <p:ph type="ftr" sz="quarter" idx="11"/>
+          </p:nvPr>
+        </p:nvSpPr>
+        <p:spPr/>
+        <p:txBody>
+          <a:bodyPr/>
+          <a:lstStyle/>
+          <a:p>
+            <a:pPr rtl="0"/>
+            <a:r>
+              <a:rPr lang="en-US"/>
+              <a:t>Bc. David Sládeček</a:t>
+            </a:r>
+          </a:p>
+        </p:txBody>
+      </p:sp>
+      <p:sp>
+        <p:nvSpPr>
+          <p:cNvPr id="5" name="Zástupný symbol pro číslo snímku 4">
+            <a:extLst>
+              <a:ext uri="{FF2B5EF4-FFF2-40B4-BE49-F238E27FC236}">
+                <a16:creationId xmlns:a16="http://schemas.microsoft.com/office/drawing/2014/main" id="{BB2DA1BC-487A-4834-7E79-F43195327BAD}"/>
+              </a:ext>
+            </a:extLst>
+          </p:cNvPr>
+          <p:cNvSpPr>
+            <a:spLocks noGrp="1"/>
+          </p:cNvSpPr>
+          <p:nvPr>
+            <p:ph type="sldNum" sz="quarter" idx="12"/>
+          </p:nvPr>
+        </p:nvSpPr>
+        <p:spPr/>
+        <p:txBody>
+          <a:bodyPr/>
+          <a:lstStyle/>
+          <a:p>
+            <a:pPr rtl="0"/>
+            <a:fld id="{34B7E4EF-A1BD-40F4-AB7B-04F084DD991D}" type="slidenum">
+              <a:rPr lang="en-US" smtClean="0"/>
+              <a:t>‹#›</a:t>
+            </a:fld>
+            <a:endParaRPr lang="en-US"/>
+          </a:p>
+        </p:txBody>
+      </p:sp>
+    </p:spTree>
+    <p:extLst>
+      <p:ext uri="{BB962C8B-B14F-4D97-AF65-F5344CB8AC3E}">
+        <p14:creationId xmlns:p14="http://schemas.microsoft.com/office/powerpoint/2010/main" val="2243111464"/>
+      </p:ext>
+    </p:extLst>
+  </p:cSld>
+  <p:clrMapOvr>
+    <a:masterClrMapping/>
+  </p:clrMapOvr>
+</p:sldLayout>
+</file>
+
+<file path=ppt/slideLayouts/slideLayout7.xml><?xml version="1.0" encoding="utf-8"?>
+<p:sldLayout xmlns:a="http://schemas.openxmlformats.org/drawingml/2006/main" xmlns:r="http://schemas.openxmlformats.org/officeDocument/2006/relationships" xmlns:p="http://schemas.openxmlformats.org/presentationml/2006/main" type="blank" preserve="1">
+  <p:cSld name="Prázdný">
+    <p:spTree>
+      <p:nvGrpSpPr>
+        <p:cNvPr id="1" name=""/>
+        <p:cNvGrpSpPr/>
+        <p:nvPr/>
+      </p:nvGrpSpPr>
+      <p:grpSpPr>
+        <a:xfrm>
+          <a:off x="0" y="0"/>
+          <a:ext cx="0" cy="0"/>
+          <a:chOff x="0" y="0"/>
+          <a:chExt cx="0" cy="0"/>
+        </a:xfrm>
+      </p:grpSpPr>
+      <p:sp>
+        <p:nvSpPr>
+          <p:cNvPr id="2" name="Zástupný symbol pro datum 1">
+            <a:extLst>
+              <a:ext uri="{FF2B5EF4-FFF2-40B4-BE49-F238E27FC236}">
+                <a16:creationId xmlns:a16="http://schemas.microsoft.com/office/drawing/2014/main" id="{E9B327B4-F870-EE5D-E54B-00FDEAAAB321}"/>
+              </a:ext>
+            </a:extLst>
+          </p:cNvPr>
+          <p:cNvSpPr>
+            <a:spLocks noGrp="1"/>
+          </p:cNvSpPr>
+          <p:nvPr>
+            <p:ph type="dt" sz="half" idx="10"/>
+          </p:nvPr>
+        </p:nvSpPr>
+        <p:spPr/>
+        <p:txBody>
+          <a:bodyPr/>
+          <a:lstStyle/>
+          <a:p>
+            <a:pPr rtl="0"/>
+            <a:fld id="{841B0886-DB82-46BF-AE3F-09F6416232EE}" type="datetime1">
+              <a:rPr lang="cs-CZ" smtClean="0"/>
+              <a:t>20.06.2024</a:t>
+            </a:fld>
+            <a:endParaRPr lang="en-US" dirty="0"/>
+          </a:p>
+        </p:txBody>
+      </p:sp>
+      <p:sp>
+        <p:nvSpPr>
+          <p:cNvPr id="3" name="Zástupný symbol pro zápatí 2">
+            <a:extLst>
+              <a:ext uri="{FF2B5EF4-FFF2-40B4-BE49-F238E27FC236}">
+                <a16:creationId xmlns:a16="http://schemas.microsoft.com/office/drawing/2014/main" id="{DB00047B-1D2C-5DED-7E37-137753DC3128}"/>
+              </a:ext>
+            </a:extLst>
+          </p:cNvPr>
+          <p:cNvSpPr>
+            <a:spLocks noGrp="1"/>
+          </p:cNvSpPr>
+          <p:nvPr>
+            <p:ph type="ftr" sz="quarter" idx="11"/>
+          </p:nvPr>
+        </p:nvSpPr>
+        <p:spPr/>
+        <p:txBody>
+          <a:bodyPr/>
+          <a:lstStyle/>
+          <a:p>
+            <a:pPr rtl="0"/>
+            <a:r>
+              <a:rPr lang="en-US"/>
+              <a:t>Bc. David Sládeček</a:t>
+            </a:r>
+            <a:endParaRPr lang="en-US" dirty="0"/>
+          </a:p>
+        </p:txBody>
+      </p:sp>
+      <p:sp>
+        <p:nvSpPr>
+          <p:cNvPr id="4" name="Zástupný symbol pro číslo snímku 3">
+            <a:extLst>
+              <a:ext uri="{FF2B5EF4-FFF2-40B4-BE49-F238E27FC236}">
+                <a16:creationId xmlns:a16="http://schemas.microsoft.com/office/drawing/2014/main" id="{3D8DA61C-0D90-97B5-C1EE-85352F35D08D}"/>
+              </a:ext>
+            </a:extLst>
+          </p:cNvPr>
+          <p:cNvSpPr>
+            <a:spLocks noGrp="1"/>
+          </p:cNvSpPr>
+          <p:nvPr>
+            <p:ph type="sldNum" sz="quarter" idx="12"/>
+          </p:nvPr>
+        </p:nvSpPr>
+        <p:spPr/>
+        <p:txBody>
+          <a:bodyPr/>
+          <a:lstStyle/>
+          <a:p>
+            <a:pPr rtl="0"/>
+            <a:fld id="{34B7E4EF-A1BD-40F4-AB7B-04F084DD991D}" type="slidenum">
+              <a:rPr lang="en-US" smtClean="0"/>
+              <a:t>‹#›</a:t>
+            </a:fld>
+            <a:endParaRPr lang="en-US"/>
+          </a:p>
+        </p:txBody>
+      </p:sp>
+    </p:spTree>
+    <p:extLst>
+      <p:ext uri="{BB962C8B-B14F-4D97-AF65-F5344CB8AC3E}">
+        <p14:creationId xmlns:p14="http://schemas.microsoft.com/office/powerpoint/2010/main" val="1972501772"/>
+      </p:ext>
+    </p:extLst>
+  </p:cSld>
+  <p:clrMapOvr>
+    <a:masterClrMapping/>
+  </p:clrMapOvr>
+</p:sldLayout>
+</file>
+
+<file path=ppt/slideLayouts/slideLayout8.xml><?xml version="1.0" encoding="utf-8"?>
+<p:sldLayout xmlns:a="http://schemas.openxmlformats.org/drawingml/2006/main" xmlns:r="http://schemas.openxmlformats.org/officeDocument/2006/relationships" xmlns:p="http://schemas.openxmlformats.org/presentationml/2006/main" type="objTx" preserve="1">
+  <p:cSld name="Obsah s titulkem">
+    <p:spTree>
+      <p:nvGrpSpPr>
+        <p:cNvPr id="1" name=""/>
+        <p:cNvGrpSpPr/>
+        <p:nvPr/>
+      </p:nvGrpSpPr>
+      <p:grpSpPr>
+        <a:xfrm>
+          <a:off x="0" y="0"/>
+          <a:ext cx="0" cy="0"/>
+          <a:chOff x="0" y="0"/>
+          <a:chExt cx="0" cy="0"/>
+        </a:xfrm>
+      </p:grpSpPr>
+      <p:sp>
+        <p:nvSpPr>
+          <p:cNvPr id="2" name="Nadpis 1">
+            <a:extLst>
+              <a:ext uri="{FF2B5EF4-FFF2-40B4-BE49-F238E27FC236}">
+                <a16:creationId xmlns:a16="http://schemas.microsoft.com/office/drawing/2014/main" id="{405D86E9-DA37-59E6-80DA-91BB746419D7}"/>
+              </a:ext>
+            </a:extLst>
+          </p:cNvPr>
+          <p:cNvSpPr>
+            <a:spLocks noGrp="1"/>
+          </p:cNvSpPr>
+          <p:nvPr>
+            <p:ph type="title"/>
+          </p:nvPr>
+        </p:nvSpPr>
+        <p:spPr>
+          <a:xfrm>
+            <a:off x="839788" y="457200"/>
+            <a:ext cx="3932237" cy="1600200"/>
+          </a:xfrm>
+        </p:spPr>
+        <p:txBody>
+          <a:bodyPr anchor="b"/>
+          <a:lstStyle>
+            <a:lvl1pPr>
+              <a:defRPr sz="3200"/>
+            </a:lvl1pPr>
+          </a:lstStyle>
+          <a:p>
+            <a:r>
+              <a:rPr lang="cs-CZ"/>
+              <a:t>Kliknutím lze upravit styl.</a:t>
+            </a:r>
+          </a:p>
+        </p:txBody>
+      </p:sp>
+      <p:sp>
+        <p:nvSpPr>
+          <p:cNvPr id="3" name="Zástupný obsah 2">
+            <a:extLst>
+              <a:ext uri="{FF2B5EF4-FFF2-40B4-BE49-F238E27FC236}">
+                <a16:creationId xmlns:a16="http://schemas.microsoft.com/office/drawing/2014/main" id="{01D88884-3118-0EBE-E610-C90637C5933A}"/>
+              </a:ext>
+            </a:extLst>
+          </p:cNvPr>
+          <p:cNvSpPr>
+            <a:spLocks noGrp="1"/>
+          </p:cNvSpPr>
+          <p:nvPr>
+            <p:ph idx="1"/>
+          </p:nvPr>
+        </p:nvSpPr>
+        <p:spPr>
+          <a:xfrm>
+            <a:off x="5183188" y="987425"/>
+            <a:ext cx="6172200" cy="4873625"/>
+          </a:xfrm>
+        </p:spPr>
+        <p:txBody>
+          <a:bodyPr/>
+          <a:lstStyle>
+            <a:lvl1pPr>
+              <a:defRPr sz="3200"/>
+            </a:lvl1pPr>
+            <a:lvl2pPr>
+              <a:defRPr sz="2800"/>
+            </a:lvl2pPr>
+            <a:lvl3pPr>
+              <a:defRPr sz="2400"/>
+            </a:lvl3pPr>
+            <a:lvl4pPr>
+              <a:defRPr sz="2000"/>
+            </a:lvl4pPr>
+            <a:lvl5pPr>
+              <a:defRPr sz="2000"/>
+            </a:lvl5pPr>
+            <a:lvl6pPr>
+              <a:defRPr sz="2000"/>
+            </a:lvl6pPr>
+            <a:lvl7pPr>
+              <a:defRPr sz="2000"/>
+            </a:lvl7pPr>
+            <a:lvl8pPr>
+              <a:defRPr sz="2000"/>
+            </a:lvl8pPr>
+            <a:lvl9pPr>
+              <a:defRPr sz="2000"/>
+            </a:lvl9pPr>
+          </a:lstStyle>
+          <a:p>
+            <a:pPr lvl="0"/>
+            <a:r>
+              <a:rPr lang="cs-CZ"/>
+              <a:t>Po kliknutí můžete upravovat styly textu v předloze.</a:t>
+            </a:r>
+          </a:p>
+          <a:p>
+            <a:pPr lvl="1"/>
+            <a:r>
+              <a:rPr lang="cs-CZ"/>
+              <a:t>Druhá úroveň</a:t>
+            </a:r>
+          </a:p>
+          <a:p>
+            <a:pPr lvl="2"/>
+            <a:r>
+              <a:rPr lang="cs-CZ"/>
+              <a:t>Třetí úroveň</a:t>
+            </a:r>
+          </a:p>
+          <a:p>
+            <a:pPr lvl="3"/>
+            <a:r>
+              <a:rPr lang="cs-CZ"/>
+              <a:t>Čtvrtá úroveň</a:t>
+            </a:r>
+          </a:p>
+          <a:p>
+            <a:pPr lvl="4"/>
+            <a:r>
+              <a:rPr lang="cs-CZ"/>
+              <a:t>Pátá úroveň</a:t>
+            </a:r>
+          </a:p>
+        </p:txBody>
+      </p:sp>
+      <p:sp>
+        <p:nvSpPr>
+          <p:cNvPr id="4" name="Zástupný text 3">
+            <a:extLst>
+              <a:ext uri="{FF2B5EF4-FFF2-40B4-BE49-F238E27FC236}">
+                <a16:creationId xmlns:a16="http://schemas.microsoft.com/office/drawing/2014/main" id="{EE5C5AB6-F384-BFC2-A9AB-2CB651D459DA}"/>
+              </a:ext>
+            </a:extLst>
+          </p:cNvPr>
+          <p:cNvSpPr>
+            <a:spLocks noGrp="1"/>
+          </p:cNvSpPr>
+          <p:nvPr>
+            <p:ph type="body" sz="half" idx="2"/>
+          </p:nvPr>
+        </p:nvSpPr>
+        <p:spPr>
+          <a:xfrm>
+            <a:off x="839788" y="2057400"/>
+            <a:ext cx="3932237" cy="3811588"/>
+          </a:xfrm>
+        </p:spPr>
+        <p:txBody>
+          <a:bodyPr/>
+          <a:lstStyle>
+            <a:lvl1pPr marL="0" indent="0">
+              <a:buNone/>
+              <a:defRPr sz="1600"/>
+            </a:lvl1pPr>
+            <a:lvl2pPr marL="457200" indent="0">
+              <a:buNone/>
+              <a:defRPr sz="1400"/>
+            </a:lvl2pPr>
+            <a:lvl3pPr marL="914400" indent="0">
+              <a:buNone/>
+              <a:defRPr sz="1200"/>
+            </a:lvl3pPr>
+            <a:lvl4pPr marL="1371600" indent="0">
+              <a:buNone/>
+              <a:defRPr sz="1000"/>
+            </a:lvl4pPr>
+            <a:lvl5pPr marL="1828800" indent="0">
+              <a:buNone/>
+              <a:defRPr sz="1000"/>
+            </a:lvl5pPr>
+            <a:lvl6pPr marL="2286000" indent="0">
+              <a:buNone/>
+              <a:defRPr sz="1000"/>
+            </a:lvl6pPr>
+            <a:lvl7pPr marL="2743200" indent="0">
+              <a:buNone/>
+              <a:defRPr sz="1000"/>
+            </a:lvl7pPr>
+            <a:lvl8pPr marL="3200400" indent="0">
+              <a:buNone/>
+              <a:defRPr sz="1000"/>
+            </a:lvl8pPr>
+            <a:lvl9pPr marL="3657600" indent="0">
+              <a:buNone/>
+              <a:defRPr sz="1000"/>
+            </a:lvl9pPr>
+          </a:lstStyle>
+          <a:p>
+            <a:pPr lvl="0"/>
+            <a:r>
+              <a:rPr lang="cs-CZ"/>
+              <a:t>Po kliknutí můžete upravovat styly textu v předloze.</a:t>
+            </a:r>
+          </a:p>
+        </p:txBody>
+      </p:sp>
+      <p:sp>
+        <p:nvSpPr>
+          <p:cNvPr id="5" name="Zástupný symbol pro datum 4">
+            <a:extLst>
+              <a:ext uri="{FF2B5EF4-FFF2-40B4-BE49-F238E27FC236}">
+                <a16:creationId xmlns:a16="http://schemas.microsoft.com/office/drawing/2014/main" id="{85002EB8-69A5-0BAA-02B5-FF421EC035EB}"/>
+              </a:ext>
+            </a:extLst>
+          </p:cNvPr>
+          <p:cNvSpPr>
+            <a:spLocks noGrp="1"/>
+          </p:cNvSpPr>
+          <p:nvPr>
+            <p:ph type="dt" sz="half" idx="10"/>
+          </p:nvPr>
+        </p:nvSpPr>
+        <p:spPr/>
+        <p:txBody>
+          <a:bodyPr/>
+          <a:lstStyle/>
+          <a:p>
+            <a:pPr rtl="0"/>
+            <a:fld id="{AE5D0376-8920-444A-B4CE-8E14CEFE3202}" type="datetime1">
+              <a:rPr lang="cs-CZ" smtClean="0"/>
+              <a:t>20.06.2024</a:t>
+            </a:fld>
+            <a:endParaRPr lang="en-US"/>
+          </a:p>
+        </p:txBody>
+      </p:sp>
+      <p:sp>
+        <p:nvSpPr>
+          <p:cNvPr id="6" name="Zástupný symbol pro zápatí 5">
+            <a:extLst>
+              <a:ext uri="{FF2B5EF4-FFF2-40B4-BE49-F238E27FC236}">
+                <a16:creationId xmlns:a16="http://schemas.microsoft.com/office/drawing/2014/main" id="{A48C5CB1-9A66-7185-1128-46BDC8D523BD}"/>
+              </a:ext>
+            </a:extLst>
+          </p:cNvPr>
+          <p:cNvSpPr>
+            <a:spLocks noGrp="1"/>
+          </p:cNvSpPr>
+          <p:nvPr>
+            <p:ph type="ftr" sz="quarter" idx="11"/>
+          </p:nvPr>
+        </p:nvSpPr>
+        <p:spPr/>
+        <p:txBody>
+          <a:bodyPr/>
+          <a:lstStyle/>
+          <a:p>
+            <a:pPr rtl="0"/>
+            <a:r>
+              <a:rPr lang="en-US"/>
+              <a:t>Bc. David Sládeček</a:t>
+            </a:r>
+          </a:p>
+        </p:txBody>
+      </p:sp>
+      <p:sp>
+        <p:nvSpPr>
+          <p:cNvPr id="7" name="Zástupný symbol pro číslo snímku 6">
+            <a:extLst>
+              <a:ext uri="{FF2B5EF4-FFF2-40B4-BE49-F238E27FC236}">
+                <a16:creationId xmlns:a16="http://schemas.microsoft.com/office/drawing/2014/main" id="{72FB4177-999E-6AC2-333E-B648561F8D5A}"/>
+              </a:ext>
+            </a:extLst>
+          </p:cNvPr>
+          <p:cNvSpPr>
+            <a:spLocks noGrp="1"/>
+          </p:cNvSpPr>
+          <p:nvPr>
+            <p:ph type="sldNum" sz="quarter" idx="12"/>
+          </p:nvPr>
+        </p:nvSpPr>
+        <p:spPr/>
+        <p:txBody>
+          <a:bodyPr/>
+          <a:lstStyle/>
+          <a:p>
+            <a:pPr rtl="0"/>
+            <a:fld id="{34B7E4EF-A1BD-40F4-AB7B-04F084DD991D}" type="slidenum">
+              <a:rPr lang="en-US" smtClean="0"/>
+              <a:t>‹#›</a:t>
+            </a:fld>
+            <a:endParaRPr lang="en-US"/>
+          </a:p>
+        </p:txBody>
+      </p:sp>
+    </p:spTree>
+    <p:extLst>
+      <p:ext uri="{BB962C8B-B14F-4D97-AF65-F5344CB8AC3E}">
+        <p14:creationId xmlns:p14="http://schemas.microsoft.com/office/powerpoint/2010/main" val="195029974"/>
+      </p:ext>
+    </p:extLst>
+  </p:cSld>
+  <p:clrMapOvr>
+    <a:masterClrMapping/>
+  </p:clrMapOvr>
+</p:sldLayout>
+</file>
+
+<file path=ppt/slideLayouts/slideLayout9.xml><?xml version="1.0" encoding="utf-8"?>
+<p:sldLayout xmlns:a="http://schemas.openxmlformats.org/drawingml/2006/main" xmlns:r="http://schemas.openxmlformats.org/officeDocument/2006/relationships" xmlns:p="http://schemas.openxmlformats.org/presentationml/2006/main" type="picTx" preserve="1">
+  <p:cSld name="Obrázek s titulkem">
+    <p:spTree>
+      <p:nvGrpSpPr>
+        <p:cNvPr id="1" name=""/>
+        <p:cNvGrpSpPr/>
+        <p:nvPr/>
+      </p:nvGrpSpPr>
+      <p:grpSpPr>
+        <a:xfrm>
+          <a:off x="0" y="0"/>
+          <a:ext cx="0" cy="0"/>
+          <a:chOff x="0" y="0"/>
+          <a:chExt cx="0" cy="0"/>
+        </a:xfrm>
+      </p:grpSpPr>
+      <p:sp>
+        <p:nvSpPr>
+          <p:cNvPr id="2" name="Nadpis 1">
+            <a:extLst>
+              <a:ext uri="{FF2B5EF4-FFF2-40B4-BE49-F238E27FC236}">
+                <a16:creationId xmlns:a16="http://schemas.microsoft.com/office/drawing/2014/main" id="{A02C683D-F16A-56E5-8EA7-DE774A9ABD31}"/>
+              </a:ext>
+            </a:extLst>
+          </p:cNvPr>
+          <p:cNvSpPr>
+            <a:spLocks noGrp="1"/>
+          </p:cNvSpPr>
+          <p:nvPr>
+            <p:ph type="title"/>
+          </p:nvPr>
+        </p:nvSpPr>
+        <p:spPr>
+          <a:xfrm>
+            <a:off x="839788" y="457200"/>
+            <a:ext cx="3932237" cy="1600200"/>
+          </a:xfrm>
+        </p:spPr>
+        <p:txBody>
+          <a:bodyPr anchor="b"/>
+          <a:lstStyle>
+            <a:lvl1pPr>
+              <a:defRPr sz="3200"/>
+            </a:lvl1pPr>
+          </a:lstStyle>
+          <a:p>
+            <a:r>
+              <a:rPr lang="cs-CZ"/>
+              <a:t>Kliknutím lze upravit styl.</a:t>
+            </a:r>
+          </a:p>
+        </p:txBody>
+      </p:sp>
+      <p:sp>
+        <p:nvSpPr>
+          <p:cNvPr id="3" name="Zástupný symbol obrázku 2">
+            <a:extLst>
+              <a:ext uri="{FF2B5EF4-FFF2-40B4-BE49-F238E27FC236}">
+                <a16:creationId xmlns:a16="http://schemas.microsoft.com/office/drawing/2014/main" id="{CB140861-A370-E839-471A-6E883EE41BEF}"/>
+              </a:ext>
+            </a:extLst>
+          </p:cNvPr>
+          <p:cNvSpPr>
+            <a:spLocks noGrp="1"/>
+          </p:cNvSpPr>
+          <p:nvPr>
+            <p:ph type="pic" idx="1"/>
+          </p:nvPr>
+        </p:nvSpPr>
+        <p:spPr>
+          <a:xfrm>
+            <a:off x="5183188" y="987425"/>
+            <a:ext cx="6172200" cy="4873625"/>
+          </a:xfrm>
+        </p:spPr>
+        <p:txBody>
+          <a:bodyPr/>
+          <a:lstStyle>
+            <a:lvl1pPr marL="0" indent="0">
+              <a:buNone/>
+              <a:defRPr sz="3200"/>
+            </a:lvl1pPr>
+            <a:lvl2pPr marL="457200" indent="0">
+              <a:buNone/>
+              <a:defRPr sz="2800"/>
+            </a:lvl2pPr>
+            <a:lvl3pPr marL="914400" indent="0">
+              <a:buNone/>
+              <a:defRPr sz="2400"/>
+            </a:lvl3pPr>
+            <a:lvl4pPr marL="1371600" indent="0">
+              <a:buNone/>
+              <a:defRPr sz="2000"/>
+            </a:lvl4pPr>
+            <a:lvl5pPr marL="1828800" indent="0">
+              <a:buNone/>
+              <a:defRPr sz="2000"/>
+            </a:lvl5pPr>
+            <a:lvl6pPr marL="2286000" indent="0">
+              <a:buNone/>
+              <a:defRPr sz="2000"/>
+            </a:lvl6pPr>
+            <a:lvl7pPr marL="2743200" indent="0">
+              <a:buNone/>
+              <a:defRPr sz="2000"/>
+            </a:lvl7pPr>
+            <a:lvl8pPr marL="3200400" indent="0">
+              <a:buNone/>
+              <a:defRPr sz="2000"/>
+            </a:lvl8pPr>
+            <a:lvl9pPr marL="3657600" indent="0">
+              <a:buNone/>
+              <a:defRPr sz="2000"/>
+            </a:lvl9pPr>
+          </a:lstStyle>
+          <a:p>
+            <a:endParaRPr lang="cs-CZ"/>
+          </a:p>
+        </p:txBody>
+      </p:sp>
+      <p:sp>
+        <p:nvSpPr>
+          <p:cNvPr id="4" name="Zástupný text 3">
+            <a:extLst>
+              <a:ext uri="{FF2B5EF4-FFF2-40B4-BE49-F238E27FC236}">
+                <a16:creationId xmlns:a16="http://schemas.microsoft.com/office/drawing/2014/main" id="{F9171168-B427-6BE0-859F-EF2B88207B76}"/>
+              </a:ext>
+            </a:extLst>
+          </p:cNvPr>
+          <p:cNvSpPr>
+            <a:spLocks noGrp="1"/>
+          </p:cNvSpPr>
+          <p:nvPr>
+            <p:ph type="body" sz="half" idx="2"/>
+          </p:nvPr>
+        </p:nvSpPr>
+        <p:spPr>
+          <a:xfrm>
+            <a:off x="839788" y="2057400"/>
+            <a:ext cx="3932237" cy="3811588"/>
+          </a:xfrm>
+        </p:spPr>
+        <p:txBody>
+          <a:bodyPr/>
+          <a:lstStyle>
+            <a:lvl1pPr marL="0" indent="0">
+              <a:buNone/>
+              <a:defRPr sz="1600"/>
+            </a:lvl1pPr>
+            <a:lvl2pPr marL="457200" indent="0">
+              <a:buNone/>
+              <a:defRPr sz="1400"/>
+            </a:lvl2pPr>
+            <a:lvl3pPr marL="914400" indent="0">
+              <a:buNone/>
+              <a:defRPr sz="1200"/>
+            </a:lvl3pPr>
+            <a:lvl4pPr marL="1371600" indent="0">
+              <a:buNone/>
+              <a:defRPr sz="1000"/>
+            </a:lvl4pPr>
+            <a:lvl5pPr marL="1828800" indent="0">
+              <a:buNone/>
+              <a:defRPr sz="1000"/>
+            </a:lvl5pPr>
+            <a:lvl6pPr marL="2286000" indent="0">
+              <a:buNone/>
+              <a:defRPr sz="1000"/>
+            </a:lvl6pPr>
+            <a:lvl7pPr marL="2743200" indent="0">
+              <a:buNone/>
+              <a:defRPr sz="1000"/>
+            </a:lvl7pPr>
+            <a:lvl8pPr marL="3200400" indent="0">
+              <a:buNone/>
+              <a:defRPr sz="1000"/>
+            </a:lvl8pPr>
+            <a:lvl9pPr marL="3657600" indent="0">
+              <a:buNone/>
+              <a:defRPr sz="1000"/>
+            </a:lvl9pPr>
+          </a:lstStyle>
+          <a:p>
+            <a:pPr lvl="0"/>
+            <a:r>
+              <a:rPr lang="cs-CZ"/>
+              <a:t>Po kliknutí můžete upravovat styly textu v předloze.</a:t>
+            </a:r>
+          </a:p>
+        </p:txBody>
+      </p:sp>
+      <p:sp>
+        <p:nvSpPr>
+          <p:cNvPr id="5" name="Zástupný symbol pro datum 4">
+            <a:extLst>
+              <a:ext uri="{FF2B5EF4-FFF2-40B4-BE49-F238E27FC236}">
+                <a16:creationId xmlns:a16="http://schemas.microsoft.com/office/drawing/2014/main" id="{075E7443-8097-EBCD-BE59-9E295003BA28}"/>
+              </a:ext>
+            </a:extLst>
+          </p:cNvPr>
+          <p:cNvSpPr>
+            <a:spLocks noGrp="1"/>
+          </p:cNvSpPr>
+          <p:nvPr>
+            <p:ph type="dt" sz="half" idx="10"/>
+          </p:nvPr>
+        </p:nvSpPr>
+        <p:spPr/>
+        <p:txBody>
+          <a:bodyPr/>
+          <a:lstStyle/>
+          <a:p>
+            <a:pPr rtl="0"/>
+            <a:fld id="{6AE8CD5D-D7BE-4AE7-8D1A-D38698AED250}" type="datetime1">
+              <a:rPr lang="cs-CZ" smtClean="0"/>
+              <a:t>20.06.2024</a:t>
+            </a:fld>
+            <a:endParaRPr lang="en-US" dirty="0"/>
+          </a:p>
+        </p:txBody>
+      </p:sp>
+      <p:sp>
+        <p:nvSpPr>
+          <p:cNvPr id="6" name="Zástupný symbol pro zápatí 5">
+            <a:extLst>
+              <a:ext uri="{FF2B5EF4-FFF2-40B4-BE49-F238E27FC236}">
+                <a16:creationId xmlns:a16="http://schemas.microsoft.com/office/drawing/2014/main" id="{E9B11E4F-C967-D358-3FEB-F5AD878D9BA9}"/>
+              </a:ext>
+            </a:extLst>
+          </p:cNvPr>
+          <p:cNvSpPr>
+            <a:spLocks noGrp="1"/>
+          </p:cNvSpPr>
+          <p:nvPr>
+            <p:ph type="ftr" sz="quarter" idx="11"/>
+          </p:nvPr>
+        </p:nvSpPr>
+        <p:spPr/>
+        <p:txBody>
+          <a:bodyPr/>
+          <a:lstStyle/>
+          <a:p>
             <a:pPr algn="l" rtl="0"/>
+            <a:r>
+              <a:rPr lang="en-US"/>
+              <a:t>Bc. David Sládeček</a:t>
+            </a:r>
             <a:endParaRPr lang="en-US" dirty="0"/>
           </a:p>
         </p:txBody>
@@ -3488,9 +6187,9 @@
           </a:lstStyle>
           <a:p>
             <a:pPr rtl="0"/>
-            <a:fld id="{10639C23-9424-4615-9F2F-4DF01B7F951B}" type="datetime1">
+            <a:fld id="{BDDDA5FF-E895-43D9-9A3E-319F50C05ECA}" type="datetime1">
               <a:rPr lang="cs-CZ" smtClean="0"/>
-              <a:t>17.06.2024</a:t>
+              <a:t>20.06.2024</a:t>
             </a:fld>
             <a:endParaRPr lang="en-US" dirty="0"/>
           </a:p>
@@ -3536,6 +6235,10 @@
           </a:lstStyle>
           <a:p>
             <a:pPr rtl="0"/>
+            <a:r>
+              <a:rPr lang="cs-CZ" dirty="0"/>
+              <a:t>Bc. David Sládeček</a:t>
+            </a:r>
             <a:endParaRPr lang="en-US" dirty="0"/>
           </a:p>
         </p:txBody>
@@ -3584,7 +6287,7 @@
               <a:rPr lang="en-US" smtClean="0"/>
               <a:t>‹#›</a:t>
             </a:fld>
-            <a:endParaRPr lang="en-US"/>
+            <a:endParaRPr lang="en-US" dirty="0"/>
           </a:p>
         </p:txBody>
       </p:sp>
@@ -3609,7 +6312,579 @@
     <p:sldLayoutId id="2147483684" r:id="rId10"/>
     <p:sldLayoutId id="2147483685" r:id="rId11"/>
   </p:sldLayoutIdLst>
-  <p:hf sldNum="0" hdr="0" ftr="0"/>
+  <p:hf hdr="0" ftr="0" dt="0"/>
+  <p:txStyles>
+    <p:titleStyle>
+      <a:lvl1pPr algn="l" defTabSz="914400" rtl="0" eaLnBrk="1" latinLnBrk="0" hangingPunct="1">
+        <a:lnSpc>
+          <a:spcPct val="90000"/>
+        </a:lnSpc>
+        <a:spcBef>
+          <a:spcPct val="0"/>
+        </a:spcBef>
+        <a:buNone/>
+        <a:defRPr sz="4400" kern="1200">
+          <a:solidFill>
+            <a:schemeClr val="tx1"/>
+          </a:solidFill>
+          <a:latin typeface="+mj-lt"/>
+          <a:ea typeface="+mj-ea"/>
+          <a:cs typeface="+mj-cs"/>
+        </a:defRPr>
+      </a:lvl1pPr>
+    </p:titleStyle>
+    <p:bodyStyle>
+      <a:lvl1pPr marL="228600" indent="-228600" algn="l" defTabSz="914400" rtl="0" eaLnBrk="1" latinLnBrk="0" hangingPunct="1">
+        <a:lnSpc>
+          <a:spcPct val="90000"/>
+        </a:lnSpc>
+        <a:spcBef>
+          <a:spcPts val="1000"/>
+        </a:spcBef>
+        <a:buFont typeface="Arial" panose="020B0604020202020204" pitchFamily="34" charset="0"/>
+        <a:buChar char="•"/>
+        <a:defRPr sz="2800" kern="1200">
+          <a:solidFill>
+            <a:schemeClr val="tx1"/>
+          </a:solidFill>
+          <a:latin typeface="+mn-lt"/>
+          <a:ea typeface="+mn-ea"/>
+          <a:cs typeface="+mn-cs"/>
+        </a:defRPr>
+      </a:lvl1pPr>
+      <a:lvl2pPr marL="685800" indent="-228600" algn="l" defTabSz="914400" rtl="0" eaLnBrk="1" latinLnBrk="0" hangingPunct="1">
+        <a:lnSpc>
+          <a:spcPct val="90000"/>
+        </a:lnSpc>
+        <a:spcBef>
+          <a:spcPts val="500"/>
+        </a:spcBef>
+        <a:buFont typeface="Arial" panose="020B0604020202020204" pitchFamily="34" charset="0"/>
+        <a:buChar char="•"/>
+        <a:defRPr sz="2400" kern="1200">
+          <a:solidFill>
+            <a:schemeClr val="tx1"/>
+          </a:solidFill>
+          <a:latin typeface="+mn-lt"/>
+          <a:ea typeface="+mn-ea"/>
+          <a:cs typeface="+mn-cs"/>
+        </a:defRPr>
+      </a:lvl2pPr>
+      <a:lvl3pPr marL="1143000" indent="-228600" algn="l" defTabSz="914400" rtl="0" eaLnBrk="1" latinLnBrk="0" hangingPunct="1">
+        <a:lnSpc>
+          <a:spcPct val="90000"/>
+        </a:lnSpc>
+        <a:spcBef>
+          <a:spcPts val="500"/>
+        </a:spcBef>
+        <a:buFont typeface="Arial" panose="020B0604020202020204" pitchFamily="34" charset="0"/>
+        <a:buChar char="•"/>
+        <a:defRPr sz="2000" kern="1200">
+          <a:solidFill>
+            <a:schemeClr val="tx1"/>
+          </a:solidFill>
+          <a:latin typeface="+mn-lt"/>
+          <a:ea typeface="+mn-ea"/>
+          <a:cs typeface="+mn-cs"/>
+        </a:defRPr>
+      </a:lvl3pPr>
+      <a:lvl4pPr marL="1600200" indent="-228600" algn="l" defTabSz="914400" rtl="0" eaLnBrk="1" latinLnBrk="0" hangingPunct="1">
+        <a:lnSpc>
+          <a:spcPct val="90000"/>
+        </a:lnSpc>
+        <a:spcBef>
+          <a:spcPts val="500"/>
+        </a:spcBef>
+        <a:buFont typeface="Arial" panose="020B0604020202020204" pitchFamily="34" charset="0"/>
+        <a:buChar char="•"/>
+        <a:defRPr sz="1800" kern="1200">
+          <a:solidFill>
+            <a:schemeClr val="tx1"/>
+          </a:solidFill>
+          <a:latin typeface="+mn-lt"/>
+          <a:ea typeface="+mn-ea"/>
+          <a:cs typeface="+mn-cs"/>
+        </a:defRPr>
+      </a:lvl4pPr>
+      <a:lvl5pPr marL="2057400" indent="-228600" algn="l" defTabSz="914400" rtl="0" eaLnBrk="1" latinLnBrk="0" hangingPunct="1">
+        <a:lnSpc>
+          <a:spcPct val="90000"/>
+        </a:lnSpc>
+        <a:spcBef>
+          <a:spcPts val="500"/>
+        </a:spcBef>
+        <a:buFont typeface="Arial" panose="020B0604020202020204" pitchFamily="34" charset="0"/>
+        <a:buChar char="•"/>
+        <a:defRPr sz="1800" kern="1200">
+          <a:solidFill>
+            <a:schemeClr val="tx1"/>
+          </a:solidFill>
+          <a:latin typeface="+mn-lt"/>
+          <a:ea typeface="+mn-ea"/>
+          <a:cs typeface="+mn-cs"/>
+        </a:defRPr>
+      </a:lvl5pPr>
+      <a:lvl6pPr marL="2514600" indent="-228600" algn="l" defTabSz="914400" rtl="0" eaLnBrk="1" latinLnBrk="0" hangingPunct="1">
+        <a:lnSpc>
+          <a:spcPct val="90000"/>
+        </a:lnSpc>
+        <a:spcBef>
+          <a:spcPts val="500"/>
+        </a:spcBef>
+        <a:buFont typeface="Arial" panose="020B0604020202020204" pitchFamily="34" charset="0"/>
+        <a:buChar char="•"/>
+        <a:defRPr sz="1800" kern="1200">
+          <a:solidFill>
+            <a:schemeClr val="tx1"/>
+          </a:solidFill>
+          <a:latin typeface="+mn-lt"/>
+          <a:ea typeface="+mn-ea"/>
+          <a:cs typeface="+mn-cs"/>
+        </a:defRPr>
+      </a:lvl6pPr>
+      <a:lvl7pPr marL="2971800" indent="-228600" algn="l" defTabSz="914400" rtl="0" eaLnBrk="1" latinLnBrk="0" hangingPunct="1">
+        <a:lnSpc>
+          <a:spcPct val="90000"/>
+        </a:lnSpc>
+        <a:spcBef>
+          <a:spcPts val="500"/>
+        </a:spcBef>
+        <a:buFont typeface="Arial" panose="020B0604020202020204" pitchFamily="34" charset="0"/>
+        <a:buChar char="•"/>
+        <a:defRPr sz="1800" kern="1200">
+          <a:solidFill>
+            <a:schemeClr val="tx1"/>
+          </a:solidFill>
+          <a:latin typeface="+mn-lt"/>
+          <a:ea typeface="+mn-ea"/>
+          <a:cs typeface="+mn-cs"/>
+        </a:defRPr>
+      </a:lvl7pPr>
+      <a:lvl8pPr marL="3429000" indent="-228600" algn="l" defTabSz="914400" rtl="0" eaLnBrk="1" latinLnBrk="0" hangingPunct="1">
+        <a:lnSpc>
+          <a:spcPct val="90000"/>
+        </a:lnSpc>
+        <a:spcBef>
+          <a:spcPts val="500"/>
+        </a:spcBef>
+        <a:buFont typeface="Arial" panose="020B0604020202020204" pitchFamily="34" charset="0"/>
+        <a:buChar char="•"/>
+        <a:defRPr sz="1800" kern="1200">
+          <a:solidFill>
+            <a:schemeClr val="tx1"/>
+          </a:solidFill>
+          <a:latin typeface="+mn-lt"/>
+          <a:ea typeface="+mn-ea"/>
+          <a:cs typeface="+mn-cs"/>
+        </a:defRPr>
+      </a:lvl8pPr>
+      <a:lvl9pPr marL="3886200" indent="-228600" algn="l" defTabSz="914400" rtl="0" eaLnBrk="1" latinLnBrk="0" hangingPunct="1">
+        <a:lnSpc>
+          <a:spcPct val="90000"/>
+        </a:lnSpc>
+        <a:spcBef>
+          <a:spcPts val="500"/>
+        </a:spcBef>
+        <a:buFont typeface="Arial" panose="020B0604020202020204" pitchFamily="34" charset="0"/>
+        <a:buChar char="•"/>
+        <a:defRPr sz="1800" kern="1200">
+          <a:solidFill>
+            <a:schemeClr val="tx1"/>
+          </a:solidFill>
+          <a:latin typeface="+mn-lt"/>
+          <a:ea typeface="+mn-ea"/>
+          <a:cs typeface="+mn-cs"/>
+        </a:defRPr>
+      </a:lvl9pPr>
+    </p:bodyStyle>
+    <p:otherStyle>
+      <a:defPPr>
+        <a:defRPr lang="cs-CZ"/>
+      </a:defPPr>
+      <a:lvl1pPr marL="0" algn="l" defTabSz="914400" rtl="0" eaLnBrk="1" latinLnBrk="0" hangingPunct="1">
+        <a:defRPr sz="1800" kern="1200">
+          <a:solidFill>
+            <a:schemeClr val="tx1"/>
+          </a:solidFill>
+          <a:latin typeface="+mn-lt"/>
+          <a:ea typeface="+mn-ea"/>
+          <a:cs typeface="+mn-cs"/>
+        </a:defRPr>
+      </a:lvl1pPr>
+      <a:lvl2pPr marL="457200" algn="l" defTabSz="914400" rtl="0" eaLnBrk="1" latinLnBrk="0" hangingPunct="1">
+        <a:defRPr sz="1800" kern="1200">
+          <a:solidFill>
+            <a:schemeClr val="tx1"/>
+          </a:solidFill>
+          <a:latin typeface="+mn-lt"/>
+          <a:ea typeface="+mn-ea"/>
+          <a:cs typeface="+mn-cs"/>
+        </a:defRPr>
+      </a:lvl2pPr>
+      <a:lvl3pPr marL="914400" algn="l" defTabSz="914400" rtl="0" eaLnBrk="1" latinLnBrk="0" hangingPunct="1">
+        <a:defRPr sz="1800" kern="1200">
+          <a:solidFill>
+            <a:schemeClr val="tx1"/>
+          </a:solidFill>
+          <a:latin typeface="+mn-lt"/>
+          <a:ea typeface="+mn-ea"/>
+          <a:cs typeface="+mn-cs"/>
+        </a:defRPr>
+      </a:lvl3pPr>
+      <a:lvl4pPr marL="1371600" algn="l" defTabSz="914400" rtl="0" eaLnBrk="1" latinLnBrk="0" hangingPunct="1">
+        <a:defRPr sz="1800" kern="1200">
+          <a:solidFill>
+            <a:schemeClr val="tx1"/>
+          </a:solidFill>
+          <a:latin typeface="+mn-lt"/>
+          <a:ea typeface="+mn-ea"/>
+          <a:cs typeface="+mn-cs"/>
+        </a:defRPr>
+      </a:lvl4pPr>
+      <a:lvl5pPr marL="1828800" algn="l" defTabSz="914400" rtl="0" eaLnBrk="1" latinLnBrk="0" hangingPunct="1">
+        <a:defRPr sz="1800" kern="1200">
+          <a:solidFill>
+            <a:schemeClr val="tx1"/>
+          </a:solidFill>
+          <a:latin typeface="+mn-lt"/>
+          <a:ea typeface="+mn-ea"/>
+          <a:cs typeface="+mn-cs"/>
+        </a:defRPr>
+      </a:lvl5pPr>
+      <a:lvl6pPr marL="2286000" algn="l" defTabSz="914400" rtl="0" eaLnBrk="1" latinLnBrk="0" hangingPunct="1">
+        <a:defRPr sz="1800" kern="1200">
+          <a:solidFill>
+            <a:schemeClr val="tx1"/>
+          </a:solidFill>
+          <a:latin typeface="+mn-lt"/>
+          <a:ea typeface="+mn-ea"/>
+          <a:cs typeface="+mn-cs"/>
+        </a:defRPr>
+      </a:lvl6pPr>
+      <a:lvl7pPr marL="2743200" algn="l" defTabSz="914400" rtl="0" eaLnBrk="1" latinLnBrk="0" hangingPunct="1">
+        <a:defRPr sz="1800" kern="1200">
+          <a:solidFill>
+            <a:schemeClr val="tx1"/>
+          </a:solidFill>
+          <a:latin typeface="+mn-lt"/>
+          <a:ea typeface="+mn-ea"/>
+          <a:cs typeface="+mn-cs"/>
+        </a:defRPr>
+      </a:lvl7pPr>
+      <a:lvl8pPr marL="3200400" algn="l" defTabSz="914400" rtl="0" eaLnBrk="1" latinLnBrk="0" hangingPunct="1">
+        <a:defRPr sz="1800" kern="1200">
+          <a:solidFill>
+            <a:schemeClr val="tx1"/>
+          </a:solidFill>
+          <a:latin typeface="+mn-lt"/>
+          <a:ea typeface="+mn-ea"/>
+          <a:cs typeface="+mn-cs"/>
+        </a:defRPr>
+      </a:lvl8pPr>
+      <a:lvl9pPr marL="3657600" algn="l" defTabSz="914400" rtl="0" eaLnBrk="1" latinLnBrk="0" hangingPunct="1">
+        <a:defRPr sz="1800" kern="1200">
+          <a:solidFill>
+            <a:schemeClr val="tx1"/>
+          </a:solidFill>
+          <a:latin typeface="+mn-lt"/>
+          <a:ea typeface="+mn-ea"/>
+          <a:cs typeface="+mn-cs"/>
+        </a:defRPr>
+      </a:lvl9pPr>
+    </p:otherStyle>
+  </p:txStyles>
+</p:sldMaster>
+</file>
+
+<file path=ppt/slideMasters/slideMaster2.xml><?xml version="1.0" encoding="utf-8"?>
+<p:sldMaster xmlns:a="http://schemas.openxmlformats.org/drawingml/2006/main" xmlns:r="http://schemas.openxmlformats.org/officeDocument/2006/relationships" xmlns:p="http://schemas.openxmlformats.org/presentationml/2006/main" preserve="1">
+  <p:cSld>
+    <p:bg>
+      <p:bgRef idx="1001">
+        <a:schemeClr val="bg1"/>
+      </p:bgRef>
+    </p:bg>
+    <p:spTree>
+      <p:nvGrpSpPr>
+        <p:cNvPr id="1" name=""/>
+        <p:cNvGrpSpPr/>
+        <p:nvPr/>
+      </p:nvGrpSpPr>
+      <p:grpSpPr>
+        <a:xfrm>
+          <a:off x="0" y="0"/>
+          <a:ext cx="0" cy="0"/>
+          <a:chOff x="0" y="0"/>
+          <a:chExt cx="0" cy="0"/>
+        </a:xfrm>
+      </p:grpSpPr>
+      <p:sp>
+        <p:nvSpPr>
+          <p:cNvPr id="2" name="Zástupný nadpis 1">
+            <a:extLst>
+              <a:ext uri="{FF2B5EF4-FFF2-40B4-BE49-F238E27FC236}">
+                <a16:creationId xmlns:a16="http://schemas.microsoft.com/office/drawing/2014/main" id="{23E01B3D-BBE9-18BE-5751-F0C4AD81E027}"/>
+              </a:ext>
+            </a:extLst>
+          </p:cNvPr>
+          <p:cNvSpPr>
+            <a:spLocks noGrp="1"/>
+          </p:cNvSpPr>
+          <p:nvPr>
+            <p:ph type="title"/>
+          </p:nvPr>
+        </p:nvSpPr>
+        <p:spPr>
+          <a:xfrm>
+            <a:off x="838200" y="365125"/>
+            <a:ext cx="10515600" cy="1325563"/>
+          </a:xfrm>
+          <a:prstGeom prst="rect">
+            <a:avLst/>
+          </a:prstGeom>
+        </p:spPr>
+        <p:txBody>
+          <a:bodyPr vert="horz" lIns="91440" tIns="45720" rIns="91440" bIns="45720" rtlCol="0" anchor="ctr">
+            <a:normAutofit/>
+          </a:bodyPr>
+          <a:lstStyle/>
+          <a:p>
+            <a:r>
+              <a:rPr lang="cs-CZ"/>
+              <a:t>Kliknutím lze upravit styl.</a:t>
+            </a:r>
+          </a:p>
+        </p:txBody>
+      </p:sp>
+      <p:sp>
+        <p:nvSpPr>
+          <p:cNvPr id="3" name="Zástupný text 2">
+            <a:extLst>
+              <a:ext uri="{FF2B5EF4-FFF2-40B4-BE49-F238E27FC236}">
+                <a16:creationId xmlns:a16="http://schemas.microsoft.com/office/drawing/2014/main" id="{A35EF750-6507-688E-556C-19A2FA9EC9D3}"/>
+              </a:ext>
+            </a:extLst>
+          </p:cNvPr>
+          <p:cNvSpPr>
+            <a:spLocks noGrp="1"/>
+          </p:cNvSpPr>
+          <p:nvPr>
+            <p:ph type="body" idx="1"/>
+          </p:nvPr>
+        </p:nvSpPr>
+        <p:spPr>
+          <a:xfrm>
+            <a:off x="838200" y="1825625"/>
+            <a:ext cx="10515600" cy="4351338"/>
+          </a:xfrm>
+          <a:prstGeom prst="rect">
+            <a:avLst/>
+          </a:prstGeom>
+        </p:spPr>
+        <p:txBody>
+          <a:bodyPr vert="horz" lIns="91440" tIns="45720" rIns="91440" bIns="45720" rtlCol="0">
+            <a:normAutofit/>
+          </a:bodyPr>
+          <a:lstStyle/>
+          <a:p>
+            <a:pPr lvl="0"/>
+            <a:r>
+              <a:rPr lang="cs-CZ"/>
+              <a:t>Po kliknutí můžete upravovat styly textu v předloze.</a:t>
+            </a:r>
+          </a:p>
+          <a:p>
+            <a:pPr lvl="1"/>
+            <a:r>
+              <a:rPr lang="cs-CZ"/>
+              <a:t>Druhá úroveň</a:t>
+            </a:r>
+          </a:p>
+          <a:p>
+            <a:pPr lvl="2"/>
+            <a:r>
+              <a:rPr lang="cs-CZ"/>
+              <a:t>Třetí úroveň</a:t>
+            </a:r>
+          </a:p>
+          <a:p>
+            <a:pPr lvl="3"/>
+            <a:r>
+              <a:rPr lang="cs-CZ"/>
+              <a:t>Čtvrtá úroveň</a:t>
+            </a:r>
+          </a:p>
+          <a:p>
+            <a:pPr lvl="4"/>
+            <a:r>
+              <a:rPr lang="cs-CZ"/>
+              <a:t>Pátá úroveň</a:t>
+            </a:r>
+          </a:p>
+        </p:txBody>
+      </p:sp>
+      <p:sp>
+        <p:nvSpPr>
+          <p:cNvPr id="4" name="Zástupný symbol pro datum 3">
+            <a:extLst>
+              <a:ext uri="{FF2B5EF4-FFF2-40B4-BE49-F238E27FC236}">
+                <a16:creationId xmlns:a16="http://schemas.microsoft.com/office/drawing/2014/main" id="{1B5722FF-A893-0147-5916-0BE527E27DD7}"/>
+              </a:ext>
+            </a:extLst>
+          </p:cNvPr>
+          <p:cNvSpPr>
+            <a:spLocks noGrp="1"/>
+          </p:cNvSpPr>
+          <p:nvPr>
+            <p:ph type="dt" sz="half" idx="2"/>
+          </p:nvPr>
+        </p:nvSpPr>
+        <p:spPr>
+          <a:xfrm>
+            <a:off x="838200" y="6356350"/>
+            <a:ext cx="2743200" cy="365125"/>
+          </a:xfrm>
+          <a:prstGeom prst="rect">
+            <a:avLst/>
+          </a:prstGeom>
+        </p:spPr>
+        <p:txBody>
+          <a:bodyPr vert="horz" lIns="91440" tIns="45720" rIns="91440" bIns="45720" rtlCol="0" anchor="ctr"/>
+          <a:lstStyle>
+            <a:lvl1pPr algn="l">
+              <a:defRPr sz="1200">
+                <a:solidFill>
+                  <a:schemeClr val="tx1">
+                    <a:tint val="82000"/>
+                  </a:schemeClr>
+                </a:solidFill>
+              </a:defRPr>
+            </a:lvl1pPr>
+          </a:lstStyle>
+          <a:p>
+            <a:fld id="{FF578592-6412-420B-A3CD-C3D13D879B44}" type="datetime1">
+              <a:rPr lang="cs-CZ" smtClean="0"/>
+              <a:t>20.06.2024</a:t>
+            </a:fld>
+            <a:endParaRPr lang="cs-CZ"/>
+          </a:p>
+        </p:txBody>
+      </p:sp>
+      <p:sp>
+        <p:nvSpPr>
+          <p:cNvPr id="5" name="Zástupný symbol pro zápatí 4">
+            <a:extLst>
+              <a:ext uri="{FF2B5EF4-FFF2-40B4-BE49-F238E27FC236}">
+                <a16:creationId xmlns:a16="http://schemas.microsoft.com/office/drawing/2014/main" id="{D3F6865A-3678-F627-C7EA-A3E799EFC6DB}"/>
+              </a:ext>
+            </a:extLst>
+          </p:cNvPr>
+          <p:cNvSpPr>
+            <a:spLocks noGrp="1"/>
+          </p:cNvSpPr>
+          <p:nvPr>
+            <p:ph type="ftr" sz="quarter" idx="3"/>
+          </p:nvPr>
+        </p:nvSpPr>
+        <p:spPr>
+          <a:xfrm>
+            <a:off x="4038600" y="6356350"/>
+            <a:ext cx="4114800" cy="365125"/>
+          </a:xfrm>
+          <a:prstGeom prst="rect">
+            <a:avLst/>
+          </a:prstGeom>
+        </p:spPr>
+        <p:txBody>
+          <a:bodyPr vert="horz" lIns="91440" tIns="45720" rIns="91440" bIns="45720" rtlCol="0" anchor="ctr"/>
+          <a:lstStyle>
+            <a:lvl1pPr algn="ctr">
+              <a:defRPr sz="1200">
+                <a:solidFill>
+                  <a:schemeClr val="tx1">
+                    <a:tint val="82000"/>
+                  </a:schemeClr>
+                </a:solidFill>
+              </a:defRPr>
+            </a:lvl1pPr>
+          </a:lstStyle>
+          <a:p>
+            <a:r>
+              <a:rPr lang="cs-CZ"/>
+              <a:t>Bc. David Sládeček</a:t>
+            </a:r>
+          </a:p>
+        </p:txBody>
+      </p:sp>
+      <p:sp>
+        <p:nvSpPr>
+          <p:cNvPr id="6" name="Zástupný symbol pro číslo snímku 5">
+            <a:extLst>
+              <a:ext uri="{FF2B5EF4-FFF2-40B4-BE49-F238E27FC236}">
+                <a16:creationId xmlns:a16="http://schemas.microsoft.com/office/drawing/2014/main" id="{F220F977-B132-398B-EC36-A71368160812}"/>
+              </a:ext>
+            </a:extLst>
+          </p:cNvPr>
+          <p:cNvSpPr>
+            <a:spLocks noGrp="1"/>
+          </p:cNvSpPr>
+          <p:nvPr>
+            <p:ph type="sldNum" sz="quarter" idx="4"/>
+          </p:nvPr>
+        </p:nvSpPr>
+        <p:spPr>
+          <a:xfrm>
+            <a:off x="8610600" y="6356350"/>
+            <a:ext cx="2743200" cy="365125"/>
+          </a:xfrm>
+          <a:prstGeom prst="rect">
+            <a:avLst/>
+          </a:prstGeom>
+        </p:spPr>
+        <p:txBody>
+          <a:bodyPr vert="horz" lIns="91440" tIns="45720" rIns="91440" bIns="45720" rtlCol="0" anchor="ctr"/>
+          <a:lstStyle>
+            <a:lvl1pPr algn="r">
+              <a:defRPr sz="1200">
+                <a:solidFill>
+                  <a:schemeClr val="tx1">
+                    <a:tint val="82000"/>
+                  </a:schemeClr>
+                </a:solidFill>
+              </a:defRPr>
+            </a:lvl1pPr>
+          </a:lstStyle>
+          <a:p>
+            <a:fld id="{A800683B-2A95-47FE-BB8F-45BBE6B62DC7}" type="slidenum">
+              <a:rPr lang="cs-CZ" smtClean="0"/>
+              <a:t>‹#›</a:t>
+            </a:fld>
+            <a:endParaRPr lang="cs-CZ"/>
+          </a:p>
+        </p:txBody>
+      </p:sp>
+    </p:spTree>
+    <p:extLst>
+      <p:ext uri="{BB962C8B-B14F-4D97-AF65-F5344CB8AC3E}">
+        <p14:creationId xmlns:p14="http://schemas.microsoft.com/office/powerpoint/2010/main" val="3418452123"/>
+      </p:ext>
+    </p:extLst>
+  </p:cSld>
+  <p:clrMap bg1="lt1" tx1="dk1" bg2="lt2" tx2="dk2" accent1="accent1" accent2="accent2" accent3="accent3" accent4="accent4" accent5="accent5" accent6="accent6" hlink="hlink" folHlink="folHlink"/>
+  <p:sldLayoutIdLst>
+    <p:sldLayoutId id="2147483687" r:id="rId1"/>
+    <p:sldLayoutId id="2147483688" r:id="rId2"/>
+    <p:sldLayoutId id="2147483689" r:id="rId3"/>
+    <p:sldLayoutId id="2147483690" r:id="rId4"/>
+    <p:sldLayoutId id="2147483691" r:id="rId5"/>
+    <p:sldLayoutId id="2147483692" r:id="rId6"/>
+    <p:sldLayoutId id="2147483693" r:id="rId7"/>
+    <p:sldLayoutId id="2147483694" r:id="rId8"/>
+    <p:sldLayoutId id="2147483695" r:id="rId9"/>
+    <p:sldLayoutId id="2147483696" r:id="rId10"/>
+    <p:sldLayoutId id="2147483697" r:id="rId11"/>
+  </p:sldLayoutIdLst>
+  <p:hf hdr="0" ftr="0" dt="0"/>
   <p:txStyles>
     <p:titleStyle>
       <a:lvl1pPr algn="l" defTabSz="914400" rtl="0" eaLnBrk="1" latinLnBrk="0" hangingPunct="1">
@@ -3996,8 +7271,8 @@
         </p:nvSpPr>
         <p:spPr>
           <a:xfrm>
-            <a:off x="1113810" y="2960716"/>
-            <a:ext cx="4036334" cy="2387600"/>
+            <a:off x="803499" y="2960716"/>
+            <a:ext cx="4882309" cy="2387600"/>
           </a:xfrm>
         </p:spPr>
         <p:txBody>
@@ -4008,7 +7283,7 @@
           <a:p>
             <a:pPr algn="l" rtl="0"/>
             <a:r>
-              <a:rPr lang="cs" sz="5400"/>
+              <a:rPr lang="cs" sz="4800" dirty="0"/>
               <a:t>Programování</a:t>
             </a:r>
           </a:p>
@@ -4957,64 +8232,6 @@
       </p:sp>
       <p:sp>
         <p:nvSpPr>
-          <p:cNvPr id="5" name="Zástupný symbol pro datum 4">
-            <a:extLst>
-              <a:ext uri="{FF2B5EF4-FFF2-40B4-BE49-F238E27FC236}">
-                <a16:creationId xmlns:a16="http://schemas.microsoft.com/office/drawing/2014/main" id="{B7CE433A-BB81-7D71-244F-A94EED1FE614}"/>
-              </a:ext>
-            </a:extLst>
-          </p:cNvPr>
-          <p:cNvSpPr>
-            <a:spLocks noGrp="1"/>
-          </p:cNvSpPr>
-          <p:nvPr>
-            <p:ph type="dt" sz="half" idx="10"/>
-          </p:nvPr>
-        </p:nvSpPr>
-        <p:spPr>
-          <a:xfrm>
-            <a:off x="545238" y="6492240"/>
-            <a:ext cx="3036162" cy="365125"/>
-          </a:xfrm>
-        </p:spPr>
-        <p:txBody>
-          <a:bodyPr vert="horz" lIns="91440" tIns="45720" rIns="91440" bIns="45720" rtlCol="0" anchor="ctr">
-            <a:normAutofit/>
-          </a:bodyPr>
-          <a:lstStyle/>
-          <a:p>
-            <a:pPr>
-              <a:spcAft>
-                <a:spcPts val="600"/>
-              </a:spcAft>
-            </a:pPr>
-            <a:fld id="{06F24F85-89C9-4554-BB3D-C9F75BD57326}" type="datetime1">
-              <a:rPr lang="en-US" smtClean="0">
-                <a:solidFill>
-                  <a:schemeClr val="tx1">
-                    <a:tint val="75000"/>
-                  </a:schemeClr>
-                </a:solidFill>
-              </a:rPr>
-              <a:pPr>
-                <a:spcAft>
-                  <a:spcPts val="600"/>
-                </a:spcAft>
-              </a:pPr>
-              <a:t>6/17/2024</a:t>
-            </a:fld>
-            <a:endParaRPr lang="en-US" dirty="0">
-              <a:solidFill>
-                <a:schemeClr val="tx1">
-                  <a:tint val="75000"/>
-                </a:schemeClr>
-              </a:solidFill>
-            </a:endParaRPr>
-          </a:p>
-        </p:txBody>
-      </p:sp>
-      <p:sp>
-        <p:nvSpPr>
           <p:cNvPr id="4" name="Zástupný text 3">
             <a:extLst>
               <a:ext uri="{FF2B5EF4-FFF2-40B4-BE49-F238E27FC236}">
@@ -5046,6 +8263,36 @@
               <a:buChar char="•"/>
             </a:pPr>
             <a:endParaRPr lang="en-US" sz="2400" dirty="0"/>
+          </a:p>
+        </p:txBody>
+      </p:sp>
+      <p:sp>
+        <p:nvSpPr>
+          <p:cNvPr id="6" name="Zástupný symbol pro číslo snímku 5">
+            <a:extLst>
+              <a:ext uri="{FF2B5EF4-FFF2-40B4-BE49-F238E27FC236}">
+                <a16:creationId xmlns:a16="http://schemas.microsoft.com/office/drawing/2014/main" id="{62CB03D4-4B6A-F0E0-86F5-496F8B239D62}"/>
+              </a:ext>
+            </a:extLst>
+          </p:cNvPr>
+          <p:cNvSpPr>
+            <a:spLocks noGrp="1"/>
+          </p:cNvSpPr>
+          <p:nvPr>
+            <p:ph type="sldNum" sz="quarter" idx="12"/>
+          </p:nvPr>
+        </p:nvSpPr>
+        <p:spPr/>
+        <p:txBody>
+          <a:bodyPr/>
+          <a:lstStyle/>
+          <a:p>
+            <a:pPr rtl="0"/>
+            <a:fld id="{34B7E4EF-A1BD-40F4-AB7B-04F084DD991D}" type="slidenum">
+              <a:rPr lang="en-US" smtClean="0"/>
+              <a:t>10</a:t>
+            </a:fld>
+            <a:endParaRPr lang="en-US"/>
           </a:p>
         </p:txBody>
       </p:sp>
@@ -5176,9 +8423,10 @@
           <a:lstStyle/>
           <a:p>
             <a:r>
-              <a:rPr lang="en-US" sz="3600"/>
+              <a:rPr lang="en-US" sz="3600" dirty="0" err="1"/>
               <a:t>Představení</a:t>
             </a:r>
+            <a:endParaRPr lang="en-US" sz="3600" dirty="0"/>
           </a:p>
         </p:txBody>
       </p:sp>
@@ -5517,6 +8765,7 @@
               <a:rPr lang="en-US" sz="1800" dirty="0"/>
               <a:t> </a:t>
             </a:r>
+            <a:endParaRPr lang="cs-CZ" sz="1800" dirty="0"/>
           </a:p>
           <a:p>
             <a:pPr lvl="1" indent="-228600">
@@ -5524,83 +8773,45 @@
               <a:buChar char="•"/>
             </a:pPr>
             <a:r>
-              <a:rPr lang="en-US" sz="1600" dirty="0" err="1"/>
+              <a:rPr lang="en-US" dirty="0" err="1"/>
               <a:t>Naproti</a:t>
             </a:r>
             <a:r>
-              <a:rPr lang="en-US" sz="1600" dirty="0"/>
+              <a:rPr lang="en-US" dirty="0"/>
               <a:t> </a:t>
             </a:r>
             <a:r>
-              <a:rPr lang="en-US" sz="1600" dirty="0" err="1"/>
+              <a:rPr lang="en-US" dirty="0" err="1"/>
               <a:t>učebně</a:t>
             </a:r>
             <a:r>
-              <a:rPr lang="en-US" sz="1600" dirty="0"/>
+              <a:rPr lang="en-US" dirty="0"/>
               <a:t> LV4</a:t>
             </a:r>
-          </a:p>
-        </p:txBody>
-      </p:sp>
-      <p:sp>
-        <p:nvSpPr>
-          <p:cNvPr id="4" name="Zástupný symbol pro datum 3">
-            <a:extLst>
-              <a:ext uri="{FF2B5EF4-FFF2-40B4-BE49-F238E27FC236}">
-                <a16:creationId xmlns:a16="http://schemas.microsoft.com/office/drawing/2014/main" id="{E226DF88-1481-4866-CEE2-9D0DA7BD2C6E}"/>
-              </a:ext>
-            </a:extLst>
-          </p:cNvPr>
-          <p:cNvSpPr>
-            <a:spLocks noGrp="1"/>
-          </p:cNvSpPr>
-          <p:nvPr>
-            <p:ph type="dt" sz="half" idx="10"/>
-          </p:nvPr>
-        </p:nvSpPr>
-        <p:spPr>
-          <a:xfrm>
-            <a:off x="838200" y="6492240"/>
-            <a:ext cx="2743200" cy="365125"/>
-          </a:xfrm>
-        </p:spPr>
-        <p:txBody>
-          <a:bodyPr vert="horz" lIns="91440" tIns="45720" rIns="91440" bIns="45720" rtlCol="0" anchor="ctr">
-            <a:normAutofit/>
-          </a:bodyPr>
-          <a:lstStyle/>
-          <a:p>
-            <a:pPr>
-              <a:spcAft>
-                <a:spcPts val="600"/>
-              </a:spcAft>
-              <a:defRPr/>
+            <a:endParaRPr lang="cs-CZ" dirty="0"/>
+          </a:p>
+          <a:p>
+            <a:pPr indent="-228600">
+              <a:buFont typeface="Arial" panose="020B0604020202020204" pitchFamily="34" charset="0"/>
+              <a:buChar char="•"/>
             </a:pPr>
-            <a:fld id="{3B2AC929-901E-466E-BE68-07E756E2CD9A}" type="datetime1">
-              <a:rPr lang="en-US" smtClean="0">
-                <a:solidFill>
-                  <a:prstClr val="black">
-                    <a:tint val="75000"/>
-                  </a:prstClr>
-                </a:solidFill>
-                <a:latin typeface="Calibri" panose="020F0502020204030204"/>
+            <a:r>
+              <a:rPr lang="cs-CZ" dirty="0"/>
+              <a:t>Repositář</a:t>
+            </a:r>
+          </a:p>
+          <a:p>
+            <a:pPr lvl="1" indent="-228600">
+              <a:buFont typeface="Arial" panose="020B0604020202020204" pitchFamily="34" charset="0"/>
+              <a:buChar char="•"/>
+            </a:pPr>
+            <a:r>
+              <a:rPr lang="cs-CZ" dirty="0">
+                <a:hlinkClick r:id="rId5"/>
               </a:rPr>
-              <a:pPr>
-                <a:spcAft>
-                  <a:spcPts val="600"/>
-                </a:spcAft>
-                <a:defRPr/>
-              </a:pPr>
-              <a:t>6/17/2024</a:t>
-            </a:fld>
-            <a:endParaRPr lang="en-US" dirty="0">
-              <a:solidFill>
-                <a:prstClr val="black">
-                  <a:tint val="75000"/>
-                </a:prstClr>
-              </a:solidFill>
-              <a:latin typeface="Calibri" panose="020F0502020204030204"/>
-            </a:endParaRPr>
+              <a:t>www.github.com/dawissl/hradebni</a:t>
+            </a:r>
+            <a:endParaRPr lang="cs-CZ" dirty="0"/>
           </a:p>
         </p:txBody>
       </p:sp>
@@ -5663,6 +8874,36 @@
           <a:lstStyle/>
           <a:p>
             <a:pPr algn="ctr"/>
+            <a:endParaRPr lang="en-US"/>
+          </a:p>
+        </p:txBody>
+      </p:sp>
+      <p:sp>
+        <p:nvSpPr>
+          <p:cNvPr id="7" name="Zástupný symbol pro číslo snímku 6">
+            <a:extLst>
+              <a:ext uri="{FF2B5EF4-FFF2-40B4-BE49-F238E27FC236}">
+                <a16:creationId xmlns:a16="http://schemas.microsoft.com/office/drawing/2014/main" id="{48614A5C-AAC0-0756-B504-77F338AD7045}"/>
+              </a:ext>
+            </a:extLst>
+          </p:cNvPr>
+          <p:cNvSpPr>
+            <a:spLocks noGrp="1"/>
+          </p:cNvSpPr>
+          <p:nvPr>
+            <p:ph type="sldNum" sz="quarter" idx="12"/>
+          </p:nvPr>
+        </p:nvSpPr>
+        <p:spPr/>
+        <p:txBody>
+          <a:bodyPr/>
+          <a:lstStyle/>
+          <a:p>
+            <a:pPr rtl="0"/>
+            <a:fld id="{34B7E4EF-A1BD-40F4-AB7B-04F084DD991D}" type="slidenum">
+              <a:rPr lang="en-US" smtClean="0"/>
+              <a:t>2</a:t>
+            </a:fld>
             <a:endParaRPr lang="en-US"/>
           </a:p>
         </p:txBody>
@@ -6130,9 +9371,18 @@
               <a:buChar char="•"/>
             </a:pPr>
             <a:r>
-              <a:rPr lang="en-US" sz="2400"/>
-              <a:t>Teoretické hodiny</a:t>
-            </a:r>
+              <a:rPr lang="en-US" sz="2400" dirty="0" err="1"/>
+              <a:t>Teoretické</a:t>
+            </a:r>
+            <a:r>
+              <a:rPr lang="en-US" sz="2400" dirty="0"/>
+              <a:t> </a:t>
+            </a:r>
+            <a:r>
+              <a:rPr lang="en-US" sz="2400" dirty="0" err="1"/>
+              <a:t>hodiny</a:t>
+            </a:r>
+            <a:endParaRPr lang="en-US" sz="2400" dirty="0"/>
           </a:p>
           <a:p>
             <a:pPr lvl="1" indent="-228600">
@@ -6140,8 +9390,28 @@
               <a:buChar char="•"/>
             </a:pPr>
             <a:r>
-              <a:rPr lang="en-US" sz="2400"/>
-              <a:t>Teorie programování v jazyce C#</a:t>
+              <a:rPr lang="en-US" sz="2000" dirty="0" err="1"/>
+              <a:t>Teorie</a:t>
+            </a:r>
+            <a:r>
+              <a:rPr lang="en-US" sz="2000" dirty="0"/>
+              <a:t> </a:t>
+            </a:r>
+            <a:r>
+              <a:rPr lang="en-US" sz="2000" dirty="0" err="1"/>
+              <a:t>programování</a:t>
+            </a:r>
+            <a:r>
+              <a:rPr lang="en-US" sz="2000" dirty="0"/>
+              <a:t> v </a:t>
+            </a:r>
+            <a:r>
+              <a:rPr lang="en-US" sz="2000" dirty="0" err="1"/>
+              <a:t>jazyce</a:t>
+            </a:r>
+            <a:r>
+              <a:rPr lang="en-US" sz="2000" dirty="0"/>
+              <a:t> C#</a:t>
             </a:r>
           </a:p>
           <a:p>
@@ -6150,13 +9420,29 @@
               <a:buChar char="•"/>
             </a:pPr>
             <a:r>
-              <a:rPr lang="en-US" sz="2400"/>
-              <a:t>Analýza a návrh algoritmů</a:t>
+              <a:rPr lang="en-US" sz="2000" dirty="0" err="1"/>
+              <a:t>Analýza</a:t>
+            </a:r>
+            <a:r>
+              <a:rPr lang="en-US" sz="2000" dirty="0"/>
+              <a:t> a </a:t>
+            </a:r>
+            <a:r>
+              <a:rPr lang="en-US" sz="2000" dirty="0" err="1"/>
+              <a:t>návrh</a:t>
+            </a:r>
+            <a:r>
+              <a:rPr lang="en-US" sz="2000" dirty="0"/>
+              <a:t> </a:t>
+            </a:r>
+            <a:r>
+              <a:rPr lang="en-US" sz="2000" dirty="0" err="1"/>
+              <a:t>algoritmů</a:t>
             </a:r>
             <a:br>
-              <a:rPr lang="en-US" sz="2400"/>
+              <a:rPr lang="en-US" sz="2400" dirty="0"/>
             </a:br>
-            <a:endParaRPr lang="en-US" sz="2400"/>
+            <a:endParaRPr lang="en-US" sz="2400" dirty="0"/>
           </a:p>
           <a:p>
             <a:pPr indent="-228600">
@@ -6164,9 +9450,18 @@
               <a:buChar char="•"/>
             </a:pPr>
             <a:r>
-              <a:rPr lang="en-US" sz="2400"/>
-              <a:t>Praktické hodiny</a:t>
-            </a:r>
+              <a:rPr lang="en-US" sz="2400" dirty="0" err="1"/>
+              <a:t>Praktické</a:t>
+            </a:r>
+            <a:r>
+              <a:rPr lang="en-US" sz="2400" dirty="0"/>
+              <a:t> </a:t>
+            </a:r>
+            <a:r>
+              <a:rPr lang="en-US" sz="2400" dirty="0" err="1"/>
+              <a:t>hodiny</a:t>
+            </a:r>
+            <a:endParaRPr lang="en-US" sz="2400" dirty="0"/>
           </a:p>
           <a:p>
             <a:pPr lvl="1" indent="-228600">
@@ -6174,9 +9469,26 @@
               <a:buChar char="•"/>
             </a:pPr>
             <a:r>
-              <a:rPr lang="en-US" sz="2400"/>
-              <a:t>Procvičování programových konstrukcí</a:t>
-            </a:r>
+              <a:rPr lang="en-US" sz="2000" dirty="0" err="1"/>
+              <a:t>Procvičování</a:t>
+            </a:r>
+            <a:r>
+              <a:rPr lang="en-US" sz="2000" dirty="0"/>
+              <a:t> </a:t>
+            </a:r>
+            <a:r>
+              <a:rPr lang="en-US" sz="2000" dirty="0" err="1"/>
+              <a:t>programových</a:t>
+            </a:r>
+            <a:r>
+              <a:rPr lang="en-US" sz="2000" dirty="0"/>
+              <a:t> </a:t>
+            </a:r>
+            <a:r>
+              <a:rPr lang="en-US" sz="2000" dirty="0" err="1"/>
+              <a:t>konstrukcí</a:t>
+            </a:r>
+            <a:endParaRPr lang="en-US" sz="2000" dirty="0"/>
           </a:p>
           <a:p>
             <a:pPr lvl="1" indent="-228600">
@@ -6184,9 +9496,26 @@
               <a:buChar char="•"/>
             </a:pPr>
             <a:r>
-              <a:rPr lang="en-US" sz="2400"/>
-              <a:t>Návrh a implementace aplikací</a:t>
-            </a:r>
+              <a:rPr lang="en-US" sz="2000" dirty="0" err="1"/>
+              <a:t>Návrh</a:t>
+            </a:r>
+            <a:r>
+              <a:rPr lang="en-US" sz="2000" dirty="0"/>
+              <a:t> a </a:t>
+            </a:r>
+            <a:r>
+              <a:rPr lang="en-US" sz="2000" dirty="0" err="1"/>
+              <a:t>implementace</a:t>
+            </a:r>
+            <a:r>
+              <a:rPr lang="en-US" sz="2000" dirty="0"/>
+              <a:t> </a:t>
+            </a:r>
+            <a:r>
+              <a:rPr lang="en-US" sz="2000" dirty="0" err="1"/>
+              <a:t>aplikací</a:t>
+            </a:r>
+            <a:endParaRPr lang="en-US" sz="2000" dirty="0"/>
           </a:p>
         </p:txBody>
       </p:sp>
@@ -6244,10 +9573,10 @@
       </p:cxnSp>
       <p:sp>
         <p:nvSpPr>
-          <p:cNvPr id="5" name="Zástupný symbol pro datum 4">
-            <a:extLst>
-              <a:ext uri="{FF2B5EF4-FFF2-40B4-BE49-F238E27FC236}">
-                <a16:creationId xmlns:a16="http://schemas.microsoft.com/office/drawing/2014/main" id="{926F3453-C242-646E-B38E-AA302879A32A}"/>
+          <p:cNvPr id="6" name="Zástupný symbol pro číslo snímku 5">
+            <a:extLst>
+              <a:ext uri="{FF2B5EF4-FFF2-40B4-BE49-F238E27FC236}">
+                <a16:creationId xmlns:a16="http://schemas.microsoft.com/office/drawing/2014/main" id="{84622EE1-158B-6155-07EA-9E17DF83D45D}"/>
               </a:ext>
             </a:extLst>
           </p:cNvPr>
@@ -6255,48 +9584,20 @@
             <a:spLocks noGrp="1"/>
           </p:cNvSpPr>
           <p:nvPr>
-            <p:ph type="dt" sz="half" idx="10"/>
-          </p:nvPr>
-        </p:nvSpPr>
-        <p:spPr>
-          <a:xfrm>
-            <a:off x="838200" y="6492240"/>
-            <a:ext cx="2743200" cy="365125"/>
-          </a:xfrm>
-        </p:spPr>
-        <p:txBody>
-          <a:bodyPr vert="horz" lIns="91440" tIns="45720" rIns="91440" bIns="45720" rtlCol="0" anchor="ctr">
-            <a:normAutofit/>
-          </a:bodyPr>
+            <p:ph type="sldNum" sz="quarter" idx="12"/>
+          </p:nvPr>
+        </p:nvSpPr>
+        <p:spPr/>
+        <p:txBody>
+          <a:bodyPr/>
           <a:lstStyle/>
           <a:p>
-            <a:pPr>
-              <a:spcAft>
-                <a:spcPts val="600"/>
-              </a:spcAft>
-            </a:pPr>
-            <a:fld id="{06F24F85-89C9-4554-BB3D-C9F75BD57326}" type="datetime1">
-              <a:rPr lang="en-US" smtClean="0">
-                <a:solidFill>
-                  <a:schemeClr val="tx1">
-                    <a:tint val="75000"/>
-                  </a:schemeClr>
-                </a:solidFill>
-              </a:rPr>
-              <a:pPr>
-                <a:spcAft>
-                  <a:spcPts val="600"/>
-                </a:spcAft>
-              </a:pPr>
-              <a:t>6/17/2024</a:t>
+            <a:pPr rtl="0"/>
+            <a:fld id="{34B7E4EF-A1BD-40F4-AB7B-04F084DD991D}" type="slidenum">
+              <a:rPr lang="en-US" smtClean="0"/>
+              <a:t>3</a:t>
             </a:fld>
-            <a:endParaRPr lang="en-US">
-              <a:solidFill>
-                <a:schemeClr val="tx1">
-                  <a:tint val="75000"/>
-                </a:schemeClr>
-              </a:solidFill>
-            </a:endParaRPr>
+            <a:endParaRPr lang="en-US"/>
           </a:p>
         </p:txBody>
       </p:sp>
@@ -6746,9 +10047,111 @@
         </p:spPr>
         <p:txBody>
           <a:bodyPr vert="horz" lIns="91440" tIns="45720" rIns="91440" bIns="45720" rtlCol="0" anchor="ctr">
-            <a:normAutofit/>
+            <a:normAutofit lnSpcReduction="10000"/>
           </a:bodyPr>
           <a:lstStyle/>
+          <a:p>
+            <a:pPr indent="-228600">
+              <a:buFont typeface="Arial" panose="020B0604020202020204" pitchFamily="34" charset="0"/>
+              <a:buChar char="•"/>
+            </a:pPr>
+            <a:r>
+              <a:rPr lang="cs-CZ" sz="2400" dirty="0"/>
+              <a:t>Prezentace z hodin</a:t>
+            </a:r>
+          </a:p>
+          <a:p>
+            <a:pPr indent="-228600">
+              <a:buFont typeface="Arial" panose="020B0604020202020204" pitchFamily="34" charset="0"/>
+              <a:buChar char="•"/>
+            </a:pPr>
+            <a:r>
+              <a:rPr lang="cs-CZ" sz="2400" dirty="0"/>
+              <a:t>Vlastní poznámky</a:t>
+            </a:r>
+          </a:p>
+          <a:p>
+            <a:pPr indent="-228600">
+              <a:buFont typeface="Arial" panose="020B0604020202020204" pitchFamily="34" charset="0"/>
+              <a:buChar char="•"/>
+            </a:pPr>
+            <a:r>
+              <a:rPr lang="cs-CZ" sz="2400" dirty="0"/>
+              <a:t>Implementace uložené v repositáři</a:t>
+            </a:r>
+            <a:br>
+              <a:rPr lang="cs-CZ" sz="2400" dirty="0"/>
+            </a:br>
+            <a:endParaRPr lang="cs-CZ" sz="2400" dirty="0"/>
+          </a:p>
+          <a:p>
+            <a:pPr indent="-228600">
+              <a:buFont typeface="Arial" panose="020B0604020202020204" pitchFamily="34" charset="0"/>
+              <a:buChar char="•"/>
+            </a:pPr>
+            <a:r>
+              <a:rPr lang="cs-CZ" sz="2400" dirty="0"/>
+              <a:t>Online zdroje</a:t>
+            </a:r>
+          </a:p>
+          <a:p>
+            <a:pPr lvl="1" indent="-228600">
+              <a:buFont typeface="Arial" panose="020B0604020202020204" pitchFamily="34" charset="0"/>
+              <a:buChar char="•"/>
+            </a:pPr>
+            <a:r>
+              <a:rPr lang="cs-CZ" sz="2000" dirty="0">
+                <a:hlinkClick r:id="rId2"/>
+              </a:rPr>
+              <a:t>Průvodce jazykem C# – spravovaný jazyk .NET | Microsoft </a:t>
+            </a:r>
+            <a:r>
+              <a:rPr lang="cs-CZ" sz="2000" dirty="0" err="1">
+                <a:hlinkClick r:id="rId2"/>
+              </a:rPr>
+              <a:t>Learn</a:t>
+            </a:r>
+            <a:endParaRPr lang="cs-CZ" sz="2000" dirty="0"/>
+          </a:p>
+          <a:p>
+            <a:pPr lvl="1" indent="-228600">
+              <a:buFont typeface="Arial" panose="020B0604020202020204" pitchFamily="34" charset="0"/>
+              <a:buChar char="•"/>
+            </a:pPr>
+            <a:r>
+              <a:rPr lang="en-US" sz="2000" dirty="0">
+                <a:hlinkClick r:id="rId3"/>
+              </a:rPr>
+              <a:t>Introduction to C# | Learn with </a:t>
+            </a:r>
+            <a:r>
+              <a:rPr lang="en-US" sz="2000" dirty="0" err="1">
+                <a:hlinkClick r:id="rId3"/>
+              </a:rPr>
+              <a:t>Sololearn</a:t>
+            </a:r>
+            <a:endParaRPr lang="cs-CZ" sz="2000" dirty="0"/>
+          </a:p>
+          <a:p>
+            <a:pPr lvl="1" indent="-228600">
+              <a:buFont typeface="Arial" panose="020B0604020202020204" pitchFamily="34" charset="0"/>
+              <a:buChar char="•"/>
+            </a:pPr>
+            <a:r>
+              <a:rPr lang="en-US" sz="2000" dirty="0">
+                <a:hlinkClick r:id="rId4"/>
+              </a:rPr>
+              <a:t>C# Tutorial (C Sharp) (w3schools.com)</a:t>
+            </a:r>
+            <a:endParaRPr lang="cs-CZ" sz="2000" dirty="0"/>
+          </a:p>
+          <a:p>
+            <a:pPr lvl="1" indent="-228600">
+              <a:buFont typeface="Arial" panose="020B0604020202020204" pitchFamily="34" charset="0"/>
+              <a:buChar char="•"/>
+            </a:pPr>
+            <a:endParaRPr lang="cs-CZ" sz="2200" dirty="0"/>
+          </a:p>
           <a:p>
             <a:pPr indent="-228600">
               <a:buFont typeface="Arial" panose="020B0604020202020204" pitchFamily="34" charset="0"/>
@@ -6812,10 +10215,10 @@
       </p:cxnSp>
       <p:sp>
         <p:nvSpPr>
-          <p:cNvPr id="5" name="Zástupný symbol pro datum 4">
-            <a:extLst>
-              <a:ext uri="{FF2B5EF4-FFF2-40B4-BE49-F238E27FC236}">
-                <a16:creationId xmlns:a16="http://schemas.microsoft.com/office/drawing/2014/main" id="{B7CE433A-BB81-7D71-244F-A94EED1FE614}"/>
+          <p:cNvPr id="6" name="Zástupný symbol pro číslo snímku 5">
+            <a:extLst>
+              <a:ext uri="{FF2B5EF4-FFF2-40B4-BE49-F238E27FC236}">
+                <a16:creationId xmlns:a16="http://schemas.microsoft.com/office/drawing/2014/main" id="{754E12BA-9771-DCF1-9976-A7A465A9FFFE}"/>
               </a:ext>
             </a:extLst>
           </p:cNvPr>
@@ -6823,48 +10226,20 @@
             <a:spLocks noGrp="1"/>
           </p:cNvSpPr>
           <p:nvPr>
-            <p:ph type="dt" sz="half" idx="10"/>
-          </p:nvPr>
-        </p:nvSpPr>
-        <p:spPr>
-          <a:xfrm>
-            <a:off x="838200" y="6492240"/>
-            <a:ext cx="2743200" cy="365125"/>
-          </a:xfrm>
-        </p:spPr>
-        <p:txBody>
-          <a:bodyPr vert="horz" lIns="91440" tIns="45720" rIns="91440" bIns="45720" rtlCol="0" anchor="ctr">
-            <a:normAutofit/>
-          </a:bodyPr>
+            <p:ph type="sldNum" sz="quarter" idx="12"/>
+          </p:nvPr>
+        </p:nvSpPr>
+        <p:spPr/>
+        <p:txBody>
+          <a:bodyPr/>
           <a:lstStyle/>
           <a:p>
-            <a:pPr>
-              <a:spcAft>
-                <a:spcPts val="600"/>
-              </a:spcAft>
-            </a:pPr>
-            <a:fld id="{06F24F85-89C9-4554-BB3D-C9F75BD57326}" type="datetime1">
-              <a:rPr lang="en-US" smtClean="0">
-                <a:solidFill>
-                  <a:schemeClr val="tx1">
-                    <a:tint val="75000"/>
-                  </a:schemeClr>
-                </a:solidFill>
-              </a:rPr>
-              <a:pPr>
-                <a:spcAft>
-                  <a:spcPts val="600"/>
-                </a:spcAft>
-              </a:pPr>
-              <a:t>6/17/2024</a:t>
+            <a:pPr rtl="0"/>
+            <a:fld id="{34B7E4EF-A1BD-40F4-AB7B-04F084DD991D}" type="slidenum">
+              <a:rPr lang="en-US" smtClean="0"/>
+              <a:t>4</a:t>
             </a:fld>
-            <a:endParaRPr lang="en-US" dirty="0">
-              <a:solidFill>
-                <a:schemeClr val="tx1">
-                  <a:tint val="75000"/>
-                </a:schemeClr>
-              </a:solidFill>
-            </a:endParaRPr>
+            <a:endParaRPr lang="en-US"/>
           </a:p>
         </p:txBody>
       </p:sp>
@@ -7431,10 +10806,10 @@
       </p:cxnSp>
       <p:sp>
         <p:nvSpPr>
-          <p:cNvPr id="5" name="Zástupný symbol pro datum 4">
-            <a:extLst>
-              <a:ext uri="{FF2B5EF4-FFF2-40B4-BE49-F238E27FC236}">
-                <a16:creationId xmlns:a16="http://schemas.microsoft.com/office/drawing/2014/main" id="{B7CE433A-BB81-7D71-244F-A94EED1FE614}"/>
+          <p:cNvPr id="6" name="Zástupný symbol pro číslo snímku 5">
+            <a:extLst>
+              <a:ext uri="{FF2B5EF4-FFF2-40B4-BE49-F238E27FC236}">
+                <a16:creationId xmlns:a16="http://schemas.microsoft.com/office/drawing/2014/main" id="{303F21E9-F098-F2B5-100A-F63A4ACFAF2A}"/>
               </a:ext>
             </a:extLst>
           </p:cNvPr>
@@ -7442,48 +10817,20 @@
             <a:spLocks noGrp="1"/>
           </p:cNvSpPr>
           <p:nvPr>
-            <p:ph type="dt" sz="half" idx="10"/>
-          </p:nvPr>
-        </p:nvSpPr>
-        <p:spPr>
-          <a:xfrm>
-            <a:off x="838200" y="6492240"/>
-            <a:ext cx="2743200" cy="365125"/>
-          </a:xfrm>
-        </p:spPr>
-        <p:txBody>
-          <a:bodyPr vert="horz" lIns="91440" tIns="45720" rIns="91440" bIns="45720" rtlCol="0" anchor="ctr">
-            <a:normAutofit/>
-          </a:bodyPr>
+            <p:ph type="sldNum" sz="quarter" idx="12"/>
+          </p:nvPr>
+        </p:nvSpPr>
+        <p:spPr/>
+        <p:txBody>
+          <a:bodyPr/>
           <a:lstStyle/>
           <a:p>
-            <a:pPr>
-              <a:spcAft>
-                <a:spcPts val="600"/>
-              </a:spcAft>
-            </a:pPr>
-            <a:fld id="{06F24F85-89C9-4554-BB3D-C9F75BD57326}" type="datetime1">
-              <a:rPr lang="en-US" smtClean="0">
-                <a:solidFill>
-                  <a:schemeClr val="tx1">
-                    <a:tint val="75000"/>
-                  </a:schemeClr>
-                </a:solidFill>
-              </a:rPr>
-              <a:pPr>
-                <a:spcAft>
-                  <a:spcPts val="600"/>
-                </a:spcAft>
-              </a:pPr>
-              <a:t>6/17/2024</a:t>
+            <a:pPr rtl="0"/>
+            <a:fld id="{34B7E4EF-A1BD-40F4-AB7B-04F084DD991D}" type="slidenum">
+              <a:rPr lang="en-US" smtClean="0"/>
+              <a:t>5</a:t>
             </a:fld>
-            <a:endParaRPr lang="en-US" dirty="0">
-              <a:solidFill>
-                <a:schemeClr val="tx1">
-                  <a:tint val="75000"/>
-                </a:schemeClr>
-              </a:solidFill>
-            </a:endParaRPr>
+            <a:endParaRPr lang="en-US"/>
           </a:p>
         </p:txBody>
       </p:sp>
@@ -7896,7 +11243,7 @@
           <a:lstStyle/>
           <a:p>
             <a:r>
-              <a:rPr lang="cs-CZ" sz="4800" kern="1200" dirty="0">
+              <a:rPr lang="cs-CZ" sz="4800" kern="1200">
                 <a:solidFill>
                   <a:schemeClr val="tx1"/>
                 </a:solidFill>
@@ -7949,6 +11296,60 @@
               <a:buFont typeface="Arial" panose="020B0604020202020204" pitchFamily="34" charset="0"/>
               <a:buChar char="•"/>
             </a:pPr>
+            <a:r>
+              <a:rPr lang="cs-CZ" sz="2400" dirty="0"/>
+              <a:t>Algoritmizace</a:t>
+            </a:r>
+          </a:p>
+          <a:p>
+            <a:pPr indent="-228600">
+              <a:buFont typeface="Arial" panose="020B0604020202020204" pitchFamily="34" charset="0"/>
+              <a:buChar char="•"/>
+            </a:pPr>
+            <a:r>
+              <a:rPr lang="cs-CZ" sz="2400" dirty="0"/>
+              <a:t>Návrh aplikace</a:t>
+            </a:r>
+          </a:p>
+          <a:p>
+            <a:pPr indent="-228600">
+              <a:buFont typeface="Arial" panose="020B0604020202020204" pitchFamily="34" charset="0"/>
+              <a:buChar char="•"/>
+            </a:pPr>
+            <a:r>
+              <a:rPr lang="cs-CZ" sz="2400" dirty="0"/>
+              <a:t>Proměnné, datové typy, operátory</a:t>
+            </a:r>
+          </a:p>
+          <a:p>
+            <a:pPr indent="-228600">
+              <a:buFont typeface="Arial" panose="020B0604020202020204" pitchFamily="34" charset="0"/>
+              <a:buChar char="•"/>
+            </a:pPr>
+            <a:r>
+              <a:rPr lang="cs-CZ" sz="2400" dirty="0"/>
+              <a:t>Základní programové konstrukce</a:t>
+            </a:r>
+          </a:p>
+          <a:p>
+            <a:pPr indent="-228600">
+              <a:buFont typeface="Arial" panose="020B0604020202020204" pitchFamily="34" charset="0"/>
+              <a:buChar char="•"/>
+            </a:pPr>
+            <a:r>
+              <a:rPr lang="cs-CZ" sz="2400" dirty="0"/>
+              <a:t>Testování a ladění</a:t>
+            </a:r>
+          </a:p>
+          <a:p>
+            <a:pPr indent="-228600">
+              <a:buFont typeface="Arial" panose="020B0604020202020204" pitchFamily="34" charset="0"/>
+              <a:buChar char="•"/>
+            </a:pPr>
+            <a:r>
+              <a:rPr lang="cs-CZ" sz="2400" dirty="0"/>
+              <a:t>Úvod do OOP</a:t>
+            </a:r>
             <a:endParaRPr lang="en-US" sz="2400" dirty="0"/>
           </a:p>
         </p:txBody>
@@ -8007,10 +11408,10 @@
       </p:cxnSp>
       <p:sp>
         <p:nvSpPr>
-          <p:cNvPr id="5" name="Zástupný symbol pro datum 4">
-            <a:extLst>
-              <a:ext uri="{FF2B5EF4-FFF2-40B4-BE49-F238E27FC236}">
-                <a16:creationId xmlns:a16="http://schemas.microsoft.com/office/drawing/2014/main" id="{B7CE433A-BB81-7D71-244F-A94EED1FE614}"/>
+          <p:cNvPr id="6" name="Zástupný symbol pro číslo snímku 5">
+            <a:extLst>
+              <a:ext uri="{FF2B5EF4-FFF2-40B4-BE49-F238E27FC236}">
+                <a16:creationId xmlns:a16="http://schemas.microsoft.com/office/drawing/2014/main" id="{2A48F93E-1A1F-37F2-C1CA-3F3A961B7695}"/>
               </a:ext>
             </a:extLst>
           </p:cNvPr>
@@ -8018,48 +11419,20 @@
             <a:spLocks noGrp="1"/>
           </p:cNvSpPr>
           <p:nvPr>
-            <p:ph type="dt" sz="half" idx="10"/>
-          </p:nvPr>
-        </p:nvSpPr>
-        <p:spPr>
-          <a:xfrm>
-            <a:off x="838200" y="6492240"/>
-            <a:ext cx="2743200" cy="365125"/>
-          </a:xfrm>
-        </p:spPr>
-        <p:txBody>
-          <a:bodyPr vert="horz" lIns="91440" tIns="45720" rIns="91440" bIns="45720" rtlCol="0" anchor="ctr">
-            <a:normAutofit/>
-          </a:bodyPr>
+            <p:ph type="sldNum" sz="quarter" idx="12"/>
+          </p:nvPr>
+        </p:nvSpPr>
+        <p:spPr/>
+        <p:txBody>
+          <a:bodyPr/>
           <a:lstStyle/>
           <a:p>
-            <a:pPr>
-              <a:spcAft>
-                <a:spcPts val="600"/>
-              </a:spcAft>
-            </a:pPr>
-            <a:fld id="{06F24F85-89C9-4554-BB3D-C9F75BD57326}" type="datetime1">
-              <a:rPr lang="en-US" smtClean="0">
-                <a:solidFill>
-                  <a:schemeClr val="tx1">
-                    <a:tint val="75000"/>
-                  </a:schemeClr>
-                </a:solidFill>
-              </a:rPr>
-              <a:pPr>
-                <a:spcAft>
-                  <a:spcPts val="600"/>
-                </a:spcAft>
-              </a:pPr>
-              <a:t>6/17/2024</a:t>
+            <a:pPr rtl="0"/>
+            <a:fld id="{34B7E4EF-A1BD-40F4-AB7B-04F084DD991D}" type="slidenum">
+              <a:rPr lang="en-US" smtClean="0"/>
+              <a:t>6</a:t>
             </a:fld>
-            <a:endParaRPr lang="en-US" dirty="0">
-              <a:solidFill>
-                <a:schemeClr val="tx1">
-                  <a:tint val="75000"/>
-                </a:schemeClr>
-              </a:solidFill>
-            </a:endParaRPr>
+            <a:endParaRPr lang="en-US"/>
           </a:p>
         </p:txBody>
       </p:sp>
@@ -8518,7 +11891,7 @@
               <a:buChar char="•"/>
             </a:pPr>
             <a:r>
-              <a:rPr lang="en-US" sz="1800" dirty="0"/>
+              <a:rPr lang="en-US" sz="3600" dirty="0"/>
               <a:t>C#/.NET</a:t>
             </a:r>
           </a:p>
@@ -8528,7 +11901,7 @@
               <a:buChar char="•"/>
             </a:pPr>
             <a:r>
-              <a:rPr lang="en-US" sz="1800" dirty="0"/>
+              <a:rPr lang="en-US" sz="3600" dirty="0"/>
               <a:t>Visual Studio</a:t>
             </a:r>
           </a:p>
@@ -8538,10 +11911,10 @@
               <a:buChar char="•"/>
             </a:pPr>
             <a:r>
-              <a:rPr lang="en-US" sz="1800" dirty="0"/>
+              <a:rPr lang="en-US" sz="3600" dirty="0"/>
               <a:t>GitHub</a:t>
             </a:r>
-            <a:endParaRPr lang="cs-CZ" sz="1800" dirty="0"/>
+            <a:endParaRPr lang="cs-CZ" sz="3600" dirty="0"/>
           </a:p>
         </p:txBody>
       </p:sp>
@@ -8605,7 +11978,7 @@
           <p:nvPr/>
         </p:nvPicPr>
         <p:blipFill rotWithShape="1">
-          <a:blip r:embed="rId3">
+          <a:blip r:embed="rId3" cstate="hqprint">
             <a:extLst>
               <a:ext uri="{28A0092B-C50C-407E-A947-70E740481C1C}">
                 <a14:useLocalDpi xmlns:a14="http://schemas.microsoft.com/office/drawing/2010/main" val="0"/>
@@ -8734,10 +12107,10 @@
       </p:cxnSp>
       <p:sp>
         <p:nvSpPr>
-          <p:cNvPr id="5" name="Zástupný symbol pro datum 4">
-            <a:extLst>
-              <a:ext uri="{FF2B5EF4-FFF2-40B4-BE49-F238E27FC236}">
-                <a16:creationId xmlns:a16="http://schemas.microsoft.com/office/drawing/2014/main" id="{B7CE433A-BB81-7D71-244F-A94EED1FE614}"/>
+          <p:cNvPr id="6" name="Zástupný symbol pro číslo snímku 5">
+            <a:extLst>
+              <a:ext uri="{FF2B5EF4-FFF2-40B4-BE49-F238E27FC236}">
+                <a16:creationId xmlns:a16="http://schemas.microsoft.com/office/drawing/2014/main" id="{E44CF015-46C2-0613-122F-69B8929A99E3}"/>
               </a:ext>
             </a:extLst>
           </p:cNvPr>
@@ -8745,48 +12118,20 @@
             <a:spLocks noGrp="1"/>
           </p:cNvSpPr>
           <p:nvPr>
-            <p:ph type="dt" sz="half" idx="10"/>
-          </p:nvPr>
-        </p:nvSpPr>
-        <p:spPr>
-          <a:xfrm>
-            <a:off x="838200" y="6492240"/>
-            <a:ext cx="2743200" cy="365125"/>
-          </a:xfrm>
-        </p:spPr>
-        <p:txBody>
-          <a:bodyPr vert="horz" lIns="91440" tIns="45720" rIns="91440" bIns="45720" rtlCol="0" anchor="ctr">
-            <a:normAutofit/>
-          </a:bodyPr>
+            <p:ph type="sldNum" sz="quarter" idx="12"/>
+          </p:nvPr>
+        </p:nvSpPr>
+        <p:spPr/>
+        <p:txBody>
+          <a:bodyPr/>
           <a:lstStyle/>
           <a:p>
-            <a:pPr>
-              <a:spcAft>
-                <a:spcPts val="600"/>
-              </a:spcAft>
-            </a:pPr>
-            <a:fld id="{06F24F85-89C9-4554-BB3D-C9F75BD57326}" type="datetime1">
-              <a:rPr lang="en-US" smtClean="0">
-                <a:solidFill>
-                  <a:schemeClr val="tx1">
-                    <a:tint val="75000"/>
-                  </a:schemeClr>
-                </a:solidFill>
-              </a:rPr>
-              <a:pPr>
-                <a:spcAft>
-                  <a:spcPts val="600"/>
-                </a:spcAft>
-              </a:pPr>
-              <a:t>6/17/2024</a:t>
+            <a:pPr rtl="0"/>
+            <a:fld id="{34B7E4EF-A1BD-40F4-AB7B-04F084DD991D}" type="slidenum">
+              <a:rPr lang="en-US" smtClean="0"/>
+              <a:t>7</a:t>
             </a:fld>
-            <a:endParaRPr lang="en-US" dirty="0">
-              <a:solidFill>
-                <a:schemeClr val="tx1">
-                  <a:tint val="75000"/>
-                </a:schemeClr>
-              </a:solidFill>
-            </a:endParaRPr>
+            <a:endParaRPr lang="en-US"/>
           </a:p>
         </p:txBody>
       </p:sp>
@@ -9205,9 +12550,26 @@
               <a:buChar char="•"/>
             </a:pPr>
             <a:r>
-              <a:rPr lang="en-US" sz="1800"/>
-              <a:t>Aplikace pro tvorbu kvízů</a:t>
-            </a:r>
+              <a:rPr lang="en-US" sz="2000" dirty="0" err="1"/>
+              <a:t>Aplikace</a:t>
+            </a:r>
+            <a:r>
+              <a:rPr lang="en-US" sz="2000" dirty="0"/>
+              <a:t> pro </a:t>
+            </a:r>
+            <a:r>
+              <a:rPr lang="en-US" sz="2000" dirty="0" err="1"/>
+              <a:t>tvorbu</a:t>
+            </a:r>
+            <a:r>
+              <a:rPr lang="en-US" sz="2000" dirty="0"/>
+              <a:t> </a:t>
+            </a:r>
+            <a:r>
+              <a:rPr lang="en-US" sz="2000" dirty="0" err="1"/>
+              <a:t>kvízů</a:t>
+            </a:r>
+            <a:endParaRPr lang="en-US" sz="2000" dirty="0"/>
           </a:p>
           <a:p>
             <a:pPr indent="-228600">
@@ -9215,9 +12577,26 @@
               <a:buChar char="•"/>
             </a:pPr>
             <a:r>
-              <a:rPr lang="en-US" sz="1800"/>
-              <a:t>Opakování a procvičování látky</a:t>
-            </a:r>
+              <a:rPr lang="en-US" sz="2000" dirty="0" err="1"/>
+              <a:t>Opakování</a:t>
+            </a:r>
+            <a:r>
+              <a:rPr lang="en-US" sz="2000" dirty="0"/>
+              <a:t> a </a:t>
+            </a:r>
+            <a:r>
+              <a:rPr lang="en-US" sz="2000" dirty="0" err="1"/>
+              <a:t>procvičování</a:t>
+            </a:r>
+            <a:r>
+              <a:rPr lang="en-US" sz="2000" dirty="0"/>
+              <a:t> </a:t>
+            </a:r>
+            <a:r>
+              <a:rPr lang="en-US" sz="2000" dirty="0" err="1"/>
+              <a:t>látky</a:t>
+            </a:r>
+            <a:endParaRPr lang="en-US" sz="2000" dirty="0"/>
           </a:p>
           <a:p>
             <a:pPr indent="-228600">
@@ -9225,67 +12604,34 @@
               <a:buChar char="•"/>
             </a:pPr>
             <a:r>
-              <a:rPr lang="en-US" sz="1800"/>
-              <a:t>Možnost získat bonusové známky</a:t>
-            </a:r>
-          </a:p>
-        </p:txBody>
-      </p:sp>
-      <p:sp>
-        <p:nvSpPr>
-          <p:cNvPr id="5" name="Zástupný symbol pro datum 4">
-            <a:extLst>
-              <a:ext uri="{FF2B5EF4-FFF2-40B4-BE49-F238E27FC236}">
-                <a16:creationId xmlns:a16="http://schemas.microsoft.com/office/drawing/2014/main" id="{B7CE433A-BB81-7D71-244F-A94EED1FE614}"/>
-              </a:ext>
-            </a:extLst>
-          </p:cNvPr>
-          <p:cNvSpPr>
-            <a:spLocks noGrp="1"/>
-          </p:cNvSpPr>
-          <p:nvPr>
-            <p:ph type="dt" sz="half" idx="10"/>
-          </p:nvPr>
-        </p:nvSpPr>
-        <p:spPr>
-          <a:xfrm>
-            <a:off x="838200" y="6492240"/>
-            <a:ext cx="2743200" cy="365125"/>
-          </a:xfrm>
-        </p:spPr>
-        <p:txBody>
-          <a:bodyPr vert="horz" lIns="91440" tIns="45720" rIns="91440" bIns="45720" rtlCol="0" anchor="ctr">
-            <a:normAutofit/>
-          </a:bodyPr>
-          <a:lstStyle/>
-          <a:p>
-            <a:pPr>
-              <a:spcAft>
-                <a:spcPts val="600"/>
-              </a:spcAft>
-            </a:pPr>
-            <a:fld id="{06F24F85-89C9-4554-BB3D-C9F75BD57326}" type="datetime1">
-              <a:rPr lang="en-US" smtClean="0">
-                <a:solidFill>
-                  <a:schemeClr val="tx1">
-                    <a:tint val="75000"/>
-                  </a:schemeClr>
-                </a:solidFill>
-              </a:rPr>
-              <a:pPr>
-                <a:spcAft>
-                  <a:spcPts val="600"/>
-                </a:spcAft>
-              </a:pPr>
-              <a:t>6/17/2024</a:t>
-            </a:fld>
-            <a:endParaRPr lang="en-US" dirty="0">
-              <a:solidFill>
-                <a:schemeClr val="tx1">
-                  <a:tint val="75000"/>
-                </a:schemeClr>
-              </a:solidFill>
-            </a:endParaRPr>
+              <a:rPr lang="en-US" sz="2000" dirty="0" err="1"/>
+              <a:t>Možnost</a:t>
+            </a:r>
+            <a:r>
+              <a:rPr lang="en-US" sz="2000" dirty="0"/>
+              <a:t> </a:t>
+            </a:r>
+            <a:r>
+              <a:rPr lang="en-US" sz="2000" dirty="0" err="1"/>
+              <a:t>získat</a:t>
+            </a:r>
+            <a:r>
+              <a:rPr lang="en-US" sz="2000" dirty="0"/>
+              <a:t> </a:t>
+            </a:r>
+            <a:r>
+              <a:rPr lang="en-US" sz="2000" dirty="0" err="1"/>
+              <a:t>bonusové</a:t>
+            </a:r>
+            <a:r>
+              <a:rPr lang="en-US" sz="2000" dirty="0"/>
+              <a:t> </a:t>
+            </a:r>
+            <a:r>
+              <a:rPr lang="en-US" sz="2000" dirty="0" err="1"/>
+              <a:t>známky</a:t>
+            </a:r>
+            <a:endParaRPr lang="en-US" sz="2000" dirty="0"/>
           </a:p>
         </p:txBody>
       </p:sp>
@@ -9348,6 +12694,36 @@
           <a:lstStyle/>
           <a:p>
             <a:pPr algn="ctr"/>
+            <a:endParaRPr lang="en-US"/>
+          </a:p>
+        </p:txBody>
+      </p:sp>
+      <p:sp>
+        <p:nvSpPr>
+          <p:cNvPr id="6" name="Zástupný symbol pro číslo snímku 5">
+            <a:extLst>
+              <a:ext uri="{FF2B5EF4-FFF2-40B4-BE49-F238E27FC236}">
+                <a16:creationId xmlns:a16="http://schemas.microsoft.com/office/drawing/2014/main" id="{43C81798-2652-C434-C34F-036936007D2F}"/>
+              </a:ext>
+            </a:extLst>
+          </p:cNvPr>
+          <p:cNvSpPr>
+            <a:spLocks noGrp="1"/>
+          </p:cNvSpPr>
+          <p:nvPr>
+            <p:ph type="sldNum" sz="quarter" idx="12"/>
+          </p:nvPr>
+        </p:nvSpPr>
+        <p:spPr/>
+        <p:txBody>
+          <a:bodyPr/>
+          <a:lstStyle/>
+          <a:p>
+            <a:pPr rtl="0"/>
+            <a:fld id="{34B7E4EF-A1BD-40F4-AB7B-04F084DD991D}" type="slidenum">
+              <a:rPr lang="en-US" smtClean="0"/>
+              <a:t>8</a:t>
+            </a:fld>
             <a:endParaRPr lang="en-US"/>
           </a:p>
         </p:txBody>
@@ -9627,12 +13003,52 @@
               <a:buChar char="•"/>
             </a:pPr>
             <a:r>
-              <a:rPr lang="en-US" sz="1800" b="0" i="0" u="none" strike="noStrike" baseline="0">
+              <a:rPr lang="en-US" sz="2400" b="0" i="0" u="none" strike="noStrike" baseline="0" dirty="0" err="1">
                 <a:solidFill>
                   <a:schemeClr val="tx2"/>
                 </a:solidFill>
               </a:rPr>
-              <a:t>Chuť objevovat a učit se</a:t>
+              <a:t>Chuť</a:t>
+            </a:r>
+            <a:r>
+              <a:rPr lang="en-US" sz="2400" b="0" i="0" u="none" strike="noStrike" baseline="0" dirty="0">
+                <a:solidFill>
+                  <a:schemeClr val="tx2"/>
+                </a:solidFill>
+              </a:rPr>
+              <a:t> </a:t>
+            </a:r>
+            <a:r>
+              <a:rPr lang="en-US" sz="2400" b="0" i="0" u="none" strike="noStrike" baseline="0" dirty="0" err="1">
+                <a:solidFill>
+                  <a:schemeClr val="tx2"/>
+                </a:solidFill>
+              </a:rPr>
+              <a:t>objevovat</a:t>
+            </a:r>
+            <a:r>
+              <a:rPr lang="en-US" sz="2400" b="0" i="0" u="none" strike="noStrike" baseline="0" dirty="0">
+                <a:solidFill>
+                  <a:schemeClr val="tx2"/>
+                </a:solidFill>
+              </a:rPr>
+              <a:t> a </a:t>
+            </a:r>
+            <a:r>
+              <a:rPr lang="en-US" sz="2400" b="0" i="0" u="none" strike="noStrike" baseline="0" dirty="0" err="1">
+                <a:solidFill>
+                  <a:schemeClr val="tx2"/>
+                </a:solidFill>
+              </a:rPr>
+              <a:t>učit</a:t>
+            </a:r>
+            <a:r>
+              <a:rPr lang="en-US" sz="2400" b="0" i="0" u="none" strike="noStrike" baseline="0" dirty="0">
+                <a:solidFill>
+                  <a:schemeClr val="tx2"/>
+                </a:solidFill>
+              </a:rPr>
+              <a:t> se</a:t>
             </a:r>
           </a:p>
           <a:p>
@@ -9641,13 +13057,34 @@
               <a:buChar char="•"/>
             </a:pPr>
             <a:r>
-              <a:rPr lang="en-US" sz="1800" b="0" i="0" u="none" strike="noStrike" baseline="0">
+              <a:rPr lang="en-US" sz="2400" b="0" i="0" u="none" strike="noStrike" baseline="0" dirty="0" err="1">
                 <a:solidFill>
                   <a:schemeClr val="tx2"/>
                 </a:solidFill>
               </a:rPr>
-              <a:t>Analytické myšlení</a:t>
-            </a:r>
+              <a:t>Analytické</a:t>
+            </a:r>
+            <a:r>
+              <a:rPr lang="en-US" sz="2400" b="0" i="0" u="none" strike="noStrike" baseline="0" dirty="0">
+                <a:solidFill>
+                  <a:schemeClr val="tx2"/>
+                </a:solidFill>
+              </a:rPr>
+              <a:t> </a:t>
+            </a:r>
+            <a:r>
+              <a:rPr lang="en-US" sz="2400" b="0" i="0" u="none" strike="noStrike" baseline="0" dirty="0" err="1">
+                <a:solidFill>
+                  <a:schemeClr val="tx2"/>
+                </a:solidFill>
+              </a:rPr>
+              <a:t>myšlení</a:t>
+            </a:r>
+            <a:endParaRPr lang="en-US" sz="2400" b="0" i="0" u="none" strike="noStrike" baseline="0" dirty="0">
+              <a:solidFill>
+                <a:schemeClr val="tx2"/>
+              </a:solidFill>
+            </a:endParaRPr>
           </a:p>
           <a:p>
             <a:pPr marL="285750" indent="-228600">
@@ -9655,13 +13092,34 @@
               <a:buChar char="•"/>
             </a:pPr>
             <a:r>
-              <a:rPr lang="en-US" sz="1800" b="0" i="0" u="none" strike="noStrike" baseline="0">
+              <a:rPr lang="en-US" sz="2400" b="0" i="0" u="none" strike="noStrike" baseline="0" dirty="0" err="1">
                 <a:solidFill>
                   <a:schemeClr val="tx2"/>
                 </a:solidFill>
               </a:rPr>
-              <a:t>Logické uvažování</a:t>
-            </a:r>
+              <a:t>Logické</a:t>
+            </a:r>
+            <a:r>
+              <a:rPr lang="en-US" sz="2400" b="0" i="0" u="none" strike="noStrike" baseline="0" dirty="0">
+                <a:solidFill>
+                  <a:schemeClr val="tx2"/>
+                </a:solidFill>
+              </a:rPr>
+              <a:t> </a:t>
+            </a:r>
+            <a:r>
+              <a:rPr lang="en-US" sz="2400" b="0" i="0" u="none" strike="noStrike" baseline="0" dirty="0" err="1">
+                <a:solidFill>
+                  <a:schemeClr val="tx2"/>
+                </a:solidFill>
+              </a:rPr>
+              <a:t>uvažování</a:t>
+            </a:r>
+            <a:endParaRPr lang="en-US" sz="2400" b="0" i="0" u="none" strike="noStrike" baseline="0" dirty="0">
+              <a:solidFill>
+                <a:schemeClr val="tx2"/>
+              </a:solidFill>
+            </a:endParaRPr>
           </a:p>
           <a:p>
             <a:pPr marL="285750" indent="-228600">
@@ -9669,13 +13127,34 @@
               <a:buChar char="•"/>
             </a:pPr>
             <a:r>
-              <a:rPr lang="en-US" sz="1800" b="0" i="0" u="none" strike="noStrike" baseline="0">
+              <a:rPr lang="en-US" sz="2400" b="0" i="0" u="none" strike="noStrike" baseline="0" dirty="0" err="1">
                 <a:solidFill>
                   <a:schemeClr val="tx2"/>
                 </a:solidFill>
               </a:rPr>
-              <a:t>Znalost matematiky</a:t>
-            </a:r>
+              <a:t>Znalost</a:t>
+            </a:r>
+            <a:r>
+              <a:rPr lang="en-US" sz="2400" b="0" i="0" u="none" strike="noStrike" baseline="0" dirty="0">
+                <a:solidFill>
+                  <a:schemeClr val="tx2"/>
+                </a:solidFill>
+              </a:rPr>
+              <a:t> </a:t>
+            </a:r>
+            <a:r>
+              <a:rPr lang="en-US" sz="2400" b="0" i="0" u="none" strike="noStrike" baseline="0" dirty="0" err="1">
+                <a:solidFill>
+                  <a:schemeClr val="tx2"/>
+                </a:solidFill>
+              </a:rPr>
+              <a:t>matematiky</a:t>
+            </a:r>
+            <a:endParaRPr lang="en-US" sz="2400" b="0" i="0" u="none" strike="noStrike" baseline="0" dirty="0">
+              <a:solidFill>
+                <a:schemeClr val="tx2"/>
+              </a:solidFill>
+            </a:endParaRPr>
           </a:p>
           <a:p>
             <a:pPr marL="285750" indent="-228600">
@@ -9683,13 +13162,34 @@
               <a:buChar char="•"/>
             </a:pPr>
             <a:r>
-              <a:rPr lang="en-US" sz="1800" b="0" i="0" u="none" strike="noStrike" baseline="0">
+              <a:rPr lang="en-US" sz="2400" b="0" i="0" u="none" strike="noStrike" baseline="0" dirty="0" err="1">
                 <a:solidFill>
                   <a:schemeClr val="tx2"/>
                 </a:solidFill>
               </a:rPr>
-              <a:t>Schopnost algoritmizace</a:t>
-            </a:r>
+              <a:t>Schopnost</a:t>
+            </a:r>
+            <a:r>
+              <a:rPr lang="en-US" sz="2400" b="0" i="0" u="none" strike="noStrike" baseline="0" dirty="0">
+                <a:solidFill>
+                  <a:schemeClr val="tx2"/>
+                </a:solidFill>
+              </a:rPr>
+              <a:t> </a:t>
+            </a:r>
+            <a:r>
+              <a:rPr lang="en-US" sz="2400" b="0" i="0" u="none" strike="noStrike" baseline="0" dirty="0" err="1">
+                <a:solidFill>
+                  <a:schemeClr val="tx2"/>
+                </a:solidFill>
+              </a:rPr>
+              <a:t>algoritmizace</a:t>
+            </a:r>
+            <a:endParaRPr lang="en-US" sz="2400" b="0" i="0" u="none" strike="noStrike" baseline="0" dirty="0">
+              <a:solidFill>
+                <a:schemeClr val="tx2"/>
+              </a:solidFill>
+            </a:endParaRPr>
           </a:p>
           <a:p>
             <a:pPr marL="285750" indent="-228600">
@@ -9697,20 +13197,41 @@
               <a:buChar char="•"/>
             </a:pPr>
             <a:r>
-              <a:rPr lang="en-US" sz="1800" b="0" i="0" u="none" strike="noStrike" baseline="0">
+              <a:rPr lang="en-US" sz="2400" b="0" i="0" u="none" strike="noStrike" baseline="0" dirty="0" err="1">
                 <a:solidFill>
                   <a:schemeClr val="tx2"/>
                 </a:solidFill>
               </a:rPr>
-              <a:t>Vytrvalost a píle</a:t>
-            </a:r>
+              <a:t>Vytrvalost</a:t>
+            </a:r>
+            <a:r>
+              <a:rPr lang="en-US" sz="2400" b="0" i="0" u="none" strike="noStrike" baseline="0" dirty="0">
+                <a:solidFill>
+                  <a:schemeClr val="tx2"/>
+                </a:solidFill>
+              </a:rPr>
+              <a:t> a </a:t>
+            </a:r>
+            <a:r>
+              <a:rPr lang="en-US" sz="2400" b="0" i="0" u="none" strike="noStrike" baseline="0" dirty="0" err="1">
+                <a:solidFill>
+                  <a:schemeClr val="tx2"/>
+                </a:solidFill>
+              </a:rPr>
+              <a:t>píle</a:t>
+            </a:r>
+            <a:endParaRPr lang="en-US" sz="2400" b="0" i="0" u="none" strike="noStrike" baseline="0" dirty="0">
+              <a:solidFill>
+                <a:schemeClr val="tx2"/>
+              </a:solidFill>
+            </a:endParaRPr>
           </a:p>
           <a:p>
             <a:pPr indent="-228600">
               <a:buFont typeface="Arial" panose="020B0604020202020204" pitchFamily="34" charset="0"/>
               <a:buChar char="•"/>
             </a:pPr>
-            <a:endParaRPr lang="en-US" sz="1800">
+            <a:endParaRPr lang="en-US" sz="1800" dirty="0">
               <a:solidFill>
                 <a:schemeClr val="tx2"/>
               </a:solidFill>
@@ -12596,10 +16117,10 @@
       </p:grpSp>
       <p:sp>
         <p:nvSpPr>
-          <p:cNvPr id="5" name="Zástupný symbol pro datum 4">
-            <a:extLst>
-              <a:ext uri="{FF2B5EF4-FFF2-40B4-BE49-F238E27FC236}">
-                <a16:creationId xmlns:a16="http://schemas.microsoft.com/office/drawing/2014/main" id="{B7CE433A-BB81-7D71-244F-A94EED1FE614}"/>
+          <p:cNvPr id="6" name="Zástupný symbol pro číslo snímku 5">
+            <a:extLst>
+              <a:ext uri="{FF2B5EF4-FFF2-40B4-BE49-F238E27FC236}">
+                <a16:creationId xmlns:a16="http://schemas.microsoft.com/office/drawing/2014/main" id="{8B3C9365-8C88-7E43-AB83-7C4589251124}"/>
               </a:ext>
             </a:extLst>
           </p:cNvPr>
@@ -12607,48 +16128,20 @@
             <a:spLocks noGrp="1"/>
           </p:cNvSpPr>
           <p:nvPr>
-            <p:ph type="dt" sz="half" idx="10"/>
-          </p:nvPr>
-        </p:nvSpPr>
-        <p:spPr>
-          <a:xfrm>
-            <a:off x="804672" y="6356350"/>
-            <a:ext cx="2743200" cy="365125"/>
-          </a:xfrm>
-        </p:spPr>
-        <p:txBody>
-          <a:bodyPr vert="horz" lIns="91440" tIns="45720" rIns="91440" bIns="45720" rtlCol="0" anchor="ctr">
-            <a:normAutofit/>
-          </a:bodyPr>
+            <p:ph type="sldNum" sz="quarter" idx="12"/>
+          </p:nvPr>
+        </p:nvSpPr>
+        <p:spPr/>
+        <p:txBody>
+          <a:bodyPr/>
           <a:lstStyle/>
           <a:p>
-            <a:pPr>
-              <a:spcAft>
-                <a:spcPts val="600"/>
-              </a:spcAft>
-            </a:pPr>
-            <a:fld id="{06F24F85-89C9-4554-BB3D-C9F75BD57326}" type="datetime1">
-              <a:rPr lang="en-US" smtClean="0">
-                <a:solidFill>
-                  <a:schemeClr val="tx1">
-                    <a:tint val="75000"/>
-                  </a:schemeClr>
-                </a:solidFill>
-              </a:rPr>
-              <a:pPr>
-                <a:spcAft>
-                  <a:spcPts val="600"/>
-                </a:spcAft>
-              </a:pPr>
-              <a:t>6/17/2024</a:t>
+            <a:pPr rtl="0"/>
+            <a:fld id="{34B7E4EF-A1BD-40F4-AB7B-04F084DD991D}" type="slidenum">
+              <a:rPr lang="en-US" smtClean="0"/>
+              <a:t>9</a:t>
             </a:fld>
-            <a:endParaRPr lang="en-US" dirty="0">
-              <a:solidFill>
-                <a:schemeClr val="tx1">
-                  <a:tint val="75000"/>
-                </a:schemeClr>
-              </a:solidFill>
-            </a:endParaRPr>
+            <a:endParaRPr lang="en-US"/>
           </a:p>
         </p:txBody>
       </p:sp>
@@ -12981,7 +16474,7 @@
 </file>
 
 <file path=ppt/theme/theme2.xml><?xml version="1.0" encoding="utf-8"?>
-<a:theme xmlns:a="http://schemas.openxmlformats.org/drawingml/2006/main" name="Motiv Office">
+<a:theme xmlns:a="http://schemas.openxmlformats.org/drawingml/2006/main" name="Vlastní návrh">
   <a:themeElements>
     <a:clrScheme name="Office">
       <a:dk1>
@@ -12991,39 +16484,39 @@
         <a:sysClr val="window" lastClr="FFFFFF"/>
       </a:lt1>
       <a:dk2>
-        <a:srgbClr val="44546A"/>
+        <a:srgbClr val="0E2841"/>
       </a:dk2>
       <a:lt2>
-        <a:srgbClr val="E7E6E6"/>
+        <a:srgbClr val="E8E8E8"/>
       </a:lt2>
       <a:accent1>
-        <a:srgbClr val="5B9BD5"/>
+        <a:srgbClr val="156082"/>
       </a:accent1>
       <a:accent2>
-        <a:srgbClr val="ED7D31"/>
+        <a:srgbClr val="E97132"/>
       </a:accent2>
       <a:accent3>
-        <a:srgbClr val="A5A5A5"/>
+        <a:srgbClr val="196B24"/>
       </a:accent3>
       <a:accent4>
-        <a:srgbClr val="FFC000"/>
+        <a:srgbClr val="0F9ED5"/>
       </a:accent4>
       <a:accent5>
-        <a:srgbClr val="4472C4"/>
+        <a:srgbClr val="A02B93"/>
       </a:accent5>
       <a:accent6>
-        <a:srgbClr val="70AD47"/>
+        <a:srgbClr val="4EA72E"/>
       </a:accent6>
       <a:hlink>
-        <a:srgbClr val="0563C1"/>
+        <a:srgbClr val="467886"/>
       </a:hlink>
       <a:folHlink>
-        <a:srgbClr val="954F72"/>
+        <a:srgbClr val="96607D"/>
       </a:folHlink>
     </a:clrScheme>
     <a:fontScheme name="Office">
       <a:majorFont>
-        <a:latin typeface="Calibri Light" panose="020F0302020204030204"/>
+        <a:latin typeface="Aptos Display" panose="02110004020202020204"/>
         <a:ea typeface=""/>
         <a:cs typeface=""/>
         <a:font script="Jpan" typeface="游ゴシック Light"/>
@@ -13056,9 +16549,26 @@
         <a:font script="Viet" typeface="Times New Roman"/>
         <a:font script="Uigh" typeface="Microsoft Uighur"/>
         <a:font script="Geor" typeface="Sylfaen"/>
+        <a:font script="Armn" typeface="Arial"/>
+        <a:font script="Bugi" typeface="Leelawadee UI"/>
+        <a:font script="Bopo" typeface="Microsoft JhengHei"/>
+        <a:font script="Java" typeface="Javanese Text"/>
+        <a:font script="Lisu" typeface="Segoe UI"/>
+        <a:font script="Mymr" typeface="Myanmar Text"/>
+        <a:font script="Nkoo" typeface="Ebrima"/>
+        <a:font script="Olck" typeface="Nirmala UI"/>
+        <a:font script="Osma" typeface="Ebrima"/>
+        <a:font script="Phag" typeface="Phagspa"/>
+        <a:font script="Syrn" typeface="Estrangelo Edessa"/>
+        <a:font script="Syrj" typeface="Estrangelo Edessa"/>
+        <a:font script="Syre" typeface="Estrangelo Edessa"/>
+        <a:font script="Sora" typeface="Nirmala UI"/>
+        <a:font script="Tale" typeface="Microsoft Tai Le"/>
+        <a:font script="Talu" typeface="Microsoft New Tai Lue"/>
+        <a:font script="Tfng" typeface="Ebrima"/>
       </a:majorFont>
       <a:minorFont>
-        <a:latin typeface="Calibri" panose="020F0502020204030204"/>
+        <a:latin typeface="Aptos" panose="02110004020202020204"/>
         <a:ea typeface=""/>
         <a:cs typeface=""/>
         <a:font script="Jpan" typeface="游ゴシック"/>
@@ -13091,6 +16601,23 @@
         <a:font script="Viet" typeface="Arial"/>
         <a:font script="Uigh" typeface="Microsoft Uighur"/>
         <a:font script="Geor" typeface="Sylfaen"/>
+        <a:font script="Armn" typeface="Arial"/>
+        <a:font script="Bugi" typeface="Leelawadee UI"/>
+        <a:font script="Bopo" typeface="Microsoft JhengHei"/>
+        <a:font script="Java" typeface="Javanese Text"/>
+        <a:font script="Lisu" typeface="Segoe UI"/>
+        <a:font script="Mymr" typeface="Myanmar Text"/>
+        <a:font script="Nkoo" typeface="Ebrima"/>
+        <a:font script="Olck" typeface="Nirmala UI"/>
+        <a:font script="Osma" typeface="Ebrima"/>
+        <a:font script="Phag" typeface="Phagspa"/>
+        <a:font script="Syrn" typeface="Estrangelo Edessa"/>
+        <a:font script="Syrj" typeface="Estrangelo Edessa"/>
+        <a:font script="Syre" typeface="Estrangelo Edessa"/>
+        <a:font script="Sora" typeface="Nirmala UI"/>
+        <a:font script="Tale" typeface="Microsoft Tai Le"/>
+        <a:font script="Talu" typeface="Microsoft New Tai Lue"/>
+        <a:font script="Tfng" typeface="Ebrima"/>
       </a:minorFont>
     </a:fontScheme>
     <a:fmtScheme name="Office">
@@ -13152,13 +16679,6 @@
         </a:gradFill>
       </a:fillStyleLst>
       <a:lnStyleLst>
-        <a:ln w="6350" cap="flat" cmpd="sng" algn="ctr">
-          <a:solidFill>
-            <a:schemeClr val="phClr"/>
-          </a:solidFill>
-          <a:prstDash val="solid"/>
-          <a:miter lim="800000"/>
-        </a:ln>
         <a:ln w="12700" cap="flat" cmpd="sng" algn="ctr">
           <a:solidFill>
             <a:schemeClr val="phClr"/>
@@ -13167,6 +16687,13 @@
           <a:miter lim="800000"/>
         </a:ln>
         <a:ln w="19050" cap="flat" cmpd="sng" algn="ctr">
+          <a:solidFill>
+            <a:schemeClr val="phClr"/>
+          </a:solidFill>
+          <a:prstDash val="solid"/>
+          <a:miter lim="800000"/>
+        </a:ln>
+        <a:ln w="25400" cap="flat" cmpd="sng" algn="ctr">
           <a:solidFill>
             <a:schemeClr val="phClr"/>
           </a:solidFill>
@@ -13231,11 +16758,31 @@
       </a:bgFillStyleLst>
     </a:fmtScheme>
   </a:themeElements>
-  <a:objectDefaults/>
+  <a:objectDefaults>
+    <a:lnDef>
+      <a:spPr/>
+      <a:bodyPr/>
+      <a:lstStyle/>
+      <a:style>
+        <a:lnRef idx="2">
+          <a:schemeClr val="accent1"/>
+        </a:lnRef>
+        <a:fillRef idx="0">
+          <a:schemeClr val="accent1"/>
+        </a:fillRef>
+        <a:effectRef idx="1">
+          <a:schemeClr val="accent1"/>
+        </a:effectRef>
+        <a:fontRef idx="minor">
+          <a:schemeClr val="tx1"/>
+        </a:fontRef>
+      </a:style>
+    </a:lnDef>
+  </a:objectDefaults>
   <a:extraClrSchemeLst/>
   <a:extLst>
     <a:ext uri="{05A4C25C-085E-4340-85A3-A5531E510DB2}">
-      <thm15:themeFamily xmlns:thm15="http://schemas.microsoft.com/office/thememl/2012/main" name="Office Theme" id="{62F939B6-93AF-4DB8-9C6B-D6C7DFDC589F}" vid="{4A3C46E8-61CC-4603-A589-7422A47A8E4A}"/>
+      <thm15:themeFamily xmlns:thm15="http://schemas.microsoft.com/office/thememl/2012/main" name="Office Theme" id="{2E142A2C-CD16-42D6-873A-C26D2A0506FA}" vid="{1BDDFF52-6CD6-40A5-AB3C-68EB2F1E4D0A}"/>
     </a:ext>
   </a:extLst>
 </a:theme>
@@ -13500,4 +17047,265 @@
     </a:ext>
   </a:extLst>
 </a:theme>
+</file>
+
+<file path=ppt/theme/theme4.xml><?xml version="1.0" encoding="utf-8"?>
+<a:theme xmlns:a="http://schemas.openxmlformats.org/drawingml/2006/main" name="Motiv Office">
+  <a:themeElements>
+    <a:clrScheme name="Office">
+      <a:dk1>
+        <a:sysClr val="windowText" lastClr="000000"/>
+      </a:dk1>
+      <a:lt1>
+        <a:sysClr val="window" lastClr="FFFFFF"/>
+      </a:lt1>
+      <a:dk2>
+        <a:srgbClr val="44546A"/>
+      </a:dk2>
+      <a:lt2>
+        <a:srgbClr val="E7E6E6"/>
+      </a:lt2>
+      <a:accent1>
+        <a:srgbClr val="5B9BD5"/>
+      </a:accent1>
+      <a:accent2>
+        <a:srgbClr val="ED7D31"/>
+      </a:accent2>
+      <a:accent3>
+        <a:srgbClr val="A5A5A5"/>
+      </a:accent3>
+      <a:accent4>
+        <a:srgbClr val="FFC000"/>
+      </a:accent4>
+      <a:accent5>
+        <a:srgbClr val="4472C4"/>
+      </a:accent5>
+      <a:accent6>
+        <a:srgbClr val="70AD47"/>
+      </a:accent6>
+      <a:hlink>
+        <a:srgbClr val="0563C1"/>
+      </a:hlink>
+      <a:folHlink>
+        <a:srgbClr val="954F72"/>
+      </a:folHlink>
+    </a:clrScheme>
+    <a:fontScheme name="Office">
+      <a:majorFont>
+        <a:latin typeface="Calibri Light" panose="020F0302020204030204"/>
+        <a:ea typeface=""/>
+        <a:cs typeface=""/>
+        <a:font script="Jpan" typeface="游ゴシック Light"/>
+        <a:font script="Hang" typeface="맑은 고딕"/>
+        <a:font script="Hans" typeface="等线 Light"/>
+        <a:font script="Hant" typeface="新細明體"/>
+        <a:font script="Arab" typeface="Times New Roman"/>
+        <a:font script="Hebr" typeface="Times New Roman"/>
+        <a:font script="Thai" typeface="Angsana New"/>
+        <a:font script="Ethi" typeface="Nyala"/>
+        <a:font script="Beng" typeface="Vrinda"/>
+        <a:font script="Gujr" typeface="Shruti"/>
+        <a:font script="Khmr" typeface="MoolBoran"/>
+        <a:font script="Knda" typeface="Tunga"/>
+        <a:font script="Guru" typeface="Raavi"/>
+        <a:font script="Cans" typeface="Euphemia"/>
+        <a:font script="Cher" typeface="Plantagenet Cherokee"/>
+        <a:font script="Yiii" typeface="Microsoft Yi Baiti"/>
+        <a:font script="Tibt" typeface="Microsoft Himalaya"/>
+        <a:font script="Thaa" typeface="MV Boli"/>
+        <a:font script="Deva" typeface="Mangal"/>
+        <a:font script="Telu" typeface="Gautami"/>
+        <a:font script="Taml" typeface="Latha"/>
+        <a:font script="Syrc" typeface="Estrangelo Edessa"/>
+        <a:font script="Orya" typeface="Kalinga"/>
+        <a:font script="Mlym" typeface="Kartika"/>
+        <a:font script="Laoo" typeface="DokChampa"/>
+        <a:font script="Sinh" typeface="Iskoola Pota"/>
+        <a:font script="Mong" typeface="Mongolian Baiti"/>
+        <a:font script="Viet" typeface="Times New Roman"/>
+        <a:font script="Uigh" typeface="Microsoft Uighur"/>
+        <a:font script="Geor" typeface="Sylfaen"/>
+      </a:majorFont>
+      <a:minorFont>
+        <a:latin typeface="Calibri" panose="020F0502020204030204"/>
+        <a:ea typeface=""/>
+        <a:cs typeface=""/>
+        <a:font script="Jpan" typeface="游ゴシック"/>
+        <a:font script="Hang" typeface="맑은 고딕"/>
+        <a:font script="Hans" typeface="等线"/>
+        <a:font script="Hant" typeface="新細明體"/>
+        <a:font script="Arab" typeface="Arial"/>
+        <a:font script="Hebr" typeface="Arial"/>
+        <a:font script="Thai" typeface="Cordia New"/>
+        <a:font script="Ethi" typeface="Nyala"/>
+        <a:font script="Beng" typeface="Vrinda"/>
+        <a:font script="Gujr" typeface="Shruti"/>
+        <a:font script="Khmr" typeface="DaunPenh"/>
+        <a:font script="Knda" typeface="Tunga"/>
+        <a:font script="Guru" typeface="Raavi"/>
+        <a:font script="Cans" typeface="Euphemia"/>
+        <a:font script="Cher" typeface="Plantagenet Cherokee"/>
+        <a:font script="Yiii" typeface="Microsoft Yi Baiti"/>
+        <a:font script="Tibt" typeface="Microsoft Himalaya"/>
+        <a:font script="Thaa" typeface="MV Boli"/>
+        <a:font script="Deva" typeface="Mangal"/>
+        <a:font script="Telu" typeface="Gautami"/>
+        <a:font script="Taml" typeface="Latha"/>
+        <a:font script="Syrc" typeface="Estrangelo Edessa"/>
+        <a:font script="Orya" typeface="Kalinga"/>
+        <a:font script="Mlym" typeface="Kartika"/>
+        <a:font script="Laoo" typeface="DokChampa"/>
+        <a:font script="Sinh" typeface="Iskoola Pota"/>
+        <a:font script="Mong" typeface="Mongolian Baiti"/>
+        <a:font script="Viet" typeface="Arial"/>
+        <a:font script="Uigh" typeface="Microsoft Uighur"/>
+        <a:font script="Geor" typeface="Sylfaen"/>
+      </a:minorFont>
+    </a:fontScheme>
+    <a:fmtScheme name="Office">
+      <a:fillStyleLst>
+        <a:solidFill>
+          <a:schemeClr val="phClr"/>
+        </a:solidFill>
+        <a:gradFill rotWithShape="1">
+          <a:gsLst>
+            <a:gs pos="0">
+              <a:schemeClr val="phClr">
+                <a:lumMod val="110000"/>
+                <a:satMod val="105000"/>
+                <a:tint val="67000"/>
+              </a:schemeClr>
+            </a:gs>
+            <a:gs pos="50000">
+              <a:schemeClr val="phClr">
+                <a:lumMod val="105000"/>
+                <a:satMod val="103000"/>
+                <a:tint val="73000"/>
+              </a:schemeClr>
+            </a:gs>
+            <a:gs pos="100000">
+              <a:schemeClr val="phClr">
+                <a:lumMod val="105000"/>
+                <a:satMod val="109000"/>
+                <a:tint val="81000"/>
+              </a:schemeClr>
+            </a:gs>
+          </a:gsLst>
+          <a:lin ang="5400000" scaled="0"/>
+        </a:gradFill>
+        <a:gradFill rotWithShape="1">
+          <a:gsLst>
+            <a:gs pos="0">
+              <a:schemeClr val="phClr">
+                <a:satMod val="103000"/>
+                <a:lumMod val="102000"/>
+                <a:tint val="94000"/>
+              </a:schemeClr>
+            </a:gs>
+            <a:gs pos="50000">
+              <a:schemeClr val="phClr">
+                <a:satMod val="110000"/>
+                <a:lumMod val="100000"/>
+                <a:shade val="100000"/>
+              </a:schemeClr>
+            </a:gs>
+            <a:gs pos="100000">
+              <a:schemeClr val="phClr">
+                <a:lumMod val="99000"/>
+                <a:satMod val="120000"/>
+                <a:shade val="78000"/>
+              </a:schemeClr>
+            </a:gs>
+          </a:gsLst>
+          <a:lin ang="5400000" scaled="0"/>
+        </a:gradFill>
+      </a:fillStyleLst>
+      <a:lnStyleLst>
+        <a:ln w="6350" cap="flat" cmpd="sng" algn="ctr">
+          <a:solidFill>
+            <a:schemeClr val="phClr"/>
+          </a:solidFill>
+          <a:prstDash val="solid"/>
+          <a:miter lim="800000"/>
+        </a:ln>
+        <a:ln w="12700" cap="flat" cmpd="sng" algn="ctr">
+          <a:solidFill>
+            <a:schemeClr val="phClr"/>
+          </a:solidFill>
+          <a:prstDash val="solid"/>
+          <a:miter lim="800000"/>
+        </a:ln>
+        <a:ln w="19050" cap="flat" cmpd="sng" algn="ctr">
+          <a:solidFill>
+            <a:schemeClr val="phClr"/>
+          </a:solidFill>
+          <a:prstDash val="solid"/>
+          <a:miter lim="800000"/>
+        </a:ln>
+      </a:lnStyleLst>
+      <a:effectStyleLst>
+        <a:effectStyle>
+          <a:effectLst/>
+        </a:effectStyle>
+        <a:effectStyle>
+          <a:effectLst/>
+        </a:effectStyle>
+        <a:effectStyle>
+          <a:effectLst>
+            <a:outerShdw blurRad="57150" dist="19050" dir="5400000" algn="ctr" rotWithShape="0">
+              <a:srgbClr val="000000">
+                <a:alpha val="63000"/>
+              </a:srgbClr>
+            </a:outerShdw>
+          </a:effectLst>
+        </a:effectStyle>
+      </a:effectStyleLst>
+      <a:bgFillStyleLst>
+        <a:solidFill>
+          <a:schemeClr val="phClr"/>
+        </a:solidFill>
+        <a:solidFill>
+          <a:schemeClr val="phClr">
+            <a:tint val="95000"/>
+            <a:satMod val="170000"/>
+          </a:schemeClr>
+        </a:solidFill>
+        <a:gradFill rotWithShape="1">
+          <a:gsLst>
+            <a:gs pos="0">
+              <a:schemeClr val="phClr">
+                <a:tint val="93000"/>
+                <a:satMod val="150000"/>
+                <a:shade val="98000"/>
+                <a:lumMod val="102000"/>
+              </a:schemeClr>
+            </a:gs>
+            <a:gs pos="50000">
+              <a:schemeClr val="phClr">
+                <a:tint val="98000"/>
+                <a:satMod val="130000"/>
+                <a:shade val="90000"/>
+                <a:lumMod val="103000"/>
+              </a:schemeClr>
+            </a:gs>
+            <a:gs pos="100000">
+              <a:schemeClr val="phClr">
+                <a:shade val="63000"/>
+                <a:satMod val="120000"/>
+              </a:schemeClr>
+            </a:gs>
+          </a:gsLst>
+          <a:lin ang="5400000" scaled="0"/>
+        </a:gradFill>
+      </a:bgFillStyleLst>
+    </a:fmtScheme>
+  </a:themeElements>
+  <a:objectDefaults/>
+  <a:extraClrSchemeLst/>
+  <a:extLst>
+    <a:ext uri="{05A4C25C-085E-4340-85A3-A5531E510DB2}">
+      <thm15:themeFamily xmlns:thm15="http://schemas.microsoft.com/office/thememl/2012/main" name="Office Theme" id="{62F939B6-93AF-4DB8-9C6B-D6C7DFDC589F}" vid="{4A3C46E8-61CC-4603-A589-7422A47A8E4A}"/>
+    </a:ext>
+  </a:extLst>
+</a:theme>
 </file>